--- a/English/4. Analysing data/1.Drillthrough.pptx
+++ b/English/4. Analysing data/1.Drillthrough.pptx
@@ -24,7 +24,7 @@
   <p:notesSz cx="6858000" cy="9144000"/>
   <p:defaultTextStyle>
     <a:defPPr>
-      <a:defRPr lang="en-US"/>
+      <a:defRPr lang="en"/>
     </a:defPPr>
     <a:lvl1pPr marL="0" algn="l" defTabSz="914400" rtl="0" eaLnBrk="1" latinLnBrk="0" hangingPunct="1">
       <a:defRPr sz="1800" kern="1200">
@@ -207,7 +207,7 @@
           <a:p>
             <a:fld id="{056BA3B8-9F76-4D81-B71D-76CB85363062}" type="datetimeFigureOut">
               <a:rPr lang="en-US" smtClean="0"/>
-              <a:t>1/2/2025</a:t>
+              <a:t>3/5/2025</a:t>
             </a:fld>
             <a:endParaRPr lang="en-US"/>
           </a:p>
@@ -1362,7 +1362,7 @@
           <a:p>
             <a:fld id="{6F01DA4D-20EA-48D2-973C-0311EC3005D6}" type="datetimeFigureOut">
               <a:rPr lang="en-US" smtClean="0"/>
-              <a:t>1/2/2025</a:t>
+              <a:t>3/5/2025</a:t>
             </a:fld>
             <a:endParaRPr lang="en-US"/>
           </a:p>
@@ -1532,7 +1532,7 @@
           <a:p>
             <a:fld id="{6F01DA4D-20EA-48D2-973C-0311EC3005D6}" type="datetimeFigureOut">
               <a:rPr lang="en-US" smtClean="0"/>
-              <a:t>1/2/2025</a:t>
+              <a:t>3/5/2025</a:t>
             </a:fld>
             <a:endParaRPr lang="en-US"/>
           </a:p>
@@ -1712,7 +1712,7 @@
           <a:p>
             <a:fld id="{6F01DA4D-20EA-48D2-973C-0311EC3005D6}" type="datetimeFigureOut">
               <a:rPr lang="en-US" smtClean="0"/>
-              <a:t>1/2/2025</a:t>
+              <a:t>3/5/2025</a:t>
             </a:fld>
             <a:endParaRPr lang="en-US"/>
           </a:p>
@@ -1882,7 +1882,7 @@
           <a:p>
             <a:fld id="{6F01DA4D-20EA-48D2-973C-0311EC3005D6}" type="datetimeFigureOut">
               <a:rPr lang="en-US" smtClean="0"/>
-              <a:t>1/2/2025</a:t>
+              <a:t>3/5/2025</a:t>
             </a:fld>
             <a:endParaRPr lang="en-US"/>
           </a:p>
@@ -2128,7 +2128,7 @@
           <a:p>
             <a:fld id="{6F01DA4D-20EA-48D2-973C-0311EC3005D6}" type="datetimeFigureOut">
               <a:rPr lang="en-US" smtClean="0"/>
-              <a:t>1/2/2025</a:t>
+              <a:t>3/5/2025</a:t>
             </a:fld>
             <a:endParaRPr lang="en-US"/>
           </a:p>
@@ -2360,7 +2360,7 @@
           <a:p>
             <a:fld id="{6F01DA4D-20EA-48D2-973C-0311EC3005D6}" type="datetimeFigureOut">
               <a:rPr lang="en-US" smtClean="0"/>
-              <a:t>1/2/2025</a:t>
+              <a:t>3/5/2025</a:t>
             </a:fld>
             <a:endParaRPr lang="en-US"/>
           </a:p>
@@ -2727,7 +2727,7 @@
           <a:p>
             <a:fld id="{6F01DA4D-20EA-48D2-973C-0311EC3005D6}" type="datetimeFigureOut">
               <a:rPr lang="en-US" smtClean="0"/>
-              <a:t>1/2/2025</a:t>
+              <a:t>3/5/2025</a:t>
             </a:fld>
             <a:endParaRPr lang="en-US"/>
           </a:p>
@@ -2845,7 +2845,7 @@
           <a:p>
             <a:fld id="{6F01DA4D-20EA-48D2-973C-0311EC3005D6}" type="datetimeFigureOut">
               <a:rPr lang="en-US" smtClean="0"/>
-              <a:t>1/2/2025</a:t>
+              <a:t>3/5/2025</a:t>
             </a:fld>
             <a:endParaRPr lang="en-US"/>
           </a:p>
@@ -2940,7 +2940,7 @@
           <a:p>
             <a:fld id="{6F01DA4D-20EA-48D2-973C-0311EC3005D6}" type="datetimeFigureOut">
               <a:rPr lang="en-US" smtClean="0"/>
-              <a:t>1/2/2025</a:t>
+              <a:t>3/5/2025</a:t>
             </a:fld>
             <a:endParaRPr lang="en-US"/>
           </a:p>
@@ -3217,7 +3217,7 @@
           <a:p>
             <a:fld id="{6F01DA4D-20EA-48D2-973C-0311EC3005D6}" type="datetimeFigureOut">
               <a:rPr lang="en-US" smtClean="0"/>
-              <a:t>1/2/2025</a:t>
+              <a:t>3/5/2025</a:t>
             </a:fld>
             <a:endParaRPr lang="en-US"/>
           </a:p>
@@ -3470,7 +3470,7 @@
           <a:p>
             <a:fld id="{6F01DA4D-20EA-48D2-973C-0311EC3005D6}" type="datetimeFigureOut">
               <a:rPr lang="en-US" smtClean="0"/>
-              <a:t>1/2/2025</a:t>
+              <a:t>3/5/2025</a:t>
             </a:fld>
             <a:endParaRPr lang="en-US"/>
           </a:p>
@@ -3683,7 +3683,7 @@
           <a:p>
             <a:fld id="{6F01DA4D-20EA-48D2-973C-0311EC3005D6}" type="datetimeFigureOut">
               <a:rPr lang="en-US" smtClean="0"/>
-              <a:t>1/2/2025</a:t>
+              <a:t>3/5/2025</a:t>
             </a:fld>
             <a:endParaRPr lang="en-US"/>
           </a:p>
@@ -4118,8 +4118,8 @@
           </a:bodyPr>
           <a:lstStyle/>
           <a:p>
-            <a:r>
-              <a:rPr lang="en-US" sz="8000" b="1" dirty="0" err="1" smtClean="0">
+            <a:r xmlns:a="http://schemas.openxmlformats.org/drawingml/2006/main">
+              <a:rPr lang="en" sz="8000" b="1" dirty="0" err="1" smtClean="0">
                 <a:solidFill>
                   <a:srgbClr val="7030A0"/>
                 </a:solidFill>
@@ -4129,7 +4129,7 @@
               </a:rPr>
               <a:t>Drillthrough</a:t>
             </a:r>
-            <a:endParaRPr lang="en-US" sz="8000" b="1" dirty="0">
+            <a:endParaRPr xmlns:a="http://schemas.openxmlformats.org/drawingml/2006/main" lang="en-US" sz="8000" b="1" dirty="0">
               <a:solidFill>
                 <a:srgbClr val="7030A0"/>
               </a:solidFill>
@@ -4162,8 +4162,8 @@
           </a:bodyPr>
           <a:lstStyle/>
           <a:p>
-            <a:r>
-              <a:rPr lang="en-US" sz="8000" b="1" dirty="0" err="1" smtClean="0">
+            <a:r xmlns:a="http://schemas.openxmlformats.org/drawingml/2006/main">
+              <a:rPr lang="en" sz="8000" b="1" dirty="0" err="1" smtClean="0">
                 <a:solidFill>
                   <a:schemeClr val="bg1"/>
                 </a:solidFill>
@@ -4173,7 +4173,7 @@
               </a:rPr>
               <a:t>Drillthrough</a:t>
             </a:r>
-            <a:endParaRPr lang="en-US" sz="8000" b="1" dirty="0">
+            <a:endParaRPr xmlns:a="http://schemas.openxmlformats.org/drawingml/2006/main" lang="en-US" sz="8000" b="1" dirty="0">
               <a:solidFill>
                 <a:schemeClr val="bg1"/>
               </a:solidFill>
@@ -4223,7 +4223,7 @@
         <p:spPr>
           <a:xfrm>
             <a:off x="378135" y="254381"/>
-            <a:ext cx="2482796" cy="584775"/>
+            <a:ext cx="2374368" cy="523220"/>
           </a:xfrm>
           <a:prstGeom prst="rect">
             <a:avLst/>
@@ -4236,14 +4236,14 @@
           </a:bodyPr>
           <a:lstStyle/>
           <a:p>
-            <a:r>
-              <a:rPr lang="en-US" sz="3200" dirty="0" smtClean="0">
+            <a:r xmlns:a="http://schemas.openxmlformats.org/drawingml/2006/main">
+              <a:rPr lang="en" sz="2800" b="1" dirty="0" smtClean="0">
                 <a:latin typeface="Segoe UI" panose="020B0502040204020203" pitchFamily="34" charset="0"/>
                 <a:cs typeface="Segoe UI" panose="020B0502040204020203" pitchFamily="34" charset="0"/>
               </a:rPr>
               <a:t>Drill through</a:t>
             </a:r>
-            <a:endParaRPr lang="en-US" sz="3200" dirty="0">
+            <a:endParaRPr xmlns:a="http://schemas.openxmlformats.org/drawingml/2006/main" lang="en-US" sz="2800" b="1" dirty="0">
               <a:latin typeface="Segoe UI" panose="020B0502040204020203" pitchFamily="34" charset="0"/>
               <a:cs typeface="Segoe UI" panose="020B0502040204020203" pitchFamily="34" charset="0"/>
             </a:endParaRPr>
@@ -4259,7 +4259,7 @@
         <p:spPr>
           <a:xfrm>
             <a:off x="378135" y="958965"/>
-            <a:ext cx="5338193" cy="373692"/>
+            <a:ext cx="5431359" cy="388696"/>
           </a:xfrm>
           <a:prstGeom prst="rect">
             <a:avLst/>
@@ -4271,7 +4271,7 @@
           </a:bodyPr>
           <a:lstStyle/>
           <a:p>
-            <a:pPr lvl="0">
+            <a:pPr xmlns:a="http://schemas.openxmlformats.org/drawingml/2006/main" lvl="0">
               <a:lnSpc>
                 <a:spcPct val="107000"/>
               </a:lnSpc>
@@ -4279,31 +4279,31 @@
                 <a:spcPts val="800"/>
               </a:spcAft>
             </a:pPr>
-            <a:r>
-              <a:rPr lang="en-US" dirty="0" smtClean="0">
+            <a:r xmlns:a="http://schemas.openxmlformats.org/drawingml/2006/main">
+              <a:rPr lang="en" dirty="0" smtClean="0">
                 <a:latin typeface="Segoe UI" panose="020B0502040204020203" pitchFamily="34" charset="0"/>
                 <a:ea typeface="Calibri" panose="020F0502020204030204" pitchFamily="34" charset="0"/>
                 <a:cs typeface="Times New Roman" panose="02020603050405020304" pitchFamily="18" charset="0"/>
               </a:rPr>
               <a:t>Click the </a:t>
             </a:r>
-            <a:r>
-              <a:rPr lang="en-US" b="1" dirty="0" smtClean="0">
+            <a:r xmlns:a="http://schemas.openxmlformats.org/drawingml/2006/main">
+              <a:rPr lang="en" b="1" dirty="0" smtClean="0">
                 <a:latin typeface="Segoe UI" panose="020B0502040204020203" pitchFamily="34" charset="0"/>
                 <a:ea typeface="Calibri" panose="020F0502020204030204" pitchFamily="34" charset="0"/>
                 <a:cs typeface="Times New Roman" panose="02020603050405020304" pitchFamily="18" charset="0"/>
               </a:rPr>
               <a:t>Details menu </a:t>
             </a:r>
-            <a:r>
-              <a:rPr lang="en-US" dirty="0" smtClean="0">
+            <a:r xmlns:a="http://schemas.openxmlformats.org/drawingml/2006/main">
+              <a:rPr lang="en" dirty="0" smtClean="0">
                 <a:latin typeface="Segoe UI" panose="020B0502040204020203" pitchFamily="34" charset="0"/>
                 <a:ea typeface="Calibri" panose="020F0502020204030204" pitchFamily="34" charset="0"/>
                 <a:cs typeface="Times New Roman" panose="02020603050405020304" pitchFamily="18" charset="0"/>
               </a:rPr>
-              <a:t>and observe what happens</a:t>
-            </a:r>
-            <a:endParaRPr lang="en-US" sz="1400" dirty="0">
+              <a:t>and see what happens.</a:t>
+            </a:r>
+            <a:endParaRPr xmlns:a="http://schemas.openxmlformats.org/drawingml/2006/main" lang="fr-FR" sz="1400" dirty="0">
               <a:effectLst/>
               <a:latin typeface="Calibri" panose="020F0502020204030204" pitchFamily="34" charset="0"/>
               <a:ea typeface="Calibri" panose="020F0502020204030204" pitchFamily="34" charset="0"/>
@@ -4397,8 +4397,8 @@
         </p:nvSpPr>
         <p:spPr>
           <a:xfrm>
-            <a:off x="2916199" y="2162433"/>
-            <a:ext cx="6230360" cy="1569660"/>
+            <a:off x="4201859" y="2471817"/>
+            <a:ext cx="3456395" cy="1569660"/>
           </a:xfrm>
           <a:prstGeom prst="rect">
             <a:avLst/>
@@ -4411,8 +4411,8 @@
           </a:bodyPr>
           <a:lstStyle/>
           <a:p>
-            <a:r>
-              <a:rPr lang="en-US" sz="9600" b="1" dirty="0" smtClean="0">
+            <a:r xmlns:a="http://schemas.openxmlformats.org/drawingml/2006/main">
+              <a:rPr lang="en" sz="9600" b="1" dirty="0" smtClean="0">
                 <a:solidFill>
                   <a:srgbClr val="7030A0"/>
                 </a:solidFill>
@@ -4420,9 +4420,9 @@
                 <a:ea typeface="Verdana" panose="020B0604030504040204" pitchFamily="34" charset="0"/>
                 <a:cs typeface="Segoe UI" panose="020B0502040204020203" pitchFamily="34" charset="0"/>
               </a:rPr>
-              <a:t>Thank you</a:t>
-            </a:r>
-            <a:endParaRPr lang="en-US" sz="9600" b="1" dirty="0">
+              <a:t>THANKS</a:t>
+            </a:r>
+            <a:endParaRPr xmlns:a="http://schemas.openxmlformats.org/drawingml/2006/main" lang="en-US" sz="9600" b="1" dirty="0">
               <a:solidFill>
                 <a:srgbClr val="7030A0"/>
               </a:solidFill>
@@ -4441,8 +4441,8 @@
         </p:nvSpPr>
         <p:spPr>
           <a:xfrm>
-            <a:off x="2990336" y="2217861"/>
-            <a:ext cx="6230360" cy="1569660"/>
+            <a:off x="4139982" y="2375991"/>
+            <a:ext cx="3456395" cy="1569660"/>
           </a:xfrm>
           <a:prstGeom prst="rect">
             <a:avLst/>
@@ -4455,8 +4455,8 @@
           </a:bodyPr>
           <a:lstStyle/>
           <a:p>
-            <a:r>
-              <a:rPr lang="en-US" sz="9600" b="1" dirty="0" smtClean="0">
+            <a:r xmlns:a="http://schemas.openxmlformats.org/drawingml/2006/main">
+              <a:rPr lang="en" sz="9600" b="1" dirty="0" smtClean="0">
                 <a:solidFill>
                   <a:schemeClr val="bg1"/>
                 </a:solidFill>
@@ -4464,9 +4464,9 @@
                 <a:ea typeface="Verdana" panose="020B0604030504040204" pitchFamily="34" charset="0"/>
                 <a:cs typeface="Segoe UI" panose="020B0502040204020203" pitchFamily="34" charset="0"/>
               </a:rPr>
-              <a:t>Thank you</a:t>
-            </a:r>
-            <a:endParaRPr lang="en-US" sz="9600" b="1" dirty="0">
+              <a:t>THANKS</a:t>
+            </a:r>
+            <a:endParaRPr xmlns:a="http://schemas.openxmlformats.org/drawingml/2006/main" lang="en-US" sz="9600" b="1" dirty="0">
               <a:solidFill>
                 <a:schemeClr val="bg1"/>
               </a:solidFill>
@@ -4516,7 +4516,7 @@
         <p:spPr>
           <a:xfrm>
             <a:off x="378135" y="254381"/>
-            <a:ext cx="2482796" cy="584775"/>
+            <a:ext cx="2374368" cy="523220"/>
           </a:xfrm>
           <a:prstGeom prst="rect">
             <a:avLst/>
@@ -4529,325 +4529,16 @@
           </a:bodyPr>
           <a:lstStyle/>
           <a:p>
-            <a:r>
-              <a:rPr lang="en-US" sz="3200" dirty="0" smtClean="0">
+            <a:r xmlns:a="http://schemas.openxmlformats.org/drawingml/2006/main">
+              <a:rPr lang="en" sz="2800" b="1" dirty="0" smtClean="0">
                 <a:latin typeface="Segoe UI" panose="020B0502040204020203" pitchFamily="34" charset="0"/>
                 <a:cs typeface="Segoe UI" panose="020B0502040204020203" pitchFamily="34" charset="0"/>
               </a:rPr>
               <a:t>Drill through</a:t>
             </a:r>
-            <a:endParaRPr lang="en-US" sz="3200" dirty="0">
+            <a:endParaRPr xmlns:a="http://schemas.openxmlformats.org/drawingml/2006/main" lang="en-US" sz="2800" b="1" dirty="0">
               <a:latin typeface="Segoe UI" panose="020B0502040204020203" pitchFamily="34" charset="0"/>
               <a:cs typeface="Segoe UI" panose="020B0502040204020203" pitchFamily="34" charset="0"/>
-            </a:endParaRPr>
-          </a:p>
-        </p:txBody>
-      </p:sp>
-      <p:sp>
-        <p:nvSpPr>
-          <p:cNvPr id="3" name="Rectangle 2"/>
-          <p:cNvSpPr/>
-          <p:nvPr/>
-        </p:nvSpPr>
-        <p:spPr>
-          <a:xfrm>
-            <a:off x="449178" y="975788"/>
-            <a:ext cx="10035483" cy="366895"/>
-          </a:xfrm>
-          <a:prstGeom prst="rect">
-            <a:avLst/>
-          </a:prstGeom>
-        </p:spPr>
-        <p:txBody>
-          <a:bodyPr wrap="square">
-            <a:spAutoFit/>
-          </a:bodyPr>
-          <a:lstStyle/>
-          <a:p>
-            <a:pPr>
-              <a:lnSpc>
-                <a:spcPct val="107000"/>
-              </a:lnSpc>
-              <a:spcBef>
-                <a:spcPts val="1200"/>
-              </a:spcBef>
-              <a:spcAft>
-                <a:spcPts val="0"/>
-              </a:spcAft>
-            </a:pPr>
-            <a:r>
-              <a:rPr lang="en-US" b="1" kern="0" dirty="0" smtClean="0">
-                <a:latin typeface="Segoe UI" panose="020B0502040204020203" pitchFamily="34" charset="0"/>
-                <a:ea typeface="Times New Roman" panose="02020603050405020304" pitchFamily="18" charset="0"/>
-                <a:cs typeface="Times New Roman" panose="02020603050405020304" pitchFamily="18" charset="0"/>
-              </a:rPr>
-              <a:t>Note: </a:t>
-            </a:r>
-            <a:r>
-              <a:rPr lang="en-US" kern="0" dirty="0" smtClean="0">
-                <a:latin typeface="Segoe UI" panose="020B0502040204020203" pitchFamily="34" charset="0"/>
-                <a:ea typeface="Times New Roman" panose="02020603050405020304" pitchFamily="18" charset="0"/>
-                <a:cs typeface="Times New Roman" panose="02020603050405020304" pitchFamily="18" charset="0"/>
-              </a:rPr>
-              <a:t>This Lab uses</a:t>
-            </a:r>
-            <a:r>
-              <a:rPr lang="en-US" b="1" kern="0" dirty="0" smtClean="0">
-                <a:latin typeface="Segoe UI" panose="020B0502040204020203" pitchFamily="34" charset="0"/>
-                <a:ea typeface="Times New Roman" panose="02020603050405020304" pitchFamily="18" charset="0"/>
-                <a:cs typeface="Times New Roman" panose="02020603050405020304" pitchFamily="18" charset="0"/>
-              </a:rPr>
-              <a:t> the </a:t>
-            </a:r>
-            <a:r>
-              <a:rPr lang="en-US" b="1" kern="0" dirty="0" err="1" smtClean="0">
-                <a:latin typeface="Segoe UI" panose="020B0502040204020203" pitchFamily="34" charset="0"/>
-                <a:ea typeface="Times New Roman" panose="02020603050405020304" pitchFamily="18" charset="0"/>
-                <a:cs typeface="Times New Roman" panose="02020603050405020304" pitchFamily="18" charset="0"/>
-              </a:rPr>
-              <a:t>gdp.xslx</a:t>
-            </a:r>
-            <a:r>
-              <a:rPr lang="en-US" b="1" kern="0" dirty="0" smtClean="0">
-                <a:latin typeface="Segoe UI" panose="020B0502040204020203" pitchFamily="34" charset="0"/>
-                <a:ea typeface="Times New Roman" panose="02020603050405020304" pitchFamily="18" charset="0"/>
-                <a:cs typeface="Times New Roman" panose="02020603050405020304" pitchFamily="18" charset="0"/>
-              </a:rPr>
-              <a:t> </a:t>
-            </a:r>
-            <a:r>
-              <a:rPr lang="en-US" kern="0" dirty="0" smtClean="0">
-                <a:latin typeface="Segoe UI" panose="020B0502040204020203" pitchFamily="34" charset="0"/>
-                <a:ea typeface="Times New Roman" panose="02020603050405020304" pitchFamily="18" charset="0"/>
-                <a:cs typeface="Times New Roman" panose="02020603050405020304" pitchFamily="18" charset="0"/>
-              </a:rPr>
-              <a:t>file located in the </a:t>
-            </a:r>
-            <a:r>
-              <a:rPr lang="en-US" b="1" kern="0" dirty="0" smtClean="0">
-                <a:latin typeface="Segoe UI" panose="020B0502040204020203" pitchFamily="34" charset="0"/>
-                <a:ea typeface="Times New Roman" panose="02020603050405020304" pitchFamily="18" charset="0"/>
-                <a:cs typeface="Times New Roman" panose="02020603050405020304" pitchFamily="18" charset="0"/>
-              </a:rPr>
-              <a:t>resources\</a:t>
-            </a:r>
-            <a:r>
-              <a:rPr lang="en-US" b="1" kern="0" dirty="0" err="1" smtClean="0">
-                <a:latin typeface="Segoe UI" panose="020B0502040204020203" pitchFamily="34" charset="0"/>
-                <a:ea typeface="Times New Roman" panose="02020603050405020304" pitchFamily="18" charset="0"/>
-                <a:cs typeface="Times New Roman" panose="02020603050405020304" pitchFamily="18" charset="0"/>
-              </a:rPr>
-              <a:t>Drillthrough</a:t>
-            </a:r>
-            <a:r>
-              <a:rPr lang="en-US" b="1" kern="0" dirty="0" smtClean="0">
-                <a:latin typeface="Segoe UI" panose="020B0502040204020203" pitchFamily="34" charset="0"/>
-                <a:ea typeface="Times New Roman" panose="02020603050405020304" pitchFamily="18" charset="0"/>
-                <a:cs typeface="Times New Roman" panose="02020603050405020304" pitchFamily="18" charset="0"/>
-              </a:rPr>
-              <a:t> and Filter folder</a:t>
-            </a:r>
-            <a:endParaRPr lang="en-US" sz="2800" b="1" kern="0" dirty="0">
-              <a:effectLst/>
-              <a:latin typeface="Segoe UI" panose="020B0502040204020203" pitchFamily="34" charset="0"/>
-              <a:ea typeface="Times New Roman" panose="02020603050405020304" pitchFamily="18" charset="0"/>
-              <a:cs typeface="Times New Roman" panose="02020603050405020304" pitchFamily="18" charset="0"/>
-            </a:endParaRPr>
-          </a:p>
-        </p:txBody>
-      </p:sp>
-      <p:sp>
-        <p:nvSpPr>
-          <p:cNvPr id="4" name="Rectangle 3"/>
-          <p:cNvSpPr/>
-          <p:nvPr/>
-        </p:nvSpPr>
-        <p:spPr>
-          <a:xfrm>
-            <a:off x="449177" y="1479315"/>
-            <a:ext cx="11224892" cy="685059"/>
-          </a:xfrm>
-          <a:prstGeom prst="rect">
-            <a:avLst/>
-          </a:prstGeom>
-        </p:spPr>
-        <p:txBody>
-          <a:bodyPr wrap="square">
-            <a:spAutoFit/>
-          </a:bodyPr>
-          <a:lstStyle/>
-          <a:p>
-            <a:pPr lvl="0">
-              <a:lnSpc>
-                <a:spcPct val="107000"/>
-              </a:lnSpc>
-              <a:spcAft>
-                <a:spcPts val="800"/>
-              </a:spcAft>
-            </a:pPr>
-            <a:r>
-              <a:rPr lang="en-US" dirty="0">
-                <a:latin typeface="Segoe UI" panose="020B0502040204020203" pitchFamily="34" charset="0"/>
-                <a:ea typeface="Calibri" panose="020F0502020204030204" pitchFamily="34" charset="0"/>
-                <a:cs typeface="Times New Roman" panose="02020603050405020304" pitchFamily="18" charset="0"/>
-              </a:rPr>
-              <a:t>Navigate to the location of the </a:t>
-            </a:r>
-            <a:r>
-              <a:rPr lang="en-US" b="1" dirty="0" err="1">
-                <a:latin typeface="Segoe UI" panose="020B0502040204020203" pitchFamily="34" charset="0"/>
-                <a:ea typeface="Calibri" panose="020F0502020204030204" pitchFamily="34" charset="0"/>
-                <a:cs typeface="Times New Roman" panose="02020603050405020304" pitchFamily="18" charset="0"/>
-              </a:rPr>
-              <a:t>gdp.xslx</a:t>
-            </a:r>
-            <a:r>
-              <a:rPr lang="en-US" b="1" dirty="0">
-                <a:latin typeface="Segoe UI" panose="020B0502040204020203" pitchFamily="34" charset="0"/>
-                <a:ea typeface="Calibri" panose="020F0502020204030204" pitchFamily="34" charset="0"/>
-                <a:cs typeface="Times New Roman" panose="02020603050405020304" pitchFamily="18" charset="0"/>
-              </a:rPr>
-              <a:t> file </a:t>
-            </a:r>
-            <a:r>
-              <a:rPr lang="en-US" dirty="0">
-                <a:latin typeface="Segoe UI" panose="020B0502040204020203" pitchFamily="34" charset="0"/>
-                <a:ea typeface="Calibri" panose="020F0502020204030204" pitchFamily="34" charset="0"/>
-                <a:cs typeface="Times New Roman" panose="02020603050405020304" pitchFamily="18" charset="0"/>
-              </a:rPr>
-              <a:t>and load both tables </a:t>
-            </a:r>
-            <a:r>
-              <a:rPr lang="en-US" b="1" dirty="0">
-                <a:latin typeface="Segoe UI" panose="020B0502040204020203" pitchFamily="34" charset="0"/>
-                <a:ea typeface="Calibri" panose="020F0502020204030204" pitchFamily="34" charset="0"/>
-                <a:cs typeface="Times New Roman" panose="02020603050405020304" pitchFamily="18" charset="0"/>
-              </a:rPr>
-              <a:t>continent </a:t>
-            </a:r>
-            <a:r>
-              <a:rPr lang="en-US" dirty="0">
-                <a:latin typeface="Segoe UI" panose="020B0502040204020203" pitchFamily="34" charset="0"/>
-                <a:ea typeface="Calibri" panose="020F0502020204030204" pitchFamily="34" charset="0"/>
-                <a:cs typeface="Times New Roman" panose="02020603050405020304" pitchFamily="18" charset="0"/>
-              </a:rPr>
-              <a:t>and </a:t>
-            </a:r>
-            <a:r>
-              <a:rPr lang="en-US" b="1" dirty="0" err="1">
-                <a:latin typeface="Segoe UI" panose="020B0502040204020203" pitchFamily="34" charset="0"/>
-                <a:ea typeface="Calibri" panose="020F0502020204030204" pitchFamily="34" charset="0"/>
-                <a:cs typeface="Times New Roman" panose="02020603050405020304" pitchFamily="18" charset="0"/>
-              </a:rPr>
-              <a:t>gdp</a:t>
-            </a:r>
-            <a:r>
-              <a:rPr lang="en-US" b="1" dirty="0">
-                <a:latin typeface="Segoe UI" panose="020B0502040204020203" pitchFamily="34" charset="0"/>
-                <a:ea typeface="Calibri" panose="020F0502020204030204" pitchFamily="34" charset="0"/>
-                <a:cs typeface="Times New Roman" panose="02020603050405020304" pitchFamily="18" charset="0"/>
-              </a:rPr>
-              <a:t> 2018 </a:t>
-            </a:r>
-            <a:r>
-              <a:rPr lang="en-US" dirty="0">
-                <a:latin typeface="Segoe UI" panose="020B0502040204020203" pitchFamily="34" charset="0"/>
-                <a:ea typeface="Calibri" panose="020F0502020204030204" pitchFamily="34" charset="0"/>
-                <a:cs typeface="Times New Roman" panose="02020603050405020304" pitchFamily="18" charset="0"/>
-              </a:rPr>
-              <a:t>at the query editor level</a:t>
-            </a:r>
-            <a:endParaRPr lang="en-US" sz="1400" dirty="0">
-              <a:effectLst/>
-              <a:latin typeface="Calibri" panose="020F0502020204030204" pitchFamily="34" charset="0"/>
-              <a:ea typeface="Calibri" panose="020F0502020204030204" pitchFamily="34" charset="0"/>
-              <a:cs typeface="Times New Roman" panose="02020603050405020304" pitchFamily="18" charset="0"/>
-            </a:endParaRPr>
-          </a:p>
-        </p:txBody>
-      </p:sp>
-      <p:sp>
-        <p:nvSpPr>
-          <p:cNvPr id="5" name="Rectangle 4"/>
-          <p:cNvSpPr/>
-          <p:nvPr/>
-        </p:nvSpPr>
-        <p:spPr>
-          <a:xfrm>
-            <a:off x="449177" y="2301006"/>
-            <a:ext cx="10599250" cy="388696"/>
-          </a:xfrm>
-          <a:prstGeom prst="rect">
-            <a:avLst/>
-          </a:prstGeom>
-        </p:spPr>
-        <p:txBody>
-          <a:bodyPr wrap="square">
-            <a:spAutoFit/>
-          </a:bodyPr>
-          <a:lstStyle/>
-          <a:p>
-            <a:pPr lvl="0">
-              <a:lnSpc>
-                <a:spcPct val="107000"/>
-              </a:lnSpc>
-              <a:spcAft>
-                <a:spcPts val="800"/>
-              </a:spcAft>
-            </a:pPr>
-            <a:r>
-              <a:rPr lang="en-US" dirty="0" smtClean="0">
-                <a:latin typeface="Segoe UI" panose="020B0502040204020203" pitchFamily="34" charset="0"/>
-                <a:ea typeface="Calibri" panose="020F0502020204030204" pitchFamily="34" charset="0"/>
-                <a:cs typeface="Times New Roman" panose="02020603050405020304" pitchFamily="18" charset="0"/>
-              </a:rPr>
-              <a:t>Check that the relationship between </a:t>
-            </a:r>
-            <a:r>
-              <a:rPr lang="en-US" b="1" dirty="0" smtClean="0">
-                <a:latin typeface="Segoe UI" panose="020B0502040204020203" pitchFamily="34" charset="0"/>
-                <a:ea typeface="Calibri" panose="020F0502020204030204" pitchFamily="34" charset="0"/>
-                <a:cs typeface="Times New Roman" panose="02020603050405020304" pitchFamily="18" charset="0"/>
-              </a:rPr>
-              <a:t>contains </a:t>
-            </a:r>
-            <a:r>
-              <a:rPr lang="en-US" dirty="0" smtClean="0">
-                <a:latin typeface="Segoe UI" panose="020B0502040204020203" pitchFamily="34" charset="0"/>
-                <a:ea typeface="Calibri" panose="020F0502020204030204" pitchFamily="34" charset="0"/>
-                <a:cs typeface="Times New Roman" panose="02020603050405020304" pitchFamily="18" charset="0"/>
-              </a:rPr>
-              <a:t>and </a:t>
-            </a:r>
-            <a:r>
-              <a:rPr lang="en-US" b="1" dirty="0" err="1" smtClean="0">
-                <a:latin typeface="Segoe UI" panose="020B0502040204020203" pitchFamily="34" charset="0"/>
-                <a:ea typeface="Calibri" panose="020F0502020204030204" pitchFamily="34" charset="0"/>
-                <a:cs typeface="Times New Roman" panose="02020603050405020304" pitchFamily="18" charset="0"/>
-              </a:rPr>
-              <a:t>gdp</a:t>
-            </a:r>
-            <a:r>
-              <a:rPr lang="en-US" b="1" dirty="0" smtClean="0">
-                <a:latin typeface="Segoe UI" panose="020B0502040204020203" pitchFamily="34" charset="0"/>
-                <a:ea typeface="Calibri" panose="020F0502020204030204" pitchFamily="34" charset="0"/>
-                <a:cs typeface="Times New Roman" panose="02020603050405020304" pitchFamily="18" charset="0"/>
-              </a:rPr>
-              <a:t> 2018 </a:t>
-            </a:r>
-            <a:r>
-              <a:rPr lang="en-US" dirty="0" smtClean="0">
-                <a:latin typeface="Segoe UI" panose="020B0502040204020203" pitchFamily="34" charset="0"/>
-                <a:ea typeface="Calibri" panose="020F0502020204030204" pitchFamily="34" charset="0"/>
-                <a:cs typeface="Times New Roman" panose="02020603050405020304" pitchFamily="18" charset="0"/>
-              </a:rPr>
-              <a:t>is established</a:t>
-            </a:r>
-            <a:endParaRPr lang="en-US" sz="1400" dirty="0">
-              <a:effectLst/>
-              <a:latin typeface="Calibri" panose="020F0502020204030204" pitchFamily="34" charset="0"/>
-              <a:ea typeface="Calibri" panose="020F0502020204030204" pitchFamily="34" charset="0"/>
-              <a:cs typeface="Times New Roman" panose="02020603050405020304" pitchFamily="18" charset="0"/>
             </a:endParaRPr>
           </a:p>
         </p:txBody>
@@ -4858,7 +4549,7 @@
           <p:cNvPicPr/>
           <p:nvPr/>
         </p:nvPicPr>
-        <p:blipFill>
+        <p:blipFill rotWithShape="1">
           <a:blip r:embed="rId3">
             <a:extLst>
               <a:ext uri="{28A0092B-C50C-407E-A947-70E740481C1C}">
@@ -4866,15 +4557,13 @@
               </a:ext>
             </a:extLst>
           </a:blip>
-          <a:srcRect/>
-          <a:stretch>
-            <a:fillRect/>
-          </a:stretch>
+          <a:srcRect l="3922" t="7710" r="4633" b="11676"/>
+          <a:stretch/>
         </p:blipFill>
         <p:spPr bwMode="auto">
           <a:xfrm>
-            <a:off x="2436896" y="2804533"/>
-            <a:ext cx="6232716" cy="3752534"/>
+            <a:off x="2752503" y="3293215"/>
+            <a:ext cx="5699531" cy="3025082"/>
           </a:xfrm>
           <a:prstGeom prst="rect">
             <a:avLst/>
@@ -4891,6 +4580,656 @@
           </a:effectLst>
         </p:spPr>
       </p:pic>
+      <p:sp>
+        <p:nvSpPr>
+          <p:cNvPr id="7" name="Rectangle 1"/>
+          <p:cNvSpPr>
+            <a:spLocks noChangeArrowheads="1"/>
+          </p:cNvSpPr>
+          <p:nvPr/>
+        </p:nvSpPr>
+        <p:spPr bwMode="auto">
+          <a:xfrm>
+            <a:off x="516848" y="927352"/>
+            <a:ext cx="11005967" cy="707886"/>
+          </a:xfrm>
+          <a:prstGeom prst="rect">
+            <a:avLst/>
+          </a:prstGeom>
+          <a:noFill/>
+          <a:ln>
+            <a:noFill/>
+          </a:ln>
+          <a:effectLst/>
+          <a:extLst>
+            <a:ext uri="{909E8E84-426E-40DD-AFC4-6F175D3DCCD1}">
+              <a14:hiddenFill xmlns:a14="http://schemas.microsoft.com/office/drawing/2010/main">
+                <a:solidFill>
+                  <a:schemeClr val="accent1"/>
+                </a:solidFill>
+              </a14:hiddenFill>
+            </a:ext>
+            <a:ext uri="{91240B29-F687-4F45-9708-019B960494DF}">
+              <a14:hiddenLine xmlns:a14="http://schemas.microsoft.com/office/drawing/2010/main" w="9525">
+                <a:solidFill>
+                  <a:schemeClr val="tx1"/>
+                </a:solidFill>
+                <a:miter lim="800000"/>
+                <a:headEnd/>
+                <a:tailEnd/>
+              </a14:hiddenLine>
+            </a:ext>
+            <a:ext uri="{AF507438-7753-43E0-B8FC-AC1667EBCBE1}">
+              <a14:hiddenEffects xmlns:a14="http://schemas.microsoft.com/office/drawing/2010/main">
+                <a:effectLst>
+                  <a:outerShdw dist="35921" dir="2700000" algn="ctr" rotWithShape="0">
+                    <a:schemeClr val="bg2"/>
+                  </a:outerShdw>
+                </a:effectLst>
+              </a14:hiddenEffects>
+            </a:ext>
+          </a:extLst>
+        </p:spPr>
+        <p:txBody>
+          <a:bodyPr vert="horz" wrap="square" lIns="91440" tIns="45720" rIns="91440" bIns="45720" numCol="1" anchor="ctr" anchorCtr="0" compatLnSpc="1">
+            <a:prstTxWarp prst="textNoShape">
+              <a:avLst/>
+            </a:prstTxWarp>
+            <a:spAutoFit/>
+          </a:bodyPr>
+          <a:lstStyle/>
+          <a:p>
+            <a:pPr xmlns:a="http://schemas.openxmlformats.org/drawingml/2006/main" lvl="0" eaLnBrk="0" fontAlgn="base" hangingPunct="0">
+              <a:spcBef>
+                <a:spcPct val="0"/>
+              </a:spcBef>
+              <a:spcAft>
+                <a:spcPct val="0"/>
+              </a:spcAft>
+            </a:pPr>
+            <a:r xmlns:a="http://schemas.openxmlformats.org/drawingml/2006/main">
+              <a:rPr kumimoji="0" lang="en" altLang="en-US" sz="2000" b="1" i="0" u="none" strike="noStrike" cap="none" normalizeH="0" baseline="0" dirty="0" smtClean="0">
+                <a:ln>
+                  <a:noFill/>
+                </a:ln>
+                <a:solidFill>
+                  <a:schemeClr val="tx1"/>
+                </a:solidFill>
+                <a:effectLst/>
+                <a:latin typeface="Arial" panose="020B0604020202020204" pitchFamily="34" charset="0"/>
+              </a:rPr>
+              <a:t>Note: </a:t>
+            </a:r>
+            <a:r xmlns:a="http://schemas.openxmlformats.org/drawingml/2006/main">
+              <a:rPr kumimoji="0" lang="en" altLang="en-US" sz="2000" b="0" i="0" u="none" strike="noStrike" cap="none" normalizeH="0" baseline="0" dirty="0" smtClean="0">
+                <a:ln>
+                  <a:noFill/>
+                </a:ln>
+                <a:solidFill>
+                  <a:schemeClr val="tx1"/>
+                </a:solidFill>
+                <a:effectLst/>
+                <a:latin typeface="Arial" panose="020B0604020202020204" pitchFamily="34" charset="0"/>
+              </a:rPr>
+              <a:t>This </a:t>
+            </a:r>
+            <a:r xmlns:a="http://schemas.openxmlformats.org/drawingml/2006/main">
+              <a:rPr kumimoji="0" lang="en" altLang="en-US" sz="2000" b="0" i="0" u="none" strike="noStrike" cap="none" normalizeH="0" dirty="0" smtClean="0">
+                <a:ln>
+                  <a:noFill/>
+                </a:ln>
+                <a:solidFill>
+                  <a:schemeClr val="tx1"/>
+                </a:solidFill>
+                <a:effectLst/>
+                <a:latin typeface="Arial" panose="020B0604020202020204" pitchFamily="34" charset="0"/>
+              </a:rPr>
+              <a:t>workshop </a:t>
+            </a:r>
+            <a:r xmlns:a="http://schemas.openxmlformats.org/drawingml/2006/main">
+              <a:rPr kumimoji="0" lang="en" altLang="en-US" sz="2000" b="0" i="0" u="none" strike="noStrike" cap="none" normalizeH="0" baseline="0" dirty="0" smtClean="0">
+                <a:ln>
+                  <a:noFill/>
+                </a:ln>
+                <a:solidFill>
+                  <a:schemeClr val="tx1"/>
+                </a:solidFill>
+                <a:effectLst/>
+                <a:latin typeface="Arial" panose="020B0604020202020204" pitchFamily="34" charset="0"/>
+              </a:rPr>
+              <a:t>uses the </a:t>
+            </a:r>
+            <a:r xmlns:a="http://schemas.openxmlformats.org/drawingml/2006/main">
+              <a:rPr kumimoji="0" lang="en" altLang="en-US" sz="2000" b="1" i="0" u="none" strike="noStrike" cap="none" normalizeH="0" baseline="0" dirty="0" smtClean="0">
+                <a:ln>
+                  <a:noFill/>
+                </a:ln>
+                <a:solidFill>
+                  <a:schemeClr val="tx1"/>
+                </a:solidFill>
+                <a:effectLst/>
+                <a:latin typeface="Arial" panose="020B0604020202020204" pitchFamily="34" charset="0"/>
+              </a:rPr>
+              <a:t>gdp.xlsx file </a:t>
+            </a:r>
+            <a:r xmlns:a="http://schemas.openxmlformats.org/drawingml/2006/main">
+              <a:rPr kumimoji="0" lang="en" altLang="en-US" sz="2000" b="0" i="0" u="none" strike="noStrike" cap="none" normalizeH="0" baseline="0" dirty="0" smtClean="0">
+                <a:ln>
+                  <a:noFill/>
+                </a:ln>
+                <a:solidFill>
+                  <a:schemeClr val="tx1"/>
+                </a:solidFill>
+                <a:effectLst/>
+                <a:latin typeface="Arial" panose="020B0604020202020204" pitchFamily="34" charset="0"/>
+              </a:rPr>
+              <a:t>located in the </a:t>
+            </a:r>
+            <a:r xmlns:a="http://schemas.openxmlformats.org/drawingml/2006/main">
+              <a:rPr kumimoji="0" lang="en" altLang="en-US" sz="2000" b="1" i="0" u="none" strike="noStrike" cap="none" normalizeH="0" baseline="0" dirty="0" smtClean="0">
+                <a:ln>
+                  <a:noFill/>
+                </a:ln>
+                <a:solidFill>
+                  <a:schemeClr val="tx1"/>
+                </a:solidFill>
+                <a:effectLst/>
+                <a:latin typeface="Arial" panose="020B0604020202020204" pitchFamily="34" charset="0"/>
+              </a:rPr>
+              <a:t>resources\ </a:t>
+            </a:r>
+            <a:r xmlns:a="http://schemas.openxmlformats.org/drawingml/2006/main">
+              <a:rPr lang="en" altLang="en-US" sz="2000" b="1" dirty="0" err="1" smtClean="0">
+                <a:latin typeface="Arial Unicode MS"/>
+              </a:rPr>
+              <a:t>Drillthrough folder</a:t>
+            </a:r>
+            <a:r xmlns:a="http://schemas.openxmlformats.org/drawingml/2006/main">
+              <a:rPr lang="en" altLang="en-US" sz="2000" b="1" dirty="0" smtClean="0">
+                <a:latin typeface="Arial Unicode MS"/>
+              </a:rPr>
+              <a:t> </a:t>
+            </a:r>
+            <a:r xmlns:a="http://schemas.openxmlformats.org/drawingml/2006/main">
+              <a:rPr lang="en" altLang="en-US" sz="2000" b="1" dirty="0">
+                <a:latin typeface="Arial Unicode MS"/>
+              </a:rPr>
+              <a:t>and Filters</a:t>
+            </a:r>
+            <a:endParaRPr xmlns:a="http://schemas.openxmlformats.org/drawingml/2006/main" kumimoji="0" lang="fr-FR" altLang="en-US" sz="2000" b="1" i="0" u="none" strike="noStrike" cap="none" normalizeH="0" baseline="0" dirty="0" smtClean="0">
+              <a:ln>
+                <a:noFill/>
+              </a:ln>
+              <a:solidFill>
+                <a:schemeClr val="tx1"/>
+              </a:solidFill>
+              <a:effectLst/>
+              <a:latin typeface="Arial" panose="020B0604020202020204" pitchFamily="34" charset="0"/>
+            </a:endParaRPr>
+          </a:p>
+        </p:txBody>
+      </p:sp>
+      <p:sp>
+        <p:nvSpPr>
+          <p:cNvPr id="8" name="Rectangle 2"/>
+          <p:cNvSpPr>
+            <a:spLocks noChangeArrowheads="1"/>
+          </p:cNvSpPr>
+          <p:nvPr/>
+        </p:nvSpPr>
+        <p:spPr bwMode="auto">
+          <a:xfrm>
+            <a:off x="495742" y="1821300"/>
+            <a:ext cx="10213052" cy="707886"/>
+          </a:xfrm>
+          <a:prstGeom prst="rect">
+            <a:avLst/>
+          </a:prstGeom>
+          <a:noFill/>
+          <a:ln>
+            <a:noFill/>
+          </a:ln>
+          <a:effectLst/>
+          <a:extLst>
+            <a:ext uri="{909E8E84-426E-40DD-AFC4-6F175D3DCCD1}">
+              <a14:hiddenFill xmlns:a14="http://schemas.microsoft.com/office/drawing/2010/main">
+                <a:solidFill>
+                  <a:schemeClr val="accent1"/>
+                </a:solidFill>
+              </a14:hiddenFill>
+            </a:ext>
+            <a:ext uri="{91240B29-F687-4F45-9708-019B960494DF}">
+              <a14:hiddenLine xmlns:a14="http://schemas.microsoft.com/office/drawing/2010/main" w="9525">
+                <a:solidFill>
+                  <a:schemeClr val="tx1"/>
+                </a:solidFill>
+                <a:miter lim="800000"/>
+                <a:headEnd/>
+                <a:tailEnd/>
+              </a14:hiddenLine>
+            </a:ext>
+            <a:ext uri="{AF507438-7753-43E0-B8FC-AC1667EBCBE1}">
+              <a14:hiddenEffects xmlns:a14="http://schemas.microsoft.com/office/drawing/2010/main">
+                <a:effectLst>
+                  <a:outerShdw dist="35921" dir="2700000" algn="ctr" rotWithShape="0">
+                    <a:schemeClr val="bg2"/>
+                  </a:outerShdw>
+                </a:effectLst>
+              </a14:hiddenEffects>
+            </a:ext>
+          </a:extLst>
+        </p:spPr>
+        <p:txBody>
+          <a:bodyPr vert="horz" wrap="none" lIns="91440" tIns="45720" rIns="91440" bIns="45720" numCol="1" anchor="ctr" anchorCtr="0" compatLnSpc="1">
+            <a:prstTxWarp prst="textNoShape">
+              <a:avLst/>
+            </a:prstTxWarp>
+            <a:spAutoFit/>
+          </a:bodyPr>
+          <a:lstStyle/>
+          <a:p>
+            <a:pPr xmlns:a="http://schemas.openxmlformats.org/drawingml/2006/main" marL="0" marR="0" lvl="0" indent="0" algn="l" defTabSz="914400" rtl="0" eaLnBrk="0" fontAlgn="base" latinLnBrk="0" hangingPunct="0">
+              <a:lnSpc>
+                <a:spcPct val="100000"/>
+              </a:lnSpc>
+              <a:spcBef>
+                <a:spcPct val="0"/>
+              </a:spcBef>
+              <a:spcAft>
+                <a:spcPct val="0"/>
+              </a:spcAft>
+              <a:buClrTx/>
+              <a:buSzTx/>
+              <a:buFontTx/>
+              <a:buNone/>
+              <a:tabLst/>
+            </a:pPr>
+            <a:r xmlns:a="http://schemas.openxmlformats.org/drawingml/2006/main">
+              <a:rPr kumimoji="0" lang="en" altLang="en-US" sz="2000" i="0" u="none" strike="noStrike" cap="none" normalizeH="0" baseline="0" dirty="0" smtClean="0">
+                <a:ln>
+                  <a:noFill/>
+                </a:ln>
+                <a:solidFill>
+                  <a:schemeClr val="tx1"/>
+                </a:solidFill>
+                <a:effectLst/>
+                <a:latin typeface="Arial" panose="020B0604020202020204" pitchFamily="34" charset="0"/>
+              </a:rPr>
+              <a:t>Navigate to the location of the </a:t>
+            </a:r>
+            <a:r xmlns:a="http://schemas.openxmlformats.org/drawingml/2006/main">
+              <a:rPr kumimoji="0" lang="en" altLang="en-US" sz="2000" b="1" i="0" u="none" strike="noStrike" cap="none" normalizeH="0" baseline="0" dirty="0" smtClean="0">
+                <a:ln>
+                  <a:noFill/>
+                </a:ln>
+                <a:solidFill>
+                  <a:schemeClr val="tx1"/>
+                </a:solidFill>
+                <a:effectLst/>
+                <a:latin typeface="Arial" panose="020B0604020202020204" pitchFamily="34" charset="0"/>
+              </a:rPr>
+              <a:t>gdp.xlsx </a:t>
+            </a:r>
+            <a:r xmlns:a="http://schemas.openxmlformats.org/drawingml/2006/main">
+              <a:rPr kumimoji="0" lang="en" altLang="en-US" sz="2000" b="0" i="0" u="none" strike="noStrike" cap="none" normalizeH="0" baseline="0" dirty="0" smtClean="0">
+                <a:ln>
+                  <a:noFill/>
+                </a:ln>
+                <a:solidFill>
+                  <a:schemeClr val="tx1"/>
+                </a:solidFill>
+                <a:effectLst/>
+                <a:latin typeface="Arial" panose="020B0604020202020204" pitchFamily="34" charset="0"/>
+              </a:rPr>
+              <a:t>file </a:t>
+            </a:r>
+            <a:r xmlns:a="http://schemas.openxmlformats.org/drawingml/2006/main">
+              <a:rPr kumimoji="0" lang="en" altLang="en-US" sz="2000" b="0" i="0" u="none" strike="noStrike" cap="none" normalizeH="0" baseline="0" dirty="0" smtClean="0">
+                <a:ln>
+                  <a:noFill/>
+                </a:ln>
+                <a:solidFill>
+                  <a:schemeClr val="tx1"/>
+                </a:solidFill>
+                <a:effectLst/>
+                <a:latin typeface="Arial" panose="020B0604020202020204" pitchFamily="34" charset="0"/>
+              </a:rPr>
+              <a:t>and </a:t>
+            </a:r>
+            <a:r xmlns:a="http://schemas.openxmlformats.org/drawingml/2006/main">
+              <a:rPr kumimoji="0" lang="en" altLang="en-US" sz="2000" b="1" i="0" u="none" strike="noStrike" cap="none" normalizeH="0" baseline="0" dirty="0" smtClean="0">
+                <a:ln>
+                  <a:noFill/>
+                </a:ln>
+                <a:solidFill>
+                  <a:schemeClr val="tx1"/>
+                </a:solidFill>
+                <a:effectLst/>
+                <a:latin typeface="Arial" panose="020B0604020202020204" pitchFamily="34" charset="0"/>
+              </a:rPr>
+              <a:t>load both tables</a:t>
+            </a:r>
+            <a:r xmlns:a="http://schemas.openxmlformats.org/drawingml/2006/main">
+              <a:rPr kumimoji="0" lang="en" altLang="en-US" sz="2000" b="0" i="0" u="none" strike="noStrike" cap="none" normalizeH="0" baseline="0" dirty="0" smtClean="0">
+                <a:ln>
+                  <a:noFill/>
+                </a:ln>
+                <a:solidFill>
+                  <a:schemeClr val="tx1"/>
+                </a:solidFill>
+                <a:effectLst/>
+                <a:latin typeface="Arial" panose="020B0604020202020204" pitchFamily="34" charset="0"/>
+              </a:rPr>
+              <a:t> </a:t>
+            </a:r>
+            <a:r xmlns:a="http://schemas.openxmlformats.org/drawingml/2006/main">
+              <a:rPr kumimoji="0" lang="en" altLang="en-US" sz="2000" b="0" i="0" u="none" strike="noStrike" cap="none" normalizeH="0" baseline="0" dirty="0" smtClean="0">
+                <a:ln>
+                  <a:noFill/>
+                </a:ln>
+                <a:solidFill>
+                  <a:schemeClr val="tx1"/>
+                </a:solidFill>
+                <a:effectLst/>
+                <a:latin typeface="Arial Unicode MS"/>
+              </a:rPr>
+              <a:t>continent</a:t>
+            </a:r>
+            <a:r xmlns:a="http://schemas.openxmlformats.org/drawingml/2006/main">
+              <a:rPr kumimoji="0" lang="en" altLang="en-US" sz="2000" b="0" i="0" u="none" strike="noStrike" cap="none" normalizeH="0" baseline="0" dirty="0" smtClean="0">
+                <a:ln>
+                  <a:noFill/>
+                </a:ln>
+                <a:solidFill>
+                  <a:schemeClr val="tx1"/>
+                </a:solidFill>
+                <a:effectLst/>
+              </a:rPr>
+              <a:t> </a:t>
+            </a:r>
+          </a:p>
+          <a:p>
+            <a:pPr xmlns:a="http://schemas.openxmlformats.org/drawingml/2006/main" marL="0" marR="0" lvl="0" indent="0" algn="l" defTabSz="914400" rtl="0" eaLnBrk="0" fontAlgn="base" latinLnBrk="0" hangingPunct="0">
+              <a:lnSpc>
+                <a:spcPct val="100000"/>
+              </a:lnSpc>
+              <a:spcBef>
+                <a:spcPct val="0"/>
+              </a:spcBef>
+              <a:spcAft>
+                <a:spcPct val="0"/>
+              </a:spcAft>
+              <a:buClrTx/>
+              <a:buSzTx/>
+              <a:buFontTx/>
+              <a:buNone/>
+              <a:tabLst/>
+            </a:pPr>
+            <a:r xmlns:a="http://schemas.openxmlformats.org/drawingml/2006/main">
+              <a:rPr kumimoji="0" lang="en" altLang="en-US" sz="2000" b="0" i="0" u="none" strike="noStrike" cap="none" normalizeH="0" baseline="0" dirty="0" smtClean="0">
+                <a:ln>
+                  <a:noFill/>
+                </a:ln>
+                <a:solidFill>
+                  <a:schemeClr val="tx1"/>
+                </a:solidFill>
+                <a:effectLst/>
+              </a:rPr>
+              <a:t>and </a:t>
+            </a:r>
+            <a:r xmlns:a="http://schemas.openxmlformats.org/drawingml/2006/main">
+              <a:rPr kumimoji="0" lang="en" altLang="en-US" sz="2000" b="1" i="0" u="none" strike="noStrike" cap="none" normalizeH="0" baseline="0" dirty="0" err="1" smtClean="0">
+                <a:ln>
+                  <a:noFill/>
+                </a:ln>
+                <a:solidFill>
+                  <a:schemeClr val="tx1"/>
+                </a:solidFill>
+                <a:effectLst/>
+                <a:latin typeface="Arial Unicode MS"/>
+              </a:rPr>
+              <a:t>GDP </a:t>
+            </a:r>
+            <a:r xmlns:a="http://schemas.openxmlformats.org/drawingml/2006/main">
+              <a:rPr kumimoji="0" lang="en" altLang="en-US" sz="2000" b="1" i="0" u="none" strike="noStrike" cap="none" normalizeH="0" baseline="0" dirty="0" smtClean="0">
+                <a:ln>
+                  <a:noFill/>
+                </a:ln>
+                <a:solidFill>
+                  <a:schemeClr val="tx1"/>
+                </a:solidFill>
+                <a:effectLst/>
+                <a:latin typeface="Arial Unicode MS"/>
+              </a:rPr>
+              <a:t>2018</a:t>
+            </a:r>
+            <a:r xmlns:a="http://schemas.openxmlformats.org/drawingml/2006/main">
+              <a:rPr kumimoji="0" lang="en" altLang="en-US" sz="2000" b="1" i="0" u="none" strike="noStrike" cap="none" normalizeH="0" baseline="0" dirty="0" smtClean="0">
+                <a:ln>
+                  <a:noFill/>
+                </a:ln>
+                <a:solidFill>
+                  <a:schemeClr val="tx1"/>
+                </a:solidFill>
+                <a:effectLst/>
+              </a:rPr>
+              <a:t> </a:t>
+            </a:r>
+            <a:r xmlns:a="http://schemas.openxmlformats.org/drawingml/2006/main">
+              <a:rPr kumimoji="0" lang="en" altLang="en-US" sz="2000" b="0" i="0" u="none" strike="noStrike" cap="none" normalizeH="0" baseline="0" dirty="0" smtClean="0">
+                <a:ln>
+                  <a:noFill/>
+                </a:ln>
+                <a:solidFill>
+                  <a:schemeClr val="tx1"/>
+                </a:solidFill>
+                <a:effectLst/>
+              </a:rPr>
+              <a:t>in the query editor.</a:t>
+            </a:r>
+            <a:endParaRPr xmlns:a="http://schemas.openxmlformats.org/drawingml/2006/main" kumimoji="0" lang="fr-FR" altLang="en-US" sz="2000" b="0" i="0" u="none" strike="noStrike" cap="none" normalizeH="0" baseline="0" dirty="0" smtClean="0">
+              <a:ln>
+                <a:noFill/>
+              </a:ln>
+              <a:solidFill>
+                <a:schemeClr val="tx1"/>
+              </a:solidFill>
+              <a:effectLst/>
+              <a:latin typeface="Arial" panose="020B0604020202020204" pitchFamily="34" charset="0"/>
+            </a:endParaRPr>
+          </a:p>
+        </p:txBody>
+      </p:sp>
+      <p:sp>
+        <p:nvSpPr>
+          <p:cNvPr id="9" name="Rectangle 3"/>
+          <p:cNvSpPr>
+            <a:spLocks noChangeArrowheads="1"/>
+          </p:cNvSpPr>
+          <p:nvPr/>
+        </p:nvSpPr>
+        <p:spPr bwMode="auto">
+          <a:xfrm>
+            <a:off x="516848" y="2678937"/>
+            <a:ext cx="8006231" cy="400110"/>
+          </a:xfrm>
+          <a:prstGeom prst="rect">
+            <a:avLst/>
+          </a:prstGeom>
+          <a:noFill/>
+          <a:ln>
+            <a:noFill/>
+          </a:ln>
+          <a:effectLst/>
+          <a:extLst>
+            <a:ext uri="{909E8E84-426E-40DD-AFC4-6F175D3DCCD1}">
+              <a14:hiddenFill xmlns:a14="http://schemas.microsoft.com/office/drawing/2010/main">
+                <a:solidFill>
+                  <a:schemeClr val="accent1"/>
+                </a:solidFill>
+              </a14:hiddenFill>
+            </a:ext>
+            <a:ext uri="{91240B29-F687-4F45-9708-019B960494DF}">
+              <a14:hiddenLine xmlns:a14="http://schemas.microsoft.com/office/drawing/2010/main" w="9525">
+                <a:solidFill>
+                  <a:schemeClr val="tx1"/>
+                </a:solidFill>
+                <a:miter lim="800000"/>
+                <a:headEnd/>
+                <a:tailEnd/>
+              </a14:hiddenLine>
+            </a:ext>
+            <a:ext uri="{AF507438-7753-43E0-B8FC-AC1667EBCBE1}">
+              <a14:hiddenEffects xmlns:a14="http://schemas.microsoft.com/office/drawing/2010/main">
+                <a:effectLst>
+                  <a:outerShdw dist="35921" dir="2700000" algn="ctr" rotWithShape="0">
+                    <a:schemeClr val="bg2"/>
+                  </a:outerShdw>
+                </a:effectLst>
+              </a14:hiddenEffects>
+            </a:ext>
+          </a:extLst>
+        </p:spPr>
+        <p:txBody>
+          <a:bodyPr vert="horz" wrap="none" lIns="91440" tIns="45720" rIns="91440" bIns="45720" numCol="1" anchor="ctr" anchorCtr="0" compatLnSpc="1">
+            <a:prstTxWarp prst="textNoShape">
+              <a:avLst/>
+            </a:prstTxWarp>
+            <a:spAutoFit/>
+          </a:bodyPr>
+          <a:lstStyle/>
+          <a:p>
+            <a:pPr xmlns:a="http://schemas.openxmlformats.org/drawingml/2006/main" marL="0" marR="0" lvl="0" indent="0" algn="l" defTabSz="914400" rtl="0" eaLnBrk="0" fontAlgn="base" latinLnBrk="0" hangingPunct="0">
+              <a:lnSpc>
+                <a:spcPct val="100000"/>
+              </a:lnSpc>
+              <a:spcBef>
+                <a:spcPct val="0"/>
+              </a:spcBef>
+              <a:spcAft>
+                <a:spcPct val="0"/>
+              </a:spcAft>
+              <a:buClrTx/>
+              <a:buSzTx/>
+              <a:buFontTx/>
+              <a:buNone/>
+              <a:tabLst/>
+            </a:pPr>
+            <a:r xmlns:a="http://schemas.openxmlformats.org/drawingml/2006/main">
+              <a:rPr kumimoji="0" lang="en" altLang="en-US" sz="2000" b="1" i="0" u="none" strike="noStrike" cap="none" normalizeH="0" baseline="0" dirty="0" smtClean="0">
+                <a:ln>
+                  <a:noFill/>
+                </a:ln>
+                <a:solidFill>
+                  <a:schemeClr val="tx1"/>
+                </a:solidFill>
+                <a:effectLst/>
+                <a:latin typeface="Arial" panose="020B0604020202020204" pitchFamily="34" charset="0"/>
+              </a:rPr>
+              <a:t>Check </a:t>
+            </a:r>
+            <a:r xmlns:a="http://schemas.openxmlformats.org/drawingml/2006/main">
+              <a:rPr kumimoji="0" lang="en" altLang="en-US" sz="2000" b="0" i="0" u="none" strike="noStrike" cap="none" normalizeH="0" baseline="0" dirty="0" smtClean="0">
+                <a:ln>
+                  <a:noFill/>
+                </a:ln>
+                <a:solidFill>
+                  <a:schemeClr val="tx1"/>
+                </a:solidFill>
+                <a:effectLst/>
+                <a:latin typeface="Arial" panose="020B0604020202020204" pitchFamily="34" charset="0"/>
+              </a:rPr>
+              <a:t>that the </a:t>
+            </a:r>
+            <a:r xmlns:a="http://schemas.openxmlformats.org/drawingml/2006/main">
+              <a:rPr kumimoji="0" lang="en" altLang="en-US" sz="2000" b="1" i="0" u="none" strike="noStrike" cap="none" normalizeH="0" baseline="0" dirty="0" smtClean="0">
+                <a:ln>
+                  <a:noFill/>
+                </a:ln>
+                <a:solidFill>
+                  <a:schemeClr val="tx1"/>
+                </a:solidFill>
+                <a:effectLst/>
+                <a:latin typeface="Arial" panose="020B0604020202020204" pitchFamily="34" charset="0"/>
+              </a:rPr>
+              <a:t>relationship between </a:t>
+            </a:r>
+            <a:r xmlns:a="http://schemas.openxmlformats.org/drawingml/2006/main">
+              <a:rPr kumimoji="0" lang="en" altLang="en-US" sz="2000" b="1" i="0" u="none" strike="noStrike" cap="none" normalizeH="0" baseline="0" dirty="0" smtClean="0">
+                <a:ln>
+                  <a:noFill/>
+                </a:ln>
+                <a:solidFill>
+                  <a:schemeClr val="tx1"/>
+                </a:solidFill>
+                <a:effectLst/>
+                <a:latin typeface="Arial Unicode MS"/>
+              </a:rPr>
+              <a:t>continent </a:t>
+            </a:r>
+            <a:r xmlns:a="http://schemas.openxmlformats.org/drawingml/2006/main">
+              <a:rPr kumimoji="0" lang="en" altLang="en-US" sz="2000" b="1" i="0" u="none" strike="noStrike" cap="none" normalizeH="0" baseline="0" dirty="0" smtClean="0">
+                <a:ln>
+                  <a:noFill/>
+                </a:ln>
+                <a:solidFill>
+                  <a:schemeClr val="tx1"/>
+                </a:solidFill>
+                <a:effectLst/>
+              </a:rPr>
+              <a:t>and </a:t>
+            </a:r>
+            <a:r xmlns:a="http://schemas.openxmlformats.org/drawingml/2006/main">
+              <a:rPr kumimoji="0" lang="en" altLang="en-US" sz="2000" b="1" i="0" u="none" strike="noStrike" cap="none" normalizeH="0" baseline="0" dirty="0" err="1" smtClean="0">
+                <a:ln>
+                  <a:noFill/>
+                </a:ln>
+                <a:solidFill>
+                  <a:schemeClr val="tx1"/>
+                </a:solidFill>
+                <a:effectLst/>
+                <a:latin typeface="Arial Unicode MS"/>
+              </a:rPr>
+              <a:t>gdp </a:t>
+            </a:r>
+            <a:r xmlns:a="http://schemas.openxmlformats.org/drawingml/2006/main">
+              <a:rPr kumimoji="0" lang="en" altLang="en-US" sz="2000" b="1" i="0" u="none" strike="noStrike" cap="none" normalizeH="0" baseline="0" dirty="0" smtClean="0">
+                <a:ln>
+                  <a:noFill/>
+                </a:ln>
+                <a:solidFill>
+                  <a:schemeClr val="tx1"/>
+                </a:solidFill>
+                <a:effectLst/>
+                <a:latin typeface="Arial Unicode MS"/>
+              </a:rPr>
+              <a:t>2018 </a:t>
+            </a:r>
+            <a:r xmlns:a="http://schemas.openxmlformats.org/drawingml/2006/main">
+              <a:rPr kumimoji="0" lang="en" altLang="en-US" sz="2000" b="0" i="0" u="none" strike="noStrike" cap="none" normalizeH="0" baseline="0" dirty="0" smtClean="0">
+                <a:ln>
+                  <a:noFill/>
+                </a:ln>
+                <a:solidFill>
+                  <a:schemeClr val="tx1"/>
+                </a:solidFill>
+                <a:effectLst/>
+              </a:rPr>
+              <a:t>is well established.</a:t>
+            </a:r>
+            <a:endParaRPr xmlns:a="http://schemas.openxmlformats.org/drawingml/2006/main" kumimoji="0" lang="fr-FR" altLang="en-US" sz="2000" b="0" i="0" u="none" strike="noStrike" cap="none" normalizeH="0" baseline="0" dirty="0" smtClean="0">
+              <a:ln>
+                <a:noFill/>
+              </a:ln>
+              <a:solidFill>
+                <a:schemeClr val="tx1"/>
+              </a:solidFill>
+              <a:effectLst/>
+              <a:latin typeface="Arial" panose="020B0604020202020204" pitchFamily="34" charset="0"/>
+            </a:endParaRPr>
+          </a:p>
+        </p:txBody>
+      </p:sp>
     </p:spTree>
     <p:extLst>
       <p:ext uri="{BB962C8B-B14F-4D97-AF65-F5344CB8AC3E}">
@@ -4930,7 +5269,7 @@
         <p:spPr>
           <a:xfrm>
             <a:off x="378135" y="254381"/>
-            <a:ext cx="2482796" cy="584775"/>
+            <a:ext cx="2374368" cy="523220"/>
           </a:xfrm>
           <a:prstGeom prst="rect">
             <a:avLst/>
@@ -4943,94 +5282,16 @@
           </a:bodyPr>
           <a:lstStyle/>
           <a:p>
-            <a:r>
-              <a:rPr lang="en-US" sz="3200" dirty="0" smtClean="0">
+            <a:r xmlns:a="http://schemas.openxmlformats.org/drawingml/2006/main">
+              <a:rPr lang="en" sz="2800" b="1" dirty="0" smtClean="0">
                 <a:latin typeface="Segoe UI" panose="020B0502040204020203" pitchFamily="34" charset="0"/>
                 <a:cs typeface="Segoe UI" panose="020B0502040204020203" pitchFamily="34" charset="0"/>
               </a:rPr>
               <a:t>Drill through</a:t>
             </a:r>
-            <a:endParaRPr lang="en-US" sz="3200" dirty="0">
+            <a:endParaRPr xmlns:a="http://schemas.openxmlformats.org/drawingml/2006/main" lang="en-US" sz="2800" b="1" dirty="0">
               <a:latin typeface="Segoe UI" panose="020B0502040204020203" pitchFamily="34" charset="0"/>
               <a:cs typeface="Segoe UI" panose="020B0502040204020203" pitchFamily="34" charset="0"/>
-            </a:endParaRPr>
-          </a:p>
-        </p:txBody>
-      </p:sp>
-      <p:sp>
-        <p:nvSpPr>
-          <p:cNvPr id="7" name="Rectangle 6"/>
-          <p:cNvSpPr/>
-          <p:nvPr/>
-        </p:nvSpPr>
-        <p:spPr>
-          <a:xfrm>
-            <a:off x="435427" y="1023913"/>
-            <a:ext cx="8172307" cy="373692"/>
-          </a:xfrm>
-          <a:prstGeom prst="rect">
-            <a:avLst/>
-          </a:prstGeom>
-        </p:spPr>
-        <p:txBody>
-          <a:bodyPr wrap="square">
-            <a:spAutoFit/>
-          </a:bodyPr>
-          <a:lstStyle/>
-          <a:p>
-            <a:pPr lvl="0">
-              <a:lnSpc>
-                <a:spcPct val="107000"/>
-              </a:lnSpc>
-              <a:spcAft>
-                <a:spcPts val="800"/>
-              </a:spcAft>
-            </a:pPr>
-            <a:r>
-              <a:rPr lang="en-US" dirty="0" smtClean="0">
-                <a:latin typeface="Segoe UI" panose="020B0502040204020203" pitchFamily="34" charset="0"/>
-                <a:ea typeface="Calibri" panose="020F0502020204030204" pitchFamily="34" charset="0"/>
-                <a:cs typeface="Times New Roman" panose="02020603050405020304" pitchFamily="18" charset="0"/>
-              </a:rPr>
-              <a:t>Name the two pages of the report </a:t>
-            </a:r>
-            <a:r>
-              <a:rPr lang="en-US" b="1" dirty="0" smtClean="0">
-                <a:latin typeface="Segoe UI" panose="020B0502040204020203" pitchFamily="34" charset="0"/>
-                <a:ea typeface="Calibri" panose="020F0502020204030204" pitchFamily="34" charset="0"/>
-                <a:cs typeface="Times New Roman" panose="02020603050405020304" pitchFamily="18" charset="0"/>
-              </a:rPr>
-              <a:t>GDP</a:t>
-            </a:r>
-            <a:r>
-              <a:rPr lang="en-US" dirty="0" smtClean="0">
-                <a:latin typeface="Segoe UI" panose="020B0502040204020203" pitchFamily="34" charset="0"/>
-                <a:ea typeface="Calibri" panose="020F0502020204030204" pitchFamily="34" charset="0"/>
-                <a:cs typeface="Times New Roman" panose="02020603050405020304" pitchFamily="18" charset="0"/>
-              </a:rPr>
-              <a:t> and </a:t>
-            </a:r>
-            <a:r>
-              <a:rPr lang="en-US" b="1" dirty="0" smtClean="0">
-                <a:latin typeface="Segoe UI" panose="020B0502040204020203" pitchFamily="34" charset="0"/>
-                <a:ea typeface="Calibri" panose="020F0502020204030204" pitchFamily="34" charset="0"/>
-                <a:cs typeface="Times New Roman" panose="02020603050405020304" pitchFamily="18" charset="0"/>
-              </a:rPr>
-              <a:t>Continent details</a:t>
-            </a:r>
-            <a:r>
-              <a:rPr lang="en-US" dirty="0" smtClean="0">
-                <a:latin typeface="Segoe UI" panose="020B0502040204020203" pitchFamily="34" charset="0"/>
-                <a:ea typeface="Calibri" panose="020F0502020204030204" pitchFamily="34" charset="0"/>
-                <a:cs typeface="Times New Roman" panose="02020603050405020304" pitchFamily="18" charset="0"/>
-              </a:rPr>
-              <a:t> respectively.</a:t>
-            </a:r>
-            <a:endParaRPr lang="en-US" sz="1400" dirty="0">
-              <a:effectLst/>
-              <a:latin typeface="Calibri" panose="020F0502020204030204" pitchFamily="34" charset="0"/>
-              <a:ea typeface="Calibri" panose="020F0502020204030204" pitchFamily="34" charset="0"/>
-              <a:cs typeface="Times New Roman" panose="02020603050405020304" pitchFamily="18" charset="0"/>
             </a:endParaRPr>
           </a:p>
         </p:txBody>
@@ -5051,7 +5312,7 @@
         </p:blipFill>
         <p:spPr>
           <a:xfrm>
-            <a:off x="562427" y="1683962"/>
+            <a:off x="4818169" y="1574770"/>
             <a:ext cx="6405893" cy="4653338"/>
           </a:xfrm>
           <a:prstGeom prst="rect">
@@ -5067,8 +5328,8 @@
         </p:nvSpPr>
         <p:spPr>
           <a:xfrm>
-            <a:off x="562427" y="6118917"/>
-            <a:ext cx="2298504" cy="218383"/>
+            <a:off x="5443810" y="6029540"/>
+            <a:ext cx="1183871" cy="198568"/>
           </a:xfrm>
           <a:prstGeom prst="rect">
             <a:avLst/>
@@ -5102,6 +5363,169 @@
           <a:p>
             <a:pPr algn="ctr"/>
             <a:endParaRPr lang="en-US"/>
+          </a:p>
+        </p:txBody>
+      </p:sp>
+      <p:sp>
+        <p:nvSpPr>
+          <p:cNvPr id="3" name="Rectangle 2"/>
+          <p:cNvSpPr/>
+          <p:nvPr/>
+        </p:nvSpPr>
+        <p:spPr>
+          <a:xfrm>
+            <a:off x="491055" y="1205438"/>
+            <a:ext cx="3666132" cy="400110"/>
+          </a:xfrm>
+          <a:prstGeom prst="rect">
+            <a:avLst/>
+          </a:prstGeom>
+        </p:spPr>
+        <p:txBody>
+          <a:bodyPr wrap="none">
+            <a:spAutoFit/>
+          </a:bodyPr>
+          <a:lstStyle/>
+          <a:p>
+            <a:r xmlns:a="http://schemas.openxmlformats.org/drawingml/2006/main">
+              <a:rPr lang="en" sz="2000" b="1" dirty="0"/>
+              <a:t>Name</a:t>
+            </a:r>
+            <a:r xmlns:a="http://schemas.openxmlformats.org/drawingml/2006/main">
+              <a:rPr lang="en" sz="2000" dirty="0"/>
+              <a:t> </a:t>
+            </a:r>
+            <a:r xmlns:a="http://schemas.openxmlformats.org/drawingml/2006/main">
+              <a:rPr lang="en" sz="2000" dirty="0" smtClean="0"/>
+              <a:t>two </a:t>
+            </a:r>
+            <a:r xmlns:a="http://schemas.openxmlformats.org/drawingml/2006/main">
+              <a:rPr lang="en" sz="2000" dirty="0"/>
+              <a:t>pages of the report:</a:t>
+            </a:r>
+            <a:endParaRPr xmlns:a="http://schemas.openxmlformats.org/drawingml/2006/main" lang="en-US" sz="2000" dirty="0"/>
+          </a:p>
+        </p:txBody>
+      </p:sp>
+      <p:sp>
+        <p:nvSpPr>
+          <p:cNvPr id="4" name="Rectangle 1"/>
+          <p:cNvSpPr>
+            <a:spLocks noChangeArrowheads="1"/>
+          </p:cNvSpPr>
+          <p:nvPr/>
+        </p:nvSpPr>
+        <p:spPr bwMode="auto">
+          <a:xfrm>
+            <a:off x="639392" y="1605548"/>
+            <a:ext cx="2047355" cy="646331"/>
+          </a:xfrm>
+          <a:prstGeom prst="rect">
+            <a:avLst/>
+          </a:prstGeom>
+          <a:noFill/>
+          <a:ln>
+            <a:noFill/>
+          </a:ln>
+          <a:effectLst/>
+          <a:extLst>
+            <a:ext uri="{909E8E84-426E-40DD-AFC4-6F175D3DCCD1}">
+              <a14:hiddenFill xmlns:a14="http://schemas.microsoft.com/office/drawing/2010/main">
+                <a:solidFill>
+                  <a:schemeClr val="accent1"/>
+                </a:solidFill>
+              </a14:hiddenFill>
+            </a:ext>
+            <a:ext uri="{91240B29-F687-4F45-9708-019B960494DF}">
+              <a14:hiddenLine xmlns:a14="http://schemas.microsoft.com/office/drawing/2010/main" w="9525">
+                <a:solidFill>
+                  <a:schemeClr val="tx1"/>
+                </a:solidFill>
+                <a:miter lim="800000"/>
+                <a:headEnd/>
+                <a:tailEnd/>
+              </a14:hiddenLine>
+            </a:ext>
+            <a:ext uri="{AF507438-7753-43E0-B8FC-AC1667EBCBE1}">
+              <a14:hiddenEffects xmlns:a14="http://schemas.microsoft.com/office/drawing/2010/main">
+                <a:effectLst>
+                  <a:outerShdw dist="35921" dir="2700000" algn="ctr" rotWithShape="0">
+                    <a:schemeClr val="bg2"/>
+                  </a:outerShdw>
+                </a:effectLst>
+              </a14:hiddenEffects>
+            </a:ext>
+          </a:extLst>
+        </p:spPr>
+        <p:txBody>
+          <a:bodyPr vert="horz" wrap="none" lIns="91440" tIns="45720" rIns="91440" bIns="45720" numCol="1" anchor="ctr" anchorCtr="0" compatLnSpc="1">
+            <a:prstTxWarp prst="textNoShape">
+              <a:avLst/>
+            </a:prstTxWarp>
+            <a:spAutoFit/>
+          </a:bodyPr>
+          <a:lstStyle/>
+          <a:p>
+            <a:pPr xmlns:a="http://schemas.openxmlformats.org/drawingml/2006/main" marL="0" marR="0" lvl="0" indent="0" algn="l" defTabSz="914400" rtl="0" eaLnBrk="0" fontAlgn="base" latinLnBrk="0" hangingPunct="0">
+              <a:lnSpc>
+                <a:spcPct val="100000"/>
+              </a:lnSpc>
+              <a:spcBef>
+                <a:spcPct val="0"/>
+              </a:spcBef>
+              <a:spcAft>
+                <a:spcPct val="0"/>
+              </a:spcAft>
+              <a:buClrTx/>
+              <a:buSzTx/>
+              <a:buFontTx/>
+              <a:buChar char="•"/>
+              <a:tabLst/>
+            </a:pPr>
+            <a:r xmlns:a="http://schemas.openxmlformats.org/drawingml/2006/main">
+              <a:rPr kumimoji="0" lang="en" altLang="en-US" i="0" u="none" strike="noStrike" cap="none" normalizeH="0" baseline="0" dirty="0" smtClean="0">
+                <a:ln>
+                  <a:noFill/>
+                </a:ln>
+                <a:solidFill>
+                  <a:schemeClr val="tx1"/>
+                </a:solidFill>
+                <a:effectLst/>
+                <a:latin typeface="Arial" panose="020B0604020202020204" pitchFamily="34" charset="0"/>
+              </a:rPr>
+              <a:t>GDP</a:t>
+            </a:r>
+          </a:p>
+          <a:p>
+            <a:pPr xmlns:a="http://schemas.openxmlformats.org/drawingml/2006/main" marL="0" marR="0" lvl="0" indent="0" algn="l" defTabSz="914400" rtl="0" eaLnBrk="0" fontAlgn="base" latinLnBrk="0" hangingPunct="0">
+              <a:lnSpc>
+                <a:spcPct val="100000"/>
+              </a:lnSpc>
+              <a:spcBef>
+                <a:spcPct val="0"/>
+              </a:spcBef>
+              <a:spcAft>
+                <a:spcPct val="0"/>
+              </a:spcAft>
+              <a:buClrTx/>
+              <a:buSzTx/>
+              <a:buFontTx/>
+              <a:buChar char="•"/>
+              <a:tabLst/>
+            </a:pPr>
+            <a:r xmlns:a="http://schemas.openxmlformats.org/drawingml/2006/main">
+              <a:rPr kumimoji="0" lang="en" altLang="en-US" i="0" u="none" strike="noStrike" cap="none" normalizeH="0" baseline="0" dirty="0" smtClean="0">
+                <a:ln>
+                  <a:noFill/>
+                </a:ln>
+                <a:solidFill>
+                  <a:schemeClr val="tx1"/>
+                </a:solidFill>
+                <a:effectLst/>
+                <a:latin typeface="Arial" panose="020B0604020202020204" pitchFamily="34" charset="0"/>
+              </a:rPr>
+              <a:t>Continent details</a:t>
+            </a:r>
           </a:p>
         </p:txBody>
       </p:sp>
@@ -5144,7 +5568,7 @@
         <p:spPr>
           <a:xfrm>
             <a:off x="378135" y="254381"/>
-            <a:ext cx="2482796" cy="584775"/>
+            <a:ext cx="2374368" cy="523220"/>
           </a:xfrm>
           <a:prstGeom prst="rect">
             <a:avLst/>
@@ -5157,156 +5581,16 @@
           </a:bodyPr>
           <a:lstStyle/>
           <a:p>
-            <a:r>
-              <a:rPr lang="en-US" sz="3200" dirty="0" smtClean="0">
+            <a:r xmlns:a="http://schemas.openxmlformats.org/drawingml/2006/main">
+              <a:rPr lang="en" sz="2800" b="1" dirty="0" smtClean="0">
                 <a:latin typeface="Segoe UI" panose="020B0502040204020203" pitchFamily="34" charset="0"/>
                 <a:cs typeface="Segoe UI" panose="020B0502040204020203" pitchFamily="34" charset="0"/>
               </a:rPr>
               <a:t>Drill through</a:t>
             </a:r>
-            <a:endParaRPr lang="en-US" sz="3200" dirty="0">
+            <a:endParaRPr xmlns:a="http://schemas.openxmlformats.org/drawingml/2006/main" lang="en-US" sz="2800" b="1" dirty="0">
               <a:latin typeface="Segoe UI" panose="020B0502040204020203" pitchFamily="34" charset="0"/>
               <a:cs typeface="Segoe UI" panose="020B0502040204020203" pitchFamily="34" charset="0"/>
-            </a:endParaRPr>
-          </a:p>
-        </p:txBody>
-      </p:sp>
-      <p:sp>
-        <p:nvSpPr>
-          <p:cNvPr id="4" name="Rectangle 3"/>
-          <p:cNvSpPr/>
-          <p:nvPr/>
-        </p:nvSpPr>
-        <p:spPr>
-          <a:xfrm>
-            <a:off x="378135" y="968913"/>
-            <a:ext cx="11158430" cy="373692"/>
-          </a:xfrm>
-          <a:prstGeom prst="rect">
-            <a:avLst/>
-          </a:prstGeom>
-        </p:spPr>
-        <p:txBody>
-          <a:bodyPr wrap="square">
-            <a:spAutoFit/>
-          </a:bodyPr>
-          <a:lstStyle/>
-          <a:p>
-            <a:pPr lvl="0">
-              <a:lnSpc>
-                <a:spcPct val="107000"/>
-              </a:lnSpc>
-              <a:spcAft>
-                <a:spcPts val="800"/>
-              </a:spcAft>
-            </a:pPr>
-            <a:r>
-              <a:rPr lang="en-US" dirty="0" smtClean="0">
-                <a:latin typeface="Segoe UI" panose="020B0502040204020203" pitchFamily="34" charset="0"/>
-                <a:ea typeface="Calibri" panose="020F0502020204030204" pitchFamily="34" charset="0"/>
-                <a:cs typeface="Times New Roman" panose="02020603050405020304" pitchFamily="18" charset="0"/>
-              </a:rPr>
-              <a:t>Add three GDP page level visuals </a:t>
-            </a:r>
-            <a:r>
-              <a:rPr lang="en-US" b="1" dirty="0" smtClean="0">
-                <a:latin typeface="Segoe UI" panose="020B0502040204020203" pitchFamily="34" charset="0"/>
-                <a:ea typeface="Calibri" panose="020F0502020204030204" pitchFamily="34" charset="0"/>
-                <a:cs typeface="Times New Roman" panose="02020603050405020304" pitchFamily="18" charset="0"/>
-              </a:rPr>
-              <a:t>, </a:t>
-            </a:r>
-            <a:r>
-              <a:rPr lang="en-US" dirty="0" smtClean="0">
-                <a:latin typeface="Segoe UI" panose="020B0502040204020203" pitchFamily="34" charset="0"/>
-                <a:ea typeface="Calibri" panose="020F0502020204030204" pitchFamily="34" charset="0"/>
-                <a:cs typeface="Times New Roman" panose="02020603050405020304" pitchFamily="18" charset="0"/>
-              </a:rPr>
-              <a:t>a geographic map visual, a histogram visual and a label visual</a:t>
-            </a:r>
-            <a:endParaRPr lang="en-US" sz="1400" dirty="0">
-              <a:effectLst/>
-              <a:latin typeface="Calibri" panose="020F0502020204030204" pitchFamily="34" charset="0"/>
-              <a:ea typeface="Calibri" panose="020F0502020204030204" pitchFamily="34" charset="0"/>
-              <a:cs typeface="Times New Roman" panose="02020603050405020304" pitchFamily="18" charset="0"/>
-            </a:endParaRPr>
-          </a:p>
-        </p:txBody>
-      </p:sp>
-      <p:sp>
-        <p:nvSpPr>
-          <p:cNvPr id="5" name="Rectangle 4"/>
-          <p:cNvSpPr/>
-          <p:nvPr/>
-        </p:nvSpPr>
-        <p:spPr>
-          <a:xfrm>
-            <a:off x="378134" y="1402050"/>
-            <a:ext cx="7122695" cy="373692"/>
-          </a:xfrm>
-          <a:prstGeom prst="rect">
-            <a:avLst/>
-          </a:prstGeom>
-        </p:spPr>
-        <p:txBody>
-          <a:bodyPr wrap="square">
-            <a:spAutoFit/>
-          </a:bodyPr>
-          <a:lstStyle/>
-          <a:p>
-            <a:pPr lvl="0">
-              <a:lnSpc>
-                <a:spcPct val="107000"/>
-              </a:lnSpc>
-              <a:spcAft>
-                <a:spcPts val="800"/>
-              </a:spcAft>
-            </a:pPr>
-            <a:r>
-              <a:rPr lang="en-US" b="1" dirty="0" err="1" smtClean="0">
-                <a:latin typeface="Segoe UI" panose="020B0502040204020203" pitchFamily="34" charset="0"/>
-                <a:ea typeface="Calibri" panose="020F0502020204030204" pitchFamily="34" charset="0"/>
-                <a:cs typeface="Times New Roman" panose="02020603050405020304" pitchFamily="18" charset="0"/>
-              </a:rPr>
-              <a:t>ContinentName</a:t>
-            </a:r>
-            <a:r>
-              <a:rPr lang="en-US" b="1" dirty="0" smtClean="0">
-                <a:latin typeface="Segoe UI" panose="020B0502040204020203" pitchFamily="34" charset="0"/>
-                <a:ea typeface="Calibri" panose="020F0502020204030204" pitchFamily="34" charset="0"/>
-                <a:cs typeface="Times New Roman" panose="02020603050405020304" pitchFamily="18" charset="0"/>
-              </a:rPr>
-              <a:t> </a:t>
-            </a:r>
-            <a:r>
-              <a:rPr lang="en-US" dirty="0" smtClean="0">
-                <a:latin typeface="Segoe UI" panose="020B0502040204020203" pitchFamily="34" charset="0"/>
-                <a:ea typeface="Calibri" panose="020F0502020204030204" pitchFamily="34" charset="0"/>
-                <a:cs typeface="Times New Roman" panose="02020603050405020304" pitchFamily="18" charset="0"/>
-              </a:rPr>
-              <a:t>field to the </a:t>
-            </a:r>
-            <a:r>
-              <a:rPr lang="en-US" b="1" dirty="0" smtClean="0">
-                <a:latin typeface="Segoe UI" panose="020B0502040204020203" pitchFamily="34" charset="0"/>
-                <a:ea typeface="Calibri" panose="020F0502020204030204" pitchFamily="34" charset="0"/>
-                <a:cs typeface="Times New Roman" panose="02020603050405020304" pitchFamily="18" charset="0"/>
-              </a:rPr>
-              <a:t>Location property </a:t>
-            </a:r>
-            <a:r>
-              <a:rPr lang="en-US" dirty="0" smtClean="0">
-                <a:latin typeface="Segoe UI" panose="020B0502040204020203" pitchFamily="34" charset="0"/>
-                <a:ea typeface="Calibri" panose="020F0502020204030204" pitchFamily="34" charset="0"/>
-                <a:cs typeface="Times New Roman" panose="02020603050405020304" pitchFamily="18" charset="0"/>
-              </a:rPr>
-              <a:t>of the map</a:t>
-            </a:r>
-            <a:endParaRPr lang="en-US" sz="1400" dirty="0">
-              <a:effectLst/>
-              <a:latin typeface="Calibri" panose="020F0502020204030204" pitchFamily="34" charset="0"/>
-              <a:ea typeface="Calibri" panose="020F0502020204030204" pitchFamily="34" charset="0"/>
-              <a:cs typeface="Times New Roman" panose="02020603050405020304" pitchFamily="18" charset="0"/>
             </a:endParaRPr>
           </a:p>
         </p:txBody>
@@ -5332,7 +5616,7 @@
         </p:blipFill>
         <p:spPr bwMode="auto">
           <a:xfrm>
-            <a:off x="532137" y="2012030"/>
+            <a:off x="6857310" y="918876"/>
             <a:ext cx="4473000" cy="3536247"/>
           </a:xfrm>
           <a:prstGeom prst="rect">
@@ -5350,6 +5634,136 @@
           </a:effectLst>
         </p:spPr>
       </p:pic>
+      <p:sp>
+        <p:nvSpPr>
+          <p:cNvPr id="3" name="Rectangle 2"/>
+          <p:cNvSpPr/>
+          <p:nvPr/>
+        </p:nvSpPr>
+        <p:spPr>
+          <a:xfrm>
+            <a:off x="378135" y="853273"/>
+            <a:ext cx="6096000" cy="1323439"/>
+          </a:xfrm>
+          <a:prstGeom prst="rect">
+            <a:avLst/>
+          </a:prstGeom>
+        </p:spPr>
+        <p:txBody>
+          <a:bodyPr>
+            <a:spAutoFit/>
+          </a:bodyPr>
+          <a:lstStyle/>
+          <a:p>
+            <a:r xmlns:a="http://schemas.openxmlformats.org/drawingml/2006/main">
+              <a:rPr lang="en" sz="2000" b="1" dirty="0"/>
+              <a:t>Add three visuals </a:t>
+            </a:r>
+            <a:r xmlns:a="http://schemas.openxmlformats.org/drawingml/2006/main">
+              <a:rPr lang="en" sz="2000" dirty="0"/>
+              <a:t>on the </a:t>
+            </a:r>
+            <a:r xmlns:a="http://schemas.openxmlformats.org/drawingml/2006/main">
+              <a:rPr lang="en" sz="2000" b="1" dirty="0"/>
+              <a:t>GDP page </a:t>
+            </a:r>
+            <a:r xmlns:a="http://schemas.openxmlformats.org/drawingml/2006/main">
+              <a:rPr lang="en" sz="2000" dirty="0"/>
+              <a:t>:</a:t>
+            </a:r>
+          </a:p>
+          <a:p>
+            <a:pPr xmlns:a="http://schemas.openxmlformats.org/drawingml/2006/main" lvl="1">
+              <a:buFont typeface="Arial" panose="020B0604020202020204" pitchFamily="34" charset="0"/>
+              <a:buChar char="•"/>
+            </a:pPr>
+            <a:r xmlns:a="http://schemas.openxmlformats.org/drawingml/2006/main">
+              <a:rPr lang="en" sz="2000" dirty="0"/>
+              <a:t>A </a:t>
+            </a:r>
+            <a:r xmlns:a="http://schemas.openxmlformats.org/drawingml/2006/main">
+              <a:rPr lang="en" sz="2000" b="1" dirty="0"/>
+              <a:t>geographical map</a:t>
+            </a:r>
+            <a:endParaRPr xmlns:a="http://schemas.openxmlformats.org/drawingml/2006/main" lang="fr-FR" sz="2000" dirty="0"/>
+          </a:p>
+          <a:p>
+            <a:pPr xmlns:a="http://schemas.openxmlformats.org/drawingml/2006/main" lvl="1">
+              <a:buFont typeface="Arial" panose="020B0604020202020204" pitchFamily="34" charset="0"/>
+              <a:buChar char="•"/>
+            </a:pPr>
+            <a:r xmlns:a="http://schemas.openxmlformats.org/drawingml/2006/main">
+              <a:rPr lang="en" sz="2000" dirty="0"/>
+              <a:t>A </a:t>
+            </a:r>
+            <a:r xmlns:a="http://schemas.openxmlformats.org/drawingml/2006/main">
+              <a:rPr lang="en" sz="2000" b="1" dirty="0"/>
+              <a:t>histogram</a:t>
+            </a:r>
+            <a:endParaRPr xmlns:a="http://schemas.openxmlformats.org/drawingml/2006/main" lang="fr-FR" sz="2000" dirty="0"/>
+          </a:p>
+          <a:p>
+            <a:pPr xmlns:a="http://schemas.openxmlformats.org/drawingml/2006/main" lvl="1">
+              <a:buFont typeface="Arial" panose="020B0604020202020204" pitchFamily="34" charset="0"/>
+              <a:buChar char="•"/>
+            </a:pPr>
+            <a:r xmlns:a="http://schemas.openxmlformats.org/drawingml/2006/main">
+              <a:rPr lang="en" sz="2000" dirty="0"/>
+              <a:t>A </a:t>
+            </a:r>
+            <a:r xmlns:a="http://schemas.openxmlformats.org/drawingml/2006/main">
+              <a:rPr lang="en" sz="2000" b="1" dirty="0"/>
+              <a:t>label visual</a:t>
+            </a:r>
+            <a:endParaRPr xmlns:a="http://schemas.openxmlformats.org/drawingml/2006/main" lang="fr-FR" sz="2000" dirty="0"/>
+          </a:p>
+        </p:txBody>
+      </p:sp>
+      <p:sp>
+        <p:nvSpPr>
+          <p:cNvPr id="6" name="Rectangle 5"/>
+          <p:cNvSpPr/>
+          <p:nvPr/>
+        </p:nvSpPr>
+        <p:spPr>
+          <a:xfrm>
+            <a:off x="321567" y="2486944"/>
+            <a:ext cx="6209136" cy="400110"/>
+          </a:xfrm>
+          <a:prstGeom prst="rect">
+            <a:avLst/>
+          </a:prstGeom>
+        </p:spPr>
+        <p:txBody>
+          <a:bodyPr wrap="none">
+            <a:spAutoFit/>
+          </a:bodyPr>
+          <a:lstStyle/>
+          <a:p>
+            <a:r xmlns:a="http://schemas.openxmlformats.org/drawingml/2006/main">
+              <a:rPr lang="en" sz="2000" b="1" dirty="0" err="1"/>
+              <a:t>ContinentName </a:t>
+            </a:r>
+            <a:r xmlns:a="http://schemas.openxmlformats.org/drawingml/2006/main">
+              <a:rPr lang="en" sz="2000"/>
+              <a:t>field </a:t>
+            </a:r>
+            <a:r xmlns:a="http://schemas.openxmlformats.org/drawingml/2006/main">
+              <a:rPr lang="en" sz="2000" dirty="0"/>
+              <a:t>to the </a:t>
+            </a:r>
+            <a:r xmlns:a="http://schemas.openxmlformats.org/drawingml/2006/main">
+              <a:rPr lang="en" sz="2000" b="1" dirty="0"/>
+              <a:t>Location property </a:t>
+            </a:r>
+            <a:r xmlns:a="http://schemas.openxmlformats.org/drawingml/2006/main">
+              <a:rPr lang="en" sz="2000" dirty="0"/>
+              <a:t>.</a:t>
+            </a:r>
+            <a:endParaRPr xmlns:a="http://schemas.openxmlformats.org/drawingml/2006/main" lang="en-US" sz="2000" dirty="0"/>
+          </a:p>
+        </p:txBody>
+      </p:sp>
     </p:spTree>
     <p:extLst>
       <p:ext uri="{BB962C8B-B14F-4D97-AF65-F5344CB8AC3E}">
@@ -5389,7 +5803,7 @@
         <p:spPr>
           <a:xfrm>
             <a:off x="378135" y="254381"/>
-            <a:ext cx="2482796" cy="584775"/>
+            <a:ext cx="2374368" cy="523220"/>
           </a:xfrm>
           <a:prstGeom prst="rect">
             <a:avLst/>
@@ -5402,134 +5816,16 @@
           </a:bodyPr>
           <a:lstStyle/>
           <a:p>
-            <a:r>
-              <a:rPr lang="en-US" sz="3200" dirty="0" smtClean="0">
+            <a:r xmlns:a="http://schemas.openxmlformats.org/drawingml/2006/main">
+              <a:rPr lang="en" sz="2800" b="1" dirty="0" smtClean="0">
                 <a:latin typeface="Segoe UI" panose="020B0502040204020203" pitchFamily="34" charset="0"/>
                 <a:cs typeface="Segoe UI" panose="020B0502040204020203" pitchFamily="34" charset="0"/>
               </a:rPr>
               <a:t>Drill through</a:t>
             </a:r>
-            <a:endParaRPr lang="en-US" sz="3200" dirty="0">
+            <a:endParaRPr xmlns:a="http://schemas.openxmlformats.org/drawingml/2006/main" lang="en-US" sz="2800" b="1" dirty="0">
               <a:latin typeface="Segoe UI" panose="020B0502040204020203" pitchFamily="34" charset="0"/>
               <a:cs typeface="Segoe UI" panose="020B0502040204020203" pitchFamily="34" charset="0"/>
-            </a:endParaRPr>
-          </a:p>
-        </p:txBody>
-      </p:sp>
-      <p:sp>
-        <p:nvSpPr>
-          <p:cNvPr id="3" name="Rectangle 2"/>
-          <p:cNvSpPr/>
-          <p:nvPr/>
-        </p:nvSpPr>
-        <p:spPr>
-          <a:xfrm>
-            <a:off x="435429" y="968913"/>
-            <a:ext cx="8131056" cy="373692"/>
-          </a:xfrm>
-          <a:prstGeom prst="rect">
-            <a:avLst/>
-          </a:prstGeom>
-        </p:spPr>
-        <p:txBody>
-          <a:bodyPr wrap="square">
-            <a:spAutoFit/>
-          </a:bodyPr>
-          <a:lstStyle/>
-          <a:p>
-            <a:pPr lvl="0">
-              <a:lnSpc>
-                <a:spcPct val="107000"/>
-              </a:lnSpc>
-              <a:spcAft>
-                <a:spcPts val="800"/>
-              </a:spcAft>
-            </a:pPr>
-            <a:r>
-              <a:rPr lang="en-US" b="1" dirty="0" err="1" smtClean="0">
-                <a:latin typeface="Segoe UI" panose="020B0502040204020203" pitchFamily="34" charset="0"/>
-                <a:ea typeface="Calibri" panose="020F0502020204030204" pitchFamily="34" charset="0"/>
-                <a:cs typeface="Times New Roman" panose="02020603050405020304" pitchFamily="18" charset="0"/>
-              </a:rPr>
-              <a:t>ContinentName</a:t>
-            </a:r>
-            <a:r>
-              <a:rPr lang="en-US" b="1" dirty="0" smtClean="0">
-                <a:latin typeface="Segoe UI" panose="020B0502040204020203" pitchFamily="34" charset="0"/>
-                <a:ea typeface="Calibri" panose="020F0502020204030204" pitchFamily="34" charset="0"/>
-                <a:cs typeface="Times New Roman" panose="02020603050405020304" pitchFamily="18" charset="0"/>
-              </a:rPr>
-              <a:t> </a:t>
-            </a:r>
-            <a:r>
-              <a:rPr lang="en-US" dirty="0" smtClean="0">
-                <a:latin typeface="Segoe UI" panose="020B0502040204020203" pitchFamily="34" charset="0"/>
-                <a:ea typeface="Calibri" panose="020F0502020204030204" pitchFamily="34" charset="0"/>
-                <a:cs typeface="Times New Roman" panose="02020603050405020304" pitchFamily="18" charset="0"/>
-              </a:rPr>
-              <a:t>and </a:t>
-            </a:r>
-            <a:r>
-              <a:rPr lang="en-US" b="1" dirty="0" err="1" smtClean="0">
-                <a:latin typeface="Segoe UI" panose="020B0502040204020203" pitchFamily="34" charset="0"/>
-                <a:ea typeface="Calibri" panose="020F0502020204030204" pitchFamily="34" charset="0"/>
-                <a:cs typeface="Times New Roman" panose="02020603050405020304" pitchFamily="18" charset="0"/>
-              </a:rPr>
-              <a:t>gdp</a:t>
-            </a:r>
-            <a:r>
-              <a:rPr lang="en-US" b="1" dirty="0" smtClean="0">
-                <a:latin typeface="Segoe UI" panose="020B0502040204020203" pitchFamily="34" charset="0"/>
-                <a:ea typeface="Calibri" panose="020F0502020204030204" pitchFamily="34" charset="0"/>
-                <a:cs typeface="Times New Roman" panose="02020603050405020304" pitchFamily="18" charset="0"/>
-              </a:rPr>
-              <a:t> </a:t>
-            </a:r>
-            <a:r>
-              <a:rPr lang="en-US" dirty="0" smtClean="0">
-                <a:latin typeface="Segoe UI" panose="020B0502040204020203" pitchFamily="34" charset="0"/>
-                <a:ea typeface="Calibri" panose="020F0502020204030204" pitchFamily="34" charset="0"/>
-                <a:cs typeface="Times New Roman" panose="02020603050405020304" pitchFamily="18" charset="0"/>
-              </a:rPr>
-              <a:t>fields to the </a:t>
-            </a:r>
-            <a:r>
-              <a:rPr lang="en-US" b="1" dirty="0" smtClean="0">
-                <a:latin typeface="Segoe UI" panose="020B0502040204020203" pitchFamily="34" charset="0"/>
-                <a:ea typeface="Calibri" panose="020F0502020204030204" pitchFamily="34" charset="0"/>
-                <a:cs typeface="Times New Roman" panose="02020603050405020304" pitchFamily="18" charset="0"/>
-              </a:rPr>
-              <a:t>Axis </a:t>
-            </a:r>
-            <a:r>
-              <a:rPr lang="en-US" dirty="0" smtClean="0">
-                <a:latin typeface="Segoe UI" panose="020B0502040204020203" pitchFamily="34" charset="0"/>
-                <a:ea typeface="Calibri" panose="020F0502020204030204" pitchFamily="34" charset="0"/>
-                <a:cs typeface="Times New Roman" panose="02020603050405020304" pitchFamily="18" charset="0"/>
-              </a:rPr>
-              <a:t>and </a:t>
-            </a:r>
-            <a:r>
-              <a:rPr lang="en-US" b="1" dirty="0" smtClean="0">
-                <a:latin typeface="Segoe UI" panose="020B0502040204020203" pitchFamily="34" charset="0"/>
-                <a:ea typeface="Calibri" panose="020F0502020204030204" pitchFamily="34" charset="0"/>
-                <a:cs typeface="Times New Roman" panose="02020603050405020304" pitchFamily="18" charset="0"/>
-              </a:rPr>
-              <a:t>Values </a:t>
-            </a:r>
-            <a:r>
-              <a:rPr lang="en-US" dirty="0" smtClean="0">
-                <a:latin typeface="Segoe UI" panose="020B0502040204020203" pitchFamily="34" charset="0"/>
-                <a:ea typeface="Calibri" panose="020F0502020204030204" pitchFamily="34" charset="0"/>
-                <a:cs typeface="Times New Roman" panose="02020603050405020304" pitchFamily="18" charset="0"/>
-              </a:rPr>
-              <a:t>level respectively</a:t>
-            </a:r>
-            <a:endParaRPr lang="en-US" sz="1400" dirty="0">
-              <a:effectLst/>
-              <a:latin typeface="Calibri" panose="020F0502020204030204" pitchFamily="34" charset="0"/>
-              <a:ea typeface="Calibri" panose="020F0502020204030204" pitchFamily="34" charset="0"/>
-              <a:cs typeface="Times New Roman" panose="02020603050405020304" pitchFamily="18" charset="0"/>
             </a:endParaRPr>
           </a:p>
         </p:txBody>
@@ -5555,7 +5851,7 @@
         </p:blipFill>
         <p:spPr bwMode="auto">
           <a:xfrm>
-            <a:off x="579583" y="1560953"/>
+            <a:off x="5770349" y="948582"/>
             <a:ext cx="4288050" cy="2701663"/>
           </a:xfrm>
           <a:prstGeom prst="rect">
@@ -5573,6 +5869,90 @@
           </a:effectLst>
         </p:spPr>
       </p:pic>
+      <p:sp>
+        <p:nvSpPr>
+          <p:cNvPr id="4" name="Rectangle 3"/>
+          <p:cNvSpPr/>
+          <p:nvPr/>
+        </p:nvSpPr>
+        <p:spPr>
+          <a:xfrm>
+            <a:off x="378135" y="948582"/>
+            <a:ext cx="4241991" cy="1015663"/>
+          </a:xfrm>
+          <a:prstGeom prst="rect">
+            <a:avLst/>
+          </a:prstGeom>
+        </p:spPr>
+        <p:txBody>
+          <a:bodyPr wrap="square">
+            <a:spAutoFit/>
+          </a:bodyPr>
+          <a:lstStyle/>
+          <a:p>
+            <a:r xmlns:a="http://schemas.openxmlformats.org/drawingml/2006/main">
+              <a:rPr lang="en" sz="2000" b="1" dirty="0"/>
+              <a:t>Configure the histogram </a:t>
+            </a:r>
+            <a:r xmlns:a="http://schemas.openxmlformats.org/drawingml/2006/main">
+              <a:rPr lang="en" sz="2000" dirty="0"/>
+              <a:t>:</a:t>
+            </a:r>
+          </a:p>
+          <a:p>
+            <a:pPr xmlns:a="http://schemas.openxmlformats.org/drawingml/2006/main" lvl="1">
+              <a:buFont typeface="Arial" panose="020B0604020202020204" pitchFamily="34" charset="0"/>
+              <a:buChar char="•"/>
+            </a:pPr>
+            <a:r xmlns:a="http://schemas.openxmlformats.org/drawingml/2006/main">
+              <a:rPr lang="en" sz="2000" dirty="0"/>
+              <a:t>Add </a:t>
+            </a:r>
+            <a:r xmlns:a="http://schemas.openxmlformats.org/drawingml/2006/main">
+              <a:rPr lang="en" sz="2000" b="1" dirty="0" err="1"/>
+              <a:t>ContinentName </a:t>
+            </a:r>
+            <a:r xmlns:a="http://schemas.openxmlformats.org/drawingml/2006/main">
+              <a:rPr lang="en" sz="2000" dirty="0"/>
+              <a:t>to </a:t>
+            </a:r>
+            <a:r xmlns:a="http://schemas.openxmlformats.org/drawingml/2006/main">
+              <a:rPr lang="en" sz="2000" b="1" dirty="0"/>
+              <a:t>Axis </a:t>
+            </a:r>
+            <a:r xmlns:a="http://schemas.openxmlformats.org/drawingml/2006/main">
+              <a:rPr lang="en" sz="2000" dirty="0"/>
+              <a:t>.</a:t>
+            </a:r>
+          </a:p>
+          <a:p>
+            <a:pPr xmlns:a="http://schemas.openxmlformats.org/drawingml/2006/main" lvl="1">
+              <a:buFont typeface="Arial" panose="020B0604020202020204" pitchFamily="34" charset="0"/>
+              <a:buChar char="•"/>
+            </a:pPr>
+            <a:r xmlns:a="http://schemas.openxmlformats.org/drawingml/2006/main">
+              <a:rPr lang="en" sz="2000" dirty="0"/>
+              <a:t>Add </a:t>
+            </a:r>
+            <a:r xmlns:a="http://schemas.openxmlformats.org/drawingml/2006/main">
+              <a:rPr lang="en" sz="2000" b="1" dirty="0" err="1"/>
+              <a:t>gdp </a:t>
+            </a:r>
+            <a:r xmlns:a="http://schemas.openxmlformats.org/drawingml/2006/main">
+              <a:rPr lang="en" sz="2000" dirty="0"/>
+              <a:t>to </a:t>
+            </a:r>
+            <a:r xmlns:a="http://schemas.openxmlformats.org/drawingml/2006/main">
+              <a:rPr lang="en" sz="2000" b="1" dirty="0"/>
+              <a:t>Values </a:t>
+            </a:r>
+            <a:r xmlns:a="http://schemas.openxmlformats.org/drawingml/2006/main">
+              <a:rPr lang="en" sz="2000" dirty="0"/>
+              <a:t>.</a:t>
+            </a:r>
+          </a:p>
+        </p:txBody>
+      </p:sp>
     </p:spTree>
     <p:extLst>
       <p:ext uri="{BB962C8B-B14F-4D97-AF65-F5344CB8AC3E}">
@@ -5612,7 +5992,7 @@
         <p:spPr>
           <a:xfrm>
             <a:off x="378135" y="254381"/>
-            <a:ext cx="2482796" cy="584775"/>
+            <a:ext cx="2374368" cy="523220"/>
           </a:xfrm>
           <a:prstGeom prst="rect">
             <a:avLst/>
@@ -5625,14 +6005,14 @@
           </a:bodyPr>
           <a:lstStyle/>
           <a:p>
-            <a:r>
-              <a:rPr lang="en-US" sz="3200" dirty="0" smtClean="0">
+            <a:r xmlns:a="http://schemas.openxmlformats.org/drawingml/2006/main">
+              <a:rPr lang="en" sz="2800" b="1" dirty="0" smtClean="0">
                 <a:latin typeface="Segoe UI" panose="020B0502040204020203" pitchFamily="34" charset="0"/>
                 <a:cs typeface="Segoe UI" panose="020B0502040204020203" pitchFamily="34" charset="0"/>
               </a:rPr>
               <a:t>Drill through</a:t>
             </a:r>
-            <a:endParaRPr lang="en-US" sz="3200" dirty="0">
+            <a:endParaRPr xmlns:a="http://schemas.openxmlformats.org/drawingml/2006/main" lang="en-US" sz="2800" b="1" dirty="0">
               <a:latin typeface="Segoe UI" panose="020B0502040204020203" pitchFamily="34" charset="0"/>
               <a:cs typeface="Segoe UI" panose="020B0502040204020203" pitchFamily="34" charset="0"/>
             </a:endParaRPr>
@@ -5648,7 +6028,7 @@
         <p:spPr>
           <a:xfrm>
             <a:off x="531586" y="1078650"/>
-            <a:ext cx="4542397" cy="369332"/>
+            <a:ext cx="4875309" cy="369332"/>
           </a:xfrm>
           <a:prstGeom prst="rect">
             <a:avLst/>
@@ -5660,70 +6040,49 @@
           </a:bodyPr>
           <a:lstStyle/>
           <a:p>
-            <a:r>
-              <a:rPr lang="fr-FR" dirty="0">
+            <a:r xmlns:a="http://schemas.openxmlformats.org/drawingml/2006/main">
+              <a:rPr lang="en" b="1" dirty="0" err="1" smtClean="0">
                 <a:latin typeface="Segoe UI" panose="020B0502040204020203" pitchFamily="34" charset="0"/>
                 <a:ea typeface="Calibri" panose="020F0502020204030204" pitchFamily="34" charset="0"/>
               </a:rPr>
-              <a:t>Drag the </a:t>
-            </a:r>
-            <a:r>
-              <a:rPr lang="fr-FR" b="1" dirty="0" err="1">
+              <a:t>gdp </a:t>
+            </a:r>
+            <a:r xmlns:a="http://schemas.openxmlformats.org/drawingml/2006/main">
+              <a:rPr lang="en" dirty="0" smtClean="0">
                 <a:latin typeface="Segoe UI" panose="020B0502040204020203" pitchFamily="34" charset="0"/>
                 <a:ea typeface="Calibri" panose="020F0502020204030204" pitchFamily="34" charset="0"/>
               </a:rPr>
-              <a:t>gdp</a:t>
-            </a:r>
-            <a:r>
-              <a:rPr lang="fr-FR" b="1" dirty="0">
+              <a:t>field</a:t>
+            </a:r>
+            <a:r xmlns:a="http://schemas.openxmlformats.org/drawingml/2006/main">
+              <a:rPr lang="en" b="1" dirty="0" smtClean="0">
                 <a:latin typeface="Segoe UI" panose="020B0502040204020203" pitchFamily="34" charset="0"/>
                 <a:ea typeface="Calibri" panose="020F0502020204030204" pitchFamily="34" charset="0"/>
               </a:rPr>
               <a:t> </a:t>
             </a:r>
-            <a:r>
-              <a:rPr lang="fr-FR" b="1" dirty="0" err="1">
+            <a:r xmlns:a="http://schemas.openxmlformats.org/drawingml/2006/main">
+              <a:rPr lang="en" dirty="0" smtClean="0">
                 <a:latin typeface="Segoe UI" panose="020B0502040204020203" pitchFamily="34" charset="0"/>
                 <a:ea typeface="Calibri" panose="020F0502020204030204" pitchFamily="34" charset="0"/>
               </a:rPr>
-              <a:t>field</a:t>
-            </a:r>
-            <a:r>
-              <a:rPr lang="fr-FR" b="1" dirty="0">
+              <a:t>to the </a:t>
+            </a:r>
+            <a:r xmlns:a="http://schemas.openxmlformats.org/drawingml/2006/main">
+              <a:rPr lang="en" b="1" dirty="0" smtClean="0">
+                <a:latin typeface="Segoe UI" panose="020B0502040204020203" pitchFamily="34" charset="0"/>
+                <a:ea typeface="Calibri" panose="020F0502020204030204" pitchFamily="34" charset="0"/>
+              </a:rPr>
+              <a:t>Fields property</a:t>
+            </a:r>
+            <a:r xmlns:a="http://schemas.openxmlformats.org/drawingml/2006/main">
+              <a:rPr lang="en" dirty="0" smtClean="0">
                 <a:latin typeface="Segoe UI" panose="020B0502040204020203" pitchFamily="34" charset="0"/>
                 <a:ea typeface="Calibri" panose="020F0502020204030204" pitchFamily="34" charset="0"/>
               </a:rPr>
               <a:t> </a:t>
             </a:r>
-            <a:r>
-              <a:rPr lang="fr-FR" dirty="0">
-                <a:latin typeface="Segoe UI" panose="020B0502040204020203" pitchFamily="34" charset="0"/>
-                <a:ea typeface="Calibri" panose="020F0502020204030204" pitchFamily="34" charset="0"/>
-              </a:rPr>
-              <a:t>to the </a:t>
-            </a:r>
-            <a:r>
-              <a:rPr lang="fr-FR" b="1" dirty="0">
-                <a:latin typeface="Segoe UI" panose="020B0502040204020203" pitchFamily="34" charset="0"/>
-                <a:ea typeface="Calibri" panose="020F0502020204030204" pitchFamily="34" charset="0"/>
-              </a:rPr>
-              <a:t>Fields </a:t>
-            </a:r>
-            <a:r>
-              <a:rPr lang="fr-FR" b="1" dirty="0" err="1">
-                <a:latin typeface="Segoe UI" panose="020B0502040204020203" pitchFamily="34" charset="0"/>
-                <a:ea typeface="Calibri" panose="020F0502020204030204" pitchFamily="34" charset="0"/>
-              </a:rPr>
-              <a:t>property</a:t>
-            </a:r>
-            <a:r>
-              <a:rPr lang="fr-FR" dirty="0">
-                <a:latin typeface="Segoe UI" panose="020B0502040204020203" pitchFamily="34" charset="0"/>
-                <a:ea typeface="Calibri" panose="020F0502020204030204" pitchFamily="34" charset="0"/>
-              </a:rPr>
-              <a:t> </a:t>
-            </a:r>
-            <a:endParaRPr lang="en-US" dirty="0"/>
+            <a:endParaRPr xmlns:a="http://schemas.openxmlformats.org/drawingml/2006/main" lang="en-US" dirty="0"/>
           </a:p>
         </p:txBody>
       </p:sp>
@@ -5805,7 +6164,7 @@
         <p:spPr>
           <a:xfrm>
             <a:off x="378135" y="254381"/>
-            <a:ext cx="2482796" cy="584775"/>
+            <a:ext cx="2374368" cy="523220"/>
           </a:xfrm>
           <a:prstGeom prst="rect">
             <a:avLst/>
@@ -5818,182 +6177,16 @@
           </a:bodyPr>
           <a:lstStyle/>
           <a:p>
-            <a:r>
-              <a:rPr lang="en-US" sz="3200" dirty="0" smtClean="0">
+            <a:r xmlns:a="http://schemas.openxmlformats.org/drawingml/2006/main">
+              <a:rPr lang="en" sz="2800" b="1" dirty="0" smtClean="0">
                 <a:latin typeface="Segoe UI" panose="020B0502040204020203" pitchFamily="34" charset="0"/>
                 <a:cs typeface="Segoe UI" panose="020B0502040204020203" pitchFamily="34" charset="0"/>
               </a:rPr>
               <a:t>Drill through</a:t>
             </a:r>
-            <a:endParaRPr lang="en-US" sz="3200" dirty="0">
+            <a:endParaRPr xmlns:a="http://schemas.openxmlformats.org/drawingml/2006/main" lang="en-US" sz="2800" b="1" dirty="0">
               <a:latin typeface="Segoe UI" panose="020B0502040204020203" pitchFamily="34" charset="0"/>
               <a:cs typeface="Segoe UI" panose="020B0502040204020203" pitchFamily="34" charset="0"/>
-            </a:endParaRPr>
-          </a:p>
-        </p:txBody>
-      </p:sp>
-      <p:sp>
-        <p:nvSpPr>
-          <p:cNvPr id="3" name="Rectangle 2"/>
-          <p:cNvSpPr/>
-          <p:nvPr/>
-        </p:nvSpPr>
-        <p:spPr>
-          <a:xfrm>
-            <a:off x="483554" y="985735"/>
-            <a:ext cx="11080511" cy="685059"/>
-          </a:xfrm>
-          <a:prstGeom prst="rect">
-            <a:avLst/>
-          </a:prstGeom>
-        </p:spPr>
-        <p:txBody>
-          <a:bodyPr wrap="square">
-            <a:spAutoFit/>
-          </a:bodyPr>
-          <a:lstStyle/>
-          <a:p>
-            <a:pPr lvl="0">
-              <a:lnSpc>
-                <a:spcPct val="107000"/>
-              </a:lnSpc>
-              <a:spcAft>
-                <a:spcPts val="800"/>
-              </a:spcAft>
-            </a:pPr>
-            <a:r>
-              <a:rPr lang="en-US" dirty="0" smtClean="0">
-                <a:latin typeface="Segoe UI" panose="020B0502040204020203" pitchFamily="34" charset="0"/>
-                <a:ea typeface="Calibri" panose="020F0502020204030204" pitchFamily="34" charset="0"/>
-                <a:cs typeface="Times New Roman" panose="02020603050405020304" pitchFamily="18" charset="0"/>
-              </a:rPr>
-              <a:t>Add a </a:t>
-            </a:r>
-            <a:r>
-              <a:rPr lang="en-US" b="1" dirty="0" smtClean="0">
-                <a:latin typeface="Segoe UI" panose="020B0502040204020203" pitchFamily="34" charset="0"/>
-                <a:ea typeface="Calibri" panose="020F0502020204030204" pitchFamily="34" charset="0"/>
-                <a:cs typeface="Times New Roman" panose="02020603050405020304" pitchFamily="18" charset="0"/>
-              </a:rPr>
-              <a:t>Table visual </a:t>
-            </a:r>
-            <a:r>
-              <a:rPr lang="en-US" dirty="0" smtClean="0">
-                <a:latin typeface="Segoe UI" panose="020B0502040204020203" pitchFamily="34" charset="0"/>
-                <a:ea typeface="Calibri" panose="020F0502020204030204" pitchFamily="34" charset="0"/>
-                <a:cs typeface="Times New Roman" panose="02020603050405020304" pitchFamily="18" charset="0"/>
-              </a:rPr>
-              <a:t>to the </a:t>
-            </a:r>
-            <a:r>
-              <a:rPr lang="en-US" b="1" dirty="0" smtClean="0">
-                <a:latin typeface="Segoe UI" panose="020B0502040204020203" pitchFamily="34" charset="0"/>
-                <a:ea typeface="Calibri" panose="020F0502020204030204" pitchFamily="34" charset="0"/>
-                <a:cs typeface="Times New Roman" panose="02020603050405020304" pitchFamily="18" charset="0"/>
-              </a:rPr>
-              <a:t>Details page level and drag the </a:t>
-            </a:r>
-            <a:r>
-              <a:rPr lang="en-US" b="1" dirty="0" err="1" smtClean="0">
-                <a:latin typeface="Segoe UI" panose="020B0502040204020203" pitchFamily="34" charset="0"/>
-                <a:ea typeface="Calibri" panose="020F0502020204030204" pitchFamily="34" charset="0"/>
-                <a:cs typeface="Times New Roman" panose="02020603050405020304" pitchFamily="18" charset="0"/>
-              </a:rPr>
-              <a:t>ContinentName</a:t>
-            </a:r>
-            <a:r>
-              <a:rPr lang="en-US" b="1" dirty="0" smtClean="0">
-                <a:latin typeface="Segoe UI" panose="020B0502040204020203" pitchFamily="34" charset="0"/>
-                <a:ea typeface="Calibri" panose="020F0502020204030204" pitchFamily="34" charset="0"/>
-                <a:cs typeface="Times New Roman" panose="02020603050405020304" pitchFamily="18" charset="0"/>
-              </a:rPr>
-              <a:t> </a:t>
-            </a:r>
-            <a:r>
-              <a:rPr lang="en-US" dirty="0" smtClean="0">
-                <a:latin typeface="Segoe UI" panose="020B0502040204020203" pitchFamily="34" charset="0"/>
-                <a:ea typeface="Calibri" panose="020F0502020204030204" pitchFamily="34" charset="0"/>
-                <a:cs typeface="Times New Roman" panose="02020603050405020304" pitchFamily="18" charset="0"/>
-              </a:rPr>
-              <a:t>, </a:t>
-            </a:r>
-            <a:r>
-              <a:rPr lang="en-US" b="1" dirty="0" smtClean="0">
-                <a:latin typeface="Segoe UI" panose="020B0502040204020203" pitchFamily="34" charset="0"/>
-                <a:ea typeface="Calibri" panose="020F0502020204030204" pitchFamily="34" charset="0"/>
-                <a:cs typeface="Times New Roman" panose="02020603050405020304" pitchFamily="18" charset="0"/>
-              </a:rPr>
-              <a:t>country </a:t>
-            </a:r>
-            <a:r>
-              <a:rPr lang="en-US" dirty="0" smtClean="0">
-                <a:latin typeface="Segoe UI" panose="020B0502040204020203" pitchFamily="34" charset="0"/>
-                <a:ea typeface="Calibri" panose="020F0502020204030204" pitchFamily="34" charset="0"/>
-                <a:cs typeface="Times New Roman" panose="02020603050405020304" pitchFamily="18" charset="0"/>
-              </a:rPr>
-              <a:t>, </a:t>
-            </a:r>
-            <a:r>
-              <a:rPr lang="en-US" b="1" dirty="0" smtClean="0">
-                <a:latin typeface="Segoe UI" panose="020B0502040204020203" pitchFamily="34" charset="0"/>
-                <a:ea typeface="Calibri" panose="020F0502020204030204" pitchFamily="34" charset="0"/>
-                <a:cs typeface="Times New Roman" panose="02020603050405020304" pitchFamily="18" charset="0"/>
-              </a:rPr>
-              <a:t>Rank </a:t>
-            </a:r>
-            <a:r>
-              <a:rPr lang="en-US" dirty="0" smtClean="0">
-                <a:latin typeface="Segoe UI" panose="020B0502040204020203" pitchFamily="34" charset="0"/>
-                <a:ea typeface="Calibri" panose="020F0502020204030204" pitchFamily="34" charset="0"/>
-                <a:cs typeface="Times New Roman" panose="02020603050405020304" pitchFamily="18" charset="0"/>
-              </a:rPr>
-              <a:t>and </a:t>
-            </a:r>
-            <a:r>
-              <a:rPr lang="en-US" b="1" dirty="0" err="1" smtClean="0">
-                <a:latin typeface="Segoe UI" panose="020B0502040204020203" pitchFamily="34" charset="0"/>
-                <a:ea typeface="Calibri" panose="020F0502020204030204" pitchFamily="34" charset="0"/>
-                <a:cs typeface="Times New Roman" panose="02020603050405020304" pitchFamily="18" charset="0"/>
-              </a:rPr>
-              <a:t>gdp</a:t>
-            </a:r>
-            <a:r>
-              <a:rPr lang="en-US" b="1" dirty="0" smtClean="0">
-                <a:latin typeface="Segoe UI" panose="020B0502040204020203" pitchFamily="34" charset="0"/>
-                <a:ea typeface="Calibri" panose="020F0502020204030204" pitchFamily="34" charset="0"/>
-                <a:cs typeface="Times New Roman" panose="02020603050405020304" pitchFamily="18" charset="0"/>
-              </a:rPr>
-              <a:t> </a:t>
-            </a:r>
-            <a:r>
-              <a:rPr lang="en-US" dirty="0" smtClean="0">
-                <a:latin typeface="Segoe UI" panose="020B0502040204020203" pitchFamily="34" charset="0"/>
-                <a:ea typeface="Calibri" panose="020F0502020204030204" pitchFamily="34" charset="0"/>
-                <a:cs typeface="Times New Roman" panose="02020603050405020304" pitchFamily="18" charset="0"/>
-              </a:rPr>
-              <a:t>fields to the </a:t>
-            </a:r>
-            <a:r>
-              <a:rPr lang="en-US" b="1" dirty="0" smtClean="0">
-                <a:latin typeface="Segoe UI" panose="020B0502040204020203" pitchFamily="34" charset="0"/>
-                <a:ea typeface="Calibri" panose="020F0502020204030204" pitchFamily="34" charset="0"/>
-                <a:cs typeface="Times New Roman" panose="02020603050405020304" pitchFamily="18" charset="0"/>
-              </a:rPr>
-              <a:t>Values property level</a:t>
-            </a:r>
-            <a:r>
-              <a:rPr lang="en-US" dirty="0" smtClean="0">
-                <a:latin typeface="Segoe UI" panose="020B0502040204020203" pitchFamily="34" charset="0"/>
-                <a:ea typeface="Calibri" panose="020F0502020204030204" pitchFamily="34" charset="0"/>
-                <a:cs typeface="Times New Roman" panose="02020603050405020304" pitchFamily="18" charset="0"/>
-              </a:rPr>
-              <a:t> </a:t>
-            </a:r>
-            <a:endParaRPr lang="en-US" sz="1400" dirty="0">
-              <a:effectLst/>
-              <a:latin typeface="Calibri" panose="020F0502020204030204" pitchFamily="34" charset="0"/>
-              <a:ea typeface="Calibri" panose="020F0502020204030204" pitchFamily="34" charset="0"/>
-              <a:cs typeface="Times New Roman" panose="02020603050405020304" pitchFamily="18" charset="0"/>
             </a:endParaRPr>
           </a:p>
         </p:txBody>
@@ -6017,7 +6210,7 @@
         </p:blipFill>
         <p:spPr bwMode="auto">
           <a:xfrm>
-            <a:off x="594668" y="1817373"/>
+            <a:off x="5496678" y="1061102"/>
             <a:ext cx="4086225" cy="1590675"/>
           </a:xfrm>
           <a:prstGeom prst="rect">
@@ -6040,6 +6233,87 @@
           </a:extLst>
         </p:spPr>
       </p:pic>
+      <p:sp>
+        <p:nvSpPr>
+          <p:cNvPr id="5" name="Rectangle 4"/>
+          <p:cNvSpPr/>
+          <p:nvPr/>
+        </p:nvSpPr>
+        <p:spPr>
+          <a:xfrm>
+            <a:off x="378135" y="979276"/>
+            <a:ext cx="4452830" cy="1938992"/>
+          </a:xfrm>
+          <a:prstGeom prst="rect">
+            <a:avLst/>
+          </a:prstGeom>
+        </p:spPr>
+        <p:txBody>
+          <a:bodyPr wrap="square">
+            <a:spAutoFit/>
+          </a:bodyPr>
+          <a:lstStyle/>
+          <a:p>
+            <a:r xmlns:a="http://schemas.openxmlformats.org/drawingml/2006/main">
+              <a:rPr lang="en" sz="2000" b="1" dirty="0"/>
+              <a:t>Add a table visual </a:t>
+            </a:r>
+            <a:r xmlns:a="http://schemas.openxmlformats.org/drawingml/2006/main">
+              <a:rPr lang="en" sz="2000" dirty="0"/>
+              <a:t>on the </a:t>
+            </a:r>
+            <a:r xmlns:a="http://schemas.openxmlformats.org/drawingml/2006/main">
+              <a:rPr lang="en" sz="2000" b="1" dirty="0" err="1"/>
+              <a:t>Details page </a:t>
+            </a:r>
+            <a:r xmlns:a="http://schemas.openxmlformats.org/drawingml/2006/main">
+              <a:rPr lang="en" sz="2000" dirty="0"/>
+              <a:t>and add the following fields:</a:t>
+            </a:r>
+          </a:p>
+          <a:p>
+            <a:pPr xmlns:a="http://schemas.openxmlformats.org/drawingml/2006/main" lvl="1">
+              <a:buFont typeface="Arial" panose="020B0604020202020204" pitchFamily="34" charset="0"/>
+              <a:buChar char="•"/>
+            </a:pPr>
+            <a:r xmlns:a="http://schemas.openxmlformats.org/drawingml/2006/main">
+              <a:rPr lang="en" sz="2000" dirty="0" err="1"/>
+              <a:t>ContinentName</a:t>
+            </a:r>
+            <a:endParaRPr xmlns:a="http://schemas.openxmlformats.org/drawingml/2006/main" lang="fr-FR" sz="2000" dirty="0"/>
+          </a:p>
+          <a:p>
+            <a:pPr xmlns:a="http://schemas.openxmlformats.org/drawingml/2006/main" lvl="1">
+              <a:buFont typeface="Arial" panose="020B0604020202020204" pitchFamily="34" charset="0"/>
+              <a:buChar char="•"/>
+            </a:pPr>
+            <a:r xmlns:a="http://schemas.openxmlformats.org/drawingml/2006/main">
+              <a:rPr lang="en" sz="2000" dirty="0"/>
+              <a:t>Country</a:t>
+            </a:r>
+          </a:p>
+          <a:p>
+            <a:pPr xmlns:a="http://schemas.openxmlformats.org/drawingml/2006/main" lvl="1">
+              <a:buFont typeface="Arial" panose="020B0604020202020204" pitchFamily="34" charset="0"/>
+              <a:buChar char="•"/>
+            </a:pPr>
+            <a:r xmlns:a="http://schemas.openxmlformats.org/drawingml/2006/main">
+              <a:rPr lang="en" sz="2000" dirty="0"/>
+              <a:t>Rank</a:t>
+            </a:r>
+          </a:p>
+          <a:p>
+            <a:pPr xmlns:a="http://schemas.openxmlformats.org/drawingml/2006/main" lvl="1">
+              <a:buFont typeface="Arial" panose="020B0604020202020204" pitchFamily="34" charset="0"/>
+              <a:buChar char="•"/>
+            </a:pPr>
+            <a:r xmlns:a="http://schemas.openxmlformats.org/drawingml/2006/main">
+              <a:rPr lang="en" sz="2000" dirty="0"/>
+              <a:t>GDP</a:t>
+            </a:r>
+          </a:p>
+        </p:txBody>
+      </p:sp>
     </p:spTree>
     <p:extLst>
       <p:ext uri="{BB962C8B-B14F-4D97-AF65-F5344CB8AC3E}">
@@ -6079,7 +6353,7 @@
         <p:spPr>
           <a:xfrm>
             <a:off x="378135" y="254381"/>
-            <a:ext cx="2482796" cy="584775"/>
+            <a:ext cx="2374368" cy="523220"/>
           </a:xfrm>
           <a:prstGeom prst="rect">
             <a:avLst/>
@@ -6092,14 +6366,14 @@
           </a:bodyPr>
           <a:lstStyle/>
           <a:p>
-            <a:r>
-              <a:rPr lang="en-US" sz="3200" dirty="0" smtClean="0">
+            <a:r xmlns:a="http://schemas.openxmlformats.org/drawingml/2006/main">
+              <a:rPr lang="en" sz="2800" b="1" dirty="0" smtClean="0">
                 <a:latin typeface="Segoe UI" panose="020B0502040204020203" pitchFamily="34" charset="0"/>
                 <a:cs typeface="Segoe UI" panose="020B0502040204020203" pitchFamily="34" charset="0"/>
               </a:rPr>
               <a:t>Drill through</a:t>
             </a:r>
-            <a:endParaRPr lang="en-US" sz="3200" dirty="0">
+            <a:endParaRPr xmlns:a="http://schemas.openxmlformats.org/drawingml/2006/main" lang="en-US" sz="2800" b="1" dirty="0">
               <a:latin typeface="Segoe UI" panose="020B0502040204020203" pitchFamily="34" charset="0"/>
               <a:cs typeface="Segoe UI" panose="020B0502040204020203" pitchFamily="34" charset="0"/>
             </a:endParaRPr>
@@ -6127,7 +6401,7 @@
           </a:bodyPr>
           <a:lstStyle/>
           <a:p>
-            <a:pPr lvl="0">
+            <a:pPr xmlns:a="http://schemas.openxmlformats.org/drawingml/2006/main" lvl="0">
               <a:lnSpc>
                 <a:spcPct val="107000"/>
               </a:lnSpc>
@@ -6135,79 +6409,79 @@
                 <a:spcPts val="800"/>
               </a:spcAft>
             </a:pPr>
-            <a:r>
-              <a:rPr lang="fr-FR" dirty="0">
+            <a:r xmlns:a="http://schemas.openxmlformats.org/drawingml/2006/main">
+              <a:rPr lang="en" dirty="0" smtClean="0">
                 <a:latin typeface="Segoe UI" panose="020B0502040204020203" pitchFamily="34" charset="0"/>
                 <a:ea typeface="Calibri" panose="020F0502020204030204" pitchFamily="34" charset="0"/>
                 <a:cs typeface="Times New Roman" panose="02020603050405020304" pitchFamily="18" charset="0"/>
               </a:rPr>
-              <a:t>Drag the </a:t>
-            </a:r>
-            <a:r>
-              <a:rPr lang="fr-FR" b="1" dirty="0" err="1">
+              <a:t>Slide </a:t>
+            </a:r>
+            <a:r xmlns:a="http://schemas.openxmlformats.org/drawingml/2006/main">
+              <a:rPr lang="en" b="1" dirty="0" err="1" smtClean="0">
                 <a:latin typeface="Segoe UI" panose="020B0502040204020203" pitchFamily="34" charset="0"/>
                 <a:ea typeface="Calibri" panose="020F0502020204030204" pitchFamily="34" charset="0"/>
                 <a:cs typeface="Times New Roman" panose="02020603050405020304" pitchFamily="18" charset="0"/>
               </a:rPr>
               <a:t>ContainsName</a:t>
             </a:r>
-            <a:r>
-              <a:rPr lang="fr-FR" b="1" dirty="0">
+            <a:r xmlns:a="http://schemas.openxmlformats.org/drawingml/2006/main">
+              <a:rPr lang="en" b="1" dirty="0" smtClean="0">
+                <a:latin typeface="Segoe UI" panose="020B0502040204020203" pitchFamily="34" charset="0"/>
+                <a:ea typeface="Calibri" panose="020F0502020204030204" pitchFamily="34" charset="0"/>
+                <a:cs typeface="Times New Roman" panose="02020603050405020304" pitchFamily="18" charset="0"/>
+              </a:rPr>
+              <a:t> at the </a:t>
+            </a:r>
+            <a:r xmlns:a="http://schemas.openxmlformats.org/drawingml/2006/main">
+              <a:rPr lang="en" dirty="0" err="1" smtClean="0">
+                <a:latin typeface="Segoe UI" panose="020B0502040204020203" pitchFamily="34" charset="0"/>
+                <a:ea typeface="Calibri" panose="020F0502020204030204" pitchFamily="34" charset="0"/>
+                <a:cs typeface="Times New Roman" panose="02020603050405020304" pitchFamily="18" charset="0"/>
+              </a:rPr>
+              <a:t>area </a:t>
+            </a:r>
+            <a:r xmlns:a="http://schemas.openxmlformats.org/drawingml/2006/main">
+              <a:rPr lang="en" dirty="0" smtClean="0">
+                <a:latin typeface="Segoe UI" panose="020B0502040204020203" pitchFamily="34" charset="0"/>
+                <a:ea typeface="Calibri" panose="020F0502020204030204" pitchFamily="34" charset="0"/>
+                <a:cs typeface="Times New Roman" panose="02020603050405020304" pitchFamily="18" charset="0"/>
+              </a:rPr>
+              <a:t>level</a:t>
+            </a:r>
+            <a:r xmlns:a="http://schemas.openxmlformats.org/drawingml/2006/main">
+              <a:rPr lang="en" dirty="0" smtClean="0">
                 <a:latin typeface="Segoe UI" panose="020B0502040204020203" pitchFamily="34" charset="0"/>
                 <a:ea typeface="Calibri" panose="020F0502020204030204" pitchFamily="34" charset="0"/>
                 <a:cs typeface="Times New Roman" panose="02020603050405020304" pitchFamily="18" charset="0"/>
               </a:rPr>
               <a:t> </a:t>
             </a:r>
-            <a:r>
-              <a:rPr lang="fr-FR" b="1" dirty="0" err="1">
+            <a:r xmlns:a="http://schemas.openxmlformats.org/drawingml/2006/main">
+              <a:rPr lang="en" b="1" dirty="0" err="1" smtClean="0">
                 <a:latin typeface="Segoe UI" panose="020B0502040204020203" pitchFamily="34" charset="0"/>
                 <a:ea typeface="Calibri" panose="020F0502020204030204" pitchFamily="34" charset="0"/>
                 <a:cs typeface="Times New Roman" panose="02020603050405020304" pitchFamily="18" charset="0"/>
               </a:rPr>
-              <a:t>field</a:t>
-            </a:r>
-            <a:r>
-              <a:rPr lang="fr-FR" b="1" dirty="0">
+              <a:t>Dill</a:t>
+            </a:r>
+            <a:r xmlns:a="http://schemas.openxmlformats.org/drawingml/2006/main">
+              <a:rPr lang="en" b="1" dirty="0" smtClean="0">
                 <a:latin typeface="Segoe UI" panose="020B0502040204020203" pitchFamily="34" charset="0"/>
                 <a:ea typeface="Calibri" panose="020F0502020204030204" pitchFamily="34" charset="0"/>
                 <a:cs typeface="Times New Roman" panose="02020603050405020304" pitchFamily="18" charset="0"/>
               </a:rPr>
               <a:t> </a:t>
             </a:r>
-            <a:r>
-              <a:rPr lang="fr-FR" dirty="0">
-                <a:latin typeface="Segoe UI" panose="020B0502040204020203" pitchFamily="34" charset="0"/>
-                <a:ea typeface="Calibri" panose="020F0502020204030204" pitchFamily="34" charset="0"/>
-                <a:cs typeface="Times New Roman" panose="02020603050405020304" pitchFamily="18" charset="0"/>
-              </a:rPr>
-              <a:t>to the </a:t>
-            </a:r>
-            <a:r>
-              <a:rPr lang="fr-FR" b="1" dirty="0" err="1">
-                <a:latin typeface="Segoe UI" panose="020B0502040204020203" pitchFamily="34" charset="0"/>
-                <a:ea typeface="Calibri" panose="020F0502020204030204" pitchFamily="34" charset="0"/>
-                <a:cs typeface="Times New Roman" panose="02020603050405020304" pitchFamily="18" charset="0"/>
-              </a:rPr>
-              <a:t>Dill</a:t>
-            </a:r>
-            <a:r>
-              <a:rPr lang="fr-FR" b="1" dirty="0">
-                <a:latin typeface="Segoe UI" panose="020B0502040204020203" pitchFamily="34" charset="0"/>
-                <a:ea typeface="Calibri" panose="020F0502020204030204" pitchFamily="34" charset="0"/>
-                <a:cs typeface="Times New Roman" panose="02020603050405020304" pitchFamily="18" charset="0"/>
-              </a:rPr>
-              <a:t> area </a:t>
-            </a:r>
-            <a:r>
-              <a:rPr lang="fr-FR" b="1" dirty="0" err="1">
+            <a:r xmlns:a="http://schemas.openxmlformats.org/drawingml/2006/main">
+              <a:rPr lang="en" b="1" dirty="0" err="1" smtClean="0">
                 <a:latin typeface="Segoe UI" panose="020B0502040204020203" pitchFamily="34" charset="0"/>
                 <a:ea typeface="Calibri" panose="020F0502020204030204" pitchFamily="34" charset="0"/>
                 <a:cs typeface="Times New Roman" panose="02020603050405020304" pitchFamily="18" charset="0"/>
               </a:rPr>
               <a:t>through</a:t>
             </a:r>
-            <a:endParaRPr lang="en-US" sz="1400" dirty="0">
+            <a:endParaRPr xmlns:a="http://schemas.openxmlformats.org/drawingml/2006/main" lang="en-US" sz="1400" dirty="0">
               <a:effectLst/>
               <a:latin typeface="Calibri" panose="020F0502020204030204" pitchFamily="34" charset="0"/>
               <a:ea typeface="Calibri" panose="020F0502020204030204" pitchFamily="34" charset="0"/>
@@ -6319,7 +6593,7 @@
           </a:bodyPr>
           <a:lstStyle/>
           <a:p>
-            <a:pPr lvl="0">
+            <a:pPr xmlns:a="http://schemas.openxmlformats.org/drawingml/2006/main" lvl="0">
               <a:lnSpc>
                 <a:spcPct val="107000"/>
               </a:lnSpc>
@@ -6327,31 +6601,31 @@
                 <a:spcPts val="800"/>
               </a:spcAft>
             </a:pPr>
-            <a:r>
-              <a:rPr lang="en-US" b="1" dirty="0" smtClean="0">
+            <a:r xmlns:a="http://schemas.openxmlformats.org/drawingml/2006/main">
+              <a:rPr lang="en" b="1" dirty="0" smtClean="0">
                 <a:latin typeface="Segoe UI" panose="020B0502040204020203" pitchFamily="34" charset="0"/>
                 <a:ea typeface="Calibri" panose="020F0502020204030204" pitchFamily="34" charset="0"/>
                 <a:cs typeface="Times New Roman" panose="02020603050405020304" pitchFamily="18" charset="0"/>
               </a:rPr>
               <a:t>Details </a:t>
             </a:r>
-            <a:r>
-              <a:rPr lang="en-US" dirty="0" smtClean="0">
+            <a:r xmlns:a="http://schemas.openxmlformats.org/drawingml/2006/main">
+              <a:rPr lang="en" dirty="0" smtClean="0">
                 <a:latin typeface="Segoe UI" panose="020B0502040204020203" pitchFamily="34" charset="0"/>
                 <a:ea typeface="Calibri" panose="020F0502020204030204" pitchFamily="34" charset="0"/>
                 <a:cs typeface="Times New Roman" panose="02020603050405020304" pitchFamily="18" charset="0"/>
               </a:rPr>
               <a:t>page level</a:t>
             </a:r>
-            <a:r>
-              <a:rPr lang="en-US" b="1" dirty="0" smtClean="0">
+            <a:r xmlns:a="http://schemas.openxmlformats.org/drawingml/2006/main">
+              <a:rPr lang="en" b="1" dirty="0" smtClean="0">
                 <a:latin typeface="Segoe UI" panose="020B0502040204020203" pitchFamily="34" charset="0"/>
                 <a:ea typeface="Calibri" panose="020F0502020204030204" pitchFamily="34" charset="0"/>
                 <a:cs typeface="Times New Roman" panose="02020603050405020304" pitchFamily="18" charset="0"/>
               </a:rPr>
               <a:t> </a:t>
             </a:r>
-            <a:endParaRPr lang="en-US" sz="1400" dirty="0">
+            <a:endParaRPr xmlns:a="http://schemas.openxmlformats.org/drawingml/2006/main" lang="en-US" sz="1400" dirty="0">
               <a:effectLst/>
               <a:latin typeface="Calibri" panose="020F0502020204030204" pitchFamily="34" charset="0"/>
               <a:ea typeface="Calibri" panose="020F0502020204030204" pitchFamily="34" charset="0"/>
@@ -6441,7 +6715,7 @@
         <p:spPr>
           <a:xfrm>
             <a:off x="378135" y="254381"/>
-            <a:ext cx="2482796" cy="584775"/>
+            <a:ext cx="2374368" cy="523220"/>
           </a:xfrm>
           <a:prstGeom prst="rect">
             <a:avLst/>
@@ -6454,14 +6728,14 @@
           </a:bodyPr>
           <a:lstStyle/>
           <a:p>
-            <a:r>
-              <a:rPr lang="en-US" sz="3200" dirty="0" smtClean="0">
+            <a:r xmlns:a="http://schemas.openxmlformats.org/drawingml/2006/main">
+              <a:rPr lang="en" sz="2800" b="1" dirty="0" smtClean="0">
                 <a:latin typeface="Segoe UI" panose="020B0502040204020203" pitchFamily="34" charset="0"/>
                 <a:cs typeface="Segoe UI" panose="020B0502040204020203" pitchFamily="34" charset="0"/>
               </a:rPr>
               <a:t>Drill through</a:t>
             </a:r>
-            <a:endParaRPr lang="en-US" sz="3200" dirty="0">
+            <a:endParaRPr xmlns:a="http://schemas.openxmlformats.org/drawingml/2006/main" lang="en-US" sz="2800" b="1" dirty="0">
               <a:latin typeface="Segoe UI" panose="020B0502040204020203" pitchFamily="34" charset="0"/>
               <a:cs typeface="Segoe UI" panose="020B0502040204020203" pitchFamily="34" charset="0"/>
             </a:endParaRPr>
@@ -6477,7 +6751,7 @@
         <p:spPr>
           <a:xfrm>
             <a:off x="445514" y="903964"/>
-            <a:ext cx="5207066" cy="373692"/>
+            <a:ext cx="5984523" cy="373692"/>
           </a:xfrm>
           <a:prstGeom prst="rect">
             <a:avLst/>
@@ -6489,7 +6763,7 @@
           </a:bodyPr>
           <a:lstStyle/>
           <a:p>
-            <a:pPr lvl="0">
+            <a:pPr xmlns:a="http://schemas.openxmlformats.org/drawingml/2006/main" lvl="0">
               <a:lnSpc>
                 <a:spcPct val="107000"/>
               </a:lnSpc>
@@ -6497,39 +6771,39 @@
                 <a:spcPts val="800"/>
               </a:spcAft>
             </a:pPr>
-            <a:r>
-              <a:rPr lang="fr-FR" dirty="0">
+            <a:r xmlns:a="http://schemas.openxmlformats.org/drawingml/2006/main">
+              <a:rPr lang="en" dirty="0" smtClean="0">
                 <a:latin typeface="Segoe UI" panose="020B0502040204020203" pitchFamily="34" charset="0"/>
                 <a:ea typeface="Calibri" panose="020F0502020204030204" pitchFamily="34" charset="0"/>
                 <a:cs typeface="Times New Roman" panose="02020603050405020304" pitchFamily="18" charset="0"/>
               </a:rPr>
-              <a:t>Go back to the </a:t>
-            </a:r>
-            <a:r>
-              <a:rPr lang="fr-FR" dirty="0" err="1">
+              <a:t>Return to the </a:t>
+            </a:r>
+            <a:r xmlns:a="http://schemas.openxmlformats.org/drawingml/2006/main">
+              <a:rPr lang="en" b="1" dirty="0" err="1" smtClean="0">
                 <a:latin typeface="Segoe UI" panose="020B0502040204020203" pitchFamily="34" charset="0"/>
                 <a:ea typeface="Calibri" panose="020F0502020204030204" pitchFamily="34" charset="0"/>
                 <a:cs typeface="Times New Roman" panose="02020603050405020304" pitchFamily="18" charset="0"/>
               </a:rPr>
-              <a:t>Gdp</a:t>
-            </a:r>
-            <a:r>
-              <a:rPr lang="fr-FR" dirty="0">
+              <a:t>GDP page </a:t>
+            </a:r>
+            <a:r xmlns:a="http://schemas.openxmlformats.org/drawingml/2006/main">
+              <a:rPr lang="en" dirty="0" smtClean="0">
                 <a:latin typeface="Segoe UI" panose="020B0502040204020203" pitchFamily="34" charset="0"/>
                 <a:ea typeface="Calibri" panose="020F0502020204030204" pitchFamily="34" charset="0"/>
                 <a:cs typeface="Times New Roman" panose="02020603050405020304" pitchFamily="18" charset="0"/>
               </a:rPr>
-              <a:t> page and right click on </a:t>
-            </a:r>
-            <a:r>
-              <a:rPr lang="fr-FR" dirty="0" err="1">
+              <a:t>and right-click on </a:t>
+            </a:r>
+            <a:r xmlns:a="http://schemas.openxmlformats.org/drawingml/2006/main">
+              <a:rPr lang="en" b="1" dirty="0" err="1" smtClean="0">
                 <a:latin typeface="Segoe UI" panose="020B0502040204020203" pitchFamily="34" charset="0"/>
                 <a:ea typeface="Calibri" panose="020F0502020204030204" pitchFamily="34" charset="0"/>
                 <a:cs typeface="Times New Roman" panose="02020603050405020304" pitchFamily="18" charset="0"/>
               </a:rPr>
-              <a:t>Africa</a:t>
-            </a:r>
-            <a:endParaRPr lang="en-US" sz="1400" dirty="0">
+              <a:t>Africa.</a:t>
+            </a:r>
+            <a:endParaRPr xmlns:a="http://schemas.openxmlformats.org/drawingml/2006/main" lang="en-US" sz="1400" b="1" dirty="0">
               <a:effectLst/>
               <a:latin typeface="Calibri" panose="020F0502020204030204" pitchFamily="34" charset="0"/>
               <a:ea typeface="Calibri" panose="020F0502020204030204" pitchFamily="34" charset="0"/>
@@ -6547,7 +6821,7 @@
         <p:spPr>
           <a:xfrm>
             <a:off x="445514" y="1277656"/>
-            <a:ext cx="4803944" cy="373692"/>
+            <a:ext cx="4374916" cy="373692"/>
           </a:xfrm>
           <a:prstGeom prst="rect">
             <a:avLst/>
@@ -6559,7 +6833,7 @@
           </a:bodyPr>
           <a:lstStyle/>
           <a:p>
-            <a:pPr lvl="0">
+            <a:pPr xmlns:a="http://schemas.openxmlformats.org/drawingml/2006/main" lvl="0">
               <a:lnSpc>
                 <a:spcPct val="107000"/>
               </a:lnSpc>
@@ -6567,31 +6841,31 @@
                 <a:spcPts val="800"/>
               </a:spcAft>
             </a:pPr>
-            <a:r>
-              <a:rPr lang="en-US" dirty="0" smtClean="0">
+            <a:r xmlns:a="http://schemas.openxmlformats.org/drawingml/2006/main">
+              <a:rPr lang="en" dirty="0" err="1" smtClean="0">
                 <a:latin typeface="Segoe UI" panose="020B0502040204020203" pitchFamily="34" charset="0"/>
                 <a:ea typeface="Calibri" panose="020F0502020204030204" pitchFamily="34" charset="0"/>
                 <a:cs typeface="Times New Roman" panose="02020603050405020304" pitchFamily="18" charset="0"/>
               </a:rPr>
-              <a:t>Notice the presence of the </a:t>
-            </a:r>
-            <a:r>
-              <a:rPr lang="en-US" dirty="0" err="1" smtClean="0">
+              <a:t>Note </a:t>
+            </a:r>
+            <a:r xmlns:a="http://schemas.openxmlformats.org/drawingml/2006/main">
+              <a:rPr lang="en" dirty="0" smtClean="0">
                 <a:latin typeface="Segoe UI" panose="020B0502040204020203" pitchFamily="34" charset="0"/>
                 <a:ea typeface="Calibri" panose="020F0502020204030204" pitchFamily="34" charset="0"/>
                 <a:cs typeface="Times New Roman" panose="02020603050405020304" pitchFamily="18" charset="0"/>
               </a:rPr>
-              <a:t>Drillthrough</a:t>
-            </a:r>
-            <a:r>
-              <a:rPr lang="en-US" dirty="0" smtClean="0">
+              <a:t>the presence of the </a:t>
+            </a:r>
+            <a:r xmlns:a="http://schemas.openxmlformats.org/drawingml/2006/main">
+              <a:rPr lang="en" b="1" dirty="0" err="1" smtClean="0">
                 <a:latin typeface="Segoe UI" panose="020B0502040204020203" pitchFamily="34" charset="0"/>
                 <a:ea typeface="Calibri" panose="020F0502020204030204" pitchFamily="34" charset="0"/>
                 <a:cs typeface="Times New Roman" panose="02020603050405020304" pitchFamily="18" charset="0"/>
               </a:rPr>
-              <a:t> menu</a:t>
-            </a:r>
-            <a:endParaRPr lang="en-US" sz="1400" dirty="0">
+              <a:t>Drillthrough menu</a:t>
+            </a:r>
+            <a:endParaRPr xmlns:a="http://schemas.openxmlformats.org/drawingml/2006/main" lang="en-US" sz="1400" b="1" dirty="0">
               <a:effectLst/>
               <a:latin typeface="Calibri" panose="020F0502020204030204" pitchFamily="34" charset="0"/>
               <a:ea typeface="Calibri" panose="020F0502020204030204" pitchFamily="34" charset="0"/>

--- a/English/4. Analysing data/1.Drillthrough.pptx
+++ b/English/4. Analysing data/1.Drillthrough.pptx
@@ -207,7 +207,7 @@
           <a:p>
             <a:fld id="{056BA3B8-9F76-4D81-B71D-76CB85363062}" type="datetimeFigureOut">
               <a:rPr lang="en-US" smtClean="0"/>
-              <a:t>3/5/2025</a:t>
+              <a:t>4/3/2025</a:t>
             </a:fld>
             <a:endParaRPr lang="en-US"/>
           </a:p>
@@ -1362,7 +1362,7 @@
           <a:p>
             <a:fld id="{6F01DA4D-20EA-48D2-973C-0311EC3005D6}" type="datetimeFigureOut">
               <a:rPr lang="en-US" smtClean="0"/>
-              <a:t>3/5/2025</a:t>
+              <a:t>4/3/2025</a:t>
             </a:fld>
             <a:endParaRPr lang="en-US"/>
           </a:p>
@@ -1532,7 +1532,7 @@
           <a:p>
             <a:fld id="{6F01DA4D-20EA-48D2-973C-0311EC3005D6}" type="datetimeFigureOut">
               <a:rPr lang="en-US" smtClean="0"/>
-              <a:t>3/5/2025</a:t>
+              <a:t>4/3/2025</a:t>
             </a:fld>
             <a:endParaRPr lang="en-US"/>
           </a:p>
@@ -1712,7 +1712,7 @@
           <a:p>
             <a:fld id="{6F01DA4D-20EA-48D2-973C-0311EC3005D6}" type="datetimeFigureOut">
               <a:rPr lang="en-US" smtClean="0"/>
-              <a:t>3/5/2025</a:t>
+              <a:t>4/3/2025</a:t>
             </a:fld>
             <a:endParaRPr lang="en-US"/>
           </a:p>
@@ -1882,7 +1882,7 @@
           <a:p>
             <a:fld id="{6F01DA4D-20EA-48D2-973C-0311EC3005D6}" type="datetimeFigureOut">
               <a:rPr lang="en-US" smtClean="0"/>
-              <a:t>3/5/2025</a:t>
+              <a:t>4/3/2025</a:t>
             </a:fld>
             <a:endParaRPr lang="en-US"/>
           </a:p>
@@ -2128,7 +2128,7 @@
           <a:p>
             <a:fld id="{6F01DA4D-20EA-48D2-973C-0311EC3005D6}" type="datetimeFigureOut">
               <a:rPr lang="en-US" smtClean="0"/>
-              <a:t>3/5/2025</a:t>
+              <a:t>4/3/2025</a:t>
             </a:fld>
             <a:endParaRPr lang="en-US"/>
           </a:p>
@@ -2360,7 +2360,7 @@
           <a:p>
             <a:fld id="{6F01DA4D-20EA-48D2-973C-0311EC3005D6}" type="datetimeFigureOut">
               <a:rPr lang="en-US" smtClean="0"/>
-              <a:t>3/5/2025</a:t>
+              <a:t>4/3/2025</a:t>
             </a:fld>
             <a:endParaRPr lang="en-US"/>
           </a:p>
@@ -2727,7 +2727,7 @@
           <a:p>
             <a:fld id="{6F01DA4D-20EA-48D2-973C-0311EC3005D6}" type="datetimeFigureOut">
               <a:rPr lang="en-US" smtClean="0"/>
-              <a:t>3/5/2025</a:t>
+              <a:t>4/3/2025</a:t>
             </a:fld>
             <a:endParaRPr lang="en-US"/>
           </a:p>
@@ -2845,7 +2845,7 @@
           <a:p>
             <a:fld id="{6F01DA4D-20EA-48D2-973C-0311EC3005D6}" type="datetimeFigureOut">
               <a:rPr lang="en-US" smtClean="0"/>
-              <a:t>3/5/2025</a:t>
+              <a:t>4/3/2025</a:t>
             </a:fld>
             <a:endParaRPr lang="en-US"/>
           </a:p>
@@ -2940,7 +2940,7 @@
           <a:p>
             <a:fld id="{6F01DA4D-20EA-48D2-973C-0311EC3005D6}" type="datetimeFigureOut">
               <a:rPr lang="en-US" smtClean="0"/>
-              <a:t>3/5/2025</a:t>
+              <a:t>4/3/2025</a:t>
             </a:fld>
             <a:endParaRPr lang="en-US"/>
           </a:p>
@@ -3217,7 +3217,7 @@
           <a:p>
             <a:fld id="{6F01DA4D-20EA-48D2-973C-0311EC3005D6}" type="datetimeFigureOut">
               <a:rPr lang="en-US" smtClean="0"/>
-              <a:t>3/5/2025</a:t>
+              <a:t>4/3/2025</a:t>
             </a:fld>
             <a:endParaRPr lang="en-US"/>
           </a:p>
@@ -3470,7 +3470,7 @@
           <a:p>
             <a:fld id="{6F01DA4D-20EA-48D2-973C-0311EC3005D6}" type="datetimeFigureOut">
               <a:rPr lang="en-US" smtClean="0"/>
-              <a:t>3/5/2025</a:t>
+              <a:t>4/3/2025</a:t>
             </a:fld>
             <a:endParaRPr lang="en-US"/>
           </a:p>
@@ -3683,7 +3683,7 @@
           <a:p>
             <a:fld id="{6F01DA4D-20EA-48D2-973C-0311EC3005D6}" type="datetimeFigureOut">
               <a:rPr lang="en-US" smtClean="0"/>
-              <a:t>3/5/2025</a:t>
+              <a:t>4/3/2025</a:t>
             </a:fld>
             <a:endParaRPr lang="en-US"/>
           </a:p>
@@ -4104,7 +4104,7 @@
         </p:nvSpPr>
         <p:spPr>
           <a:xfrm>
-            <a:off x="3130515" y="2676568"/>
+            <a:off x="2332994" y="2442812"/>
             <a:ext cx="9199606" cy="1323439"/>
           </a:xfrm>
           <a:prstGeom prst="rect">
@@ -4118,8 +4118,8 @@
           </a:bodyPr>
           <a:lstStyle/>
           <a:p>
-            <a:r xmlns:a="http://schemas.openxmlformats.org/drawingml/2006/main">
-              <a:rPr lang="en" sz="8000" b="1" dirty="0" err="1" smtClean="0">
+            <a:r>
+              <a:rPr lang="en" sz="8000" b="1" dirty="0" smtClean="0">
                 <a:solidFill>
                   <a:srgbClr val="7030A0"/>
                 </a:solidFill>
@@ -4127,9 +4127,9 @@
                 <a:ea typeface="Verdana" panose="020B0604030504040204" pitchFamily="34" charset="0"/>
                 <a:cs typeface="Segoe UI" panose="020B0502040204020203" pitchFamily="34" charset="0"/>
               </a:rPr>
-              <a:t>Drillthrough</a:t>
-            </a:r>
-            <a:endParaRPr xmlns:a="http://schemas.openxmlformats.org/drawingml/2006/main" lang="en-US" sz="8000" b="1" dirty="0">
+              <a:t>The drillthrough</a:t>
+            </a:r>
+            <a:endParaRPr lang="en-US" sz="8000" b="1" dirty="0">
               <a:solidFill>
                 <a:srgbClr val="7030A0"/>
               </a:solidFill>
@@ -4148,8 +4148,8 @@
         </p:nvSpPr>
         <p:spPr>
           <a:xfrm>
-            <a:off x="3130515" y="2609747"/>
-            <a:ext cx="6149440" cy="1323439"/>
+            <a:off x="2271118" y="2377532"/>
+            <a:ext cx="8084264" cy="1323439"/>
           </a:xfrm>
           <a:prstGeom prst="rect">
             <a:avLst/>
@@ -4162,8 +4162,8 @@
           </a:bodyPr>
           <a:lstStyle/>
           <a:p>
-            <a:r xmlns:a="http://schemas.openxmlformats.org/drawingml/2006/main">
-              <a:rPr lang="en" sz="8000" b="1" dirty="0" err="1" smtClean="0">
+            <a:r>
+              <a:rPr lang="en" sz="8000" b="1" dirty="0" smtClean="0">
                 <a:solidFill>
                   <a:schemeClr val="bg1"/>
                 </a:solidFill>
@@ -4171,9 +4171,20 @@
                 <a:ea typeface="Verdana" panose="020B0604030504040204" pitchFamily="34" charset="0"/>
                 <a:cs typeface="Segoe UI" panose="020B0502040204020203" pitchFamily="34" charset="0"/>
               </a:rPr>
-              <a:t>Drillthrough</a:t>
-            </a:r>
-            <a:endParaRPr xmlns:a="http://schemas.openxmlformats.org/drawingml/2006/main" lang="en-US" sz="8000" b="1" dirty="0">
+              <a:t>The d</a:t>
+            </a:r>
+            <a:r>
+              <a:rPr lang="en" sz="8000" b="1" dirty="0" smtClean="0">
+                <a:solidFill>
+                  <a:schemeClr val="bg1"/>
+                </a:solidFill>
+                <a:latin typeface="Segoe UI" panose="020B0502040204020203" pitchFamily="34" charset="0"/>
+                <a:ea typeface="Verdana" panose="020B0604030504040204" pitchFamily="34" charset="0"/>
+                <a:cs typeface="Segoe UI" panose="020B0502040204020203" pitchFamily="34" charset="0"/>
+              </a:rPr>
+              <a:t>rillthrough</a:t>
+            </a:r>
+            <a:endParaRPr lang="en-US" sz="8000" b="1" dirty="0">
               <a:solidFill>
                 <a:schemeClr val="bg1"/>
               </a:solidFill>
@@ -4236,14 +4247,14 @@
           </a:bodyPr>
           <a:lstStyle/>
           <a:p>
-            <a:r xmlns:a="http://schemas.openxmlformats.org/drawingml/2006/main">
+            <a:r>
               <a:rPr lang="en" sz="2800" b="1" dirty="0" smtClean="0">
                 <a:latin typeface="Segoe UI" panose="020B0502040204020203" pitchFamily="34" charset="0"/>
                 <a:cs typeface="Segoe UI" panose="020B0502040204020203" pitchFamily="34" charset="0"/>
               </a:rPr>
               <a:t>Drill through</a:t>
             </a:r>
-            <a:endParaRPr xmlns:a="http://schemas.openxmlformats.org/drawingml/2006/main" lang="en-US" sz="2800" b="1" dirty="0">
+            <a:endParaRPr lang="en-US" sz="2800" b="1" dirty="0">
               <a:latin typeface="Segoe UI" panose="020B0502040204020203" pitchFamily="34" charset="0"/>
               <a:cs typeface="Segoe UI" panose="020B0502040204020203" pitchFamily="34" charset="0"/>
             </a:endParaRPr>
@@ -4271,7 +4282,7 @@
           </a:bodyPr>
           <a:lstStyle/>
           <a:p>
-            <a:pPr xmlns:a="http://schemas.openxmlformats.org/drawingml/2006/main" lvl="0">
+            <a:pPr lvl="0">
               <a:lnSpc>
                 <a:spcPct val="107000"/>
               </a:lnSpc>
@@ -4279,7 +4290,7 @@
                 <a:spcPts val="800"/>
               </a:spcAft>
             </a:pPr>
-            <a:r xmlns:a="http://schemas.openxmlformats.org/drawingml/2006/main">
+            <a:r>
               <a:rPr lang="en" dirty="0" smtClean="0">
                 <a:latin typeface="Segoe UI" panose="020B0502040204020203" pitchFamily="34" charset="0"/>
                 <a:ea typeface="Calibri" panose="020F0502020204030204" pitchFamily="34" charset="0"/>
@@ -4287,7 +4298,7 @@
               </a:rPr>
               <a:t>Click the </a:t>
             </a:r>
-            <a:r xmlns:a="http://schemas.openxmlformats.org/drawingml/2006/main">
+            <a:r>
               <a:rPr lang="en" b="1" dirty="0" smtClean="0">
                 <a:latin typeface="Segoe UI" panose="020B0502040204020203" pitchFamily="34" charset="0"/>
                 <a:ea typeface="Calibri" panose="020F0502020204030204" pitchFamily="34" charset="0"/>
@@ -4295,7 +4306,7 @@
               </a:rPr>
               <a:t>Details menu </a:t>
             </a:r>
-            <a:r xmlns:a="http://schemas.openxmlformats.org/drawingml/2006/main">
+            <a:r>
               <a:rPr lang="en" dirty="0" smtClean="0">
                 <a:latin typeface="Segoe UI" panose="020B0502040204020203" pitchFamily="34" charset="0"/>
                 <a:ea typeface="Calibri" panose="020F0502020204030204" pitchFamily="34" charset="0"/>
@@ -4303,7 +4314,7 @@
               </a:rPr>
               <a:t>and see what happens.</a:t>
             </a:r>
-            <a:endParaRPr xmlns:a="http://schemas.openxmlformats.org/drawingml/2006/main" lang="fr-FR" sz="1400" dirty="0">
+            <a:endParaRPr lang="fr-FR" sz="1400" dirty="0">
               <a:effectLst/>
               <a:latin typeface="Calibri" panose="020F0502020204030204" pitchFamily="34" charset="0"/>
               <a:ea typeface="Calibri" panose="020F0502020204030204" pitchFamily="34" charset="0"/>
@@ -4397,8 +4408,8 @@
         </p:nvSpPr>
         <p:spPr>
           <a:xfrm>
-            <a:off x="4201859" y="2471817"/>
-            <a:ext cx="3456395" cy="1569660"/>
+            <a:off x="2984950" y="2616196"/>
+            <a:ext cx="6230360" cy="1569660"/>
           </a:xfrm>
           <a:prstGeom prst="rect">
             <a:avLst/>
@@ -4411,8 +4422,8 @@
           </a:bodyPr>
           <a:lstStyle/>
           <a:p>
-            <a:r xmlns:a="http://schemas.openxmlformats.org/drawingml/2006/main">
-              <a:rPr lang="en" sz="9600" b="1" dirty="0" smtClean="0">
+            <a:r>
+              <a:rPr lang="en-US" sz="9600" b="1" dirty="0" smtClean="0">
                 <a:solidFill>
                   <a:srgbClr val="7030A0"/>
                 </a:solidFill>
@@ -4420,9 +4431,9 @@
                 <a:ea typeface="Verdana" panose="020B0604030504040204" pitchFamily="34" charset="0"/>
                 <a:cs typeface="Segoe UI" panose="020B0502040204020203" pitchFamily="34" charset="0"/>
               </a:rPr>
-              <a:t>THANKS</a:t>
-            </a:r>
-            <a:endParaRPr xmlns:a="http://schemas.openxmlformats.org/drawingml/2006/main" lang="en-US" sz="9600" b="1" dirty="0">
+              <a:t>Thank you</a:t>
+            </a:r>
+            <a:endParaRPr lang="en-US" sz="9600" b="1" dirty="0">
               <a:solidFill>
                 <a:srgbClr val="7030A0"/>
               </a:solidFill>
@@ -4441,8 +4452,8 @@
         </p:nvSpPr>
         <p:spPr>
           <a:xfrm>
-            <a:off x="4139982" y="2375991"/>
-            <a:ext cx="3456395" cy="1569660"/>
+            <a:off x="2923073" y="2520370"/>
+            <a:ext cx="6230360" cy="1569660"/>
           </a:xfrm>
           <a:prstGeom prst="rect">
             <a:avLst/>
@@ -4455,8 +4466,8 @@
           </a:bodyPr>
           <a:lstStyle/>
           <a:p>
-            <a:r xmlns:a="http://schemas.openxmlformats.org/drawingml/2006/main">
-              <a:rPr lang="en" sz="9600" b="1" dirty="0" smtClean="0">
+            <a:r>
+              <a:rPr lang="en-US" sz="9600" b="1" dirty="0" smtClean="0">
                 <a:solidFill>
                   <a:schemeClr val="bg1"/>
                 </a:solidFill>
@@ -4464,9 +4475,9 @@
                 <a:ea typeface="Verdana" panose="020B0604030504040204" pitchFamily="34" charset="0"/>
                 <a:cs typeface="Segoe UI" panose="020B0502040204020203" pitchFamily="34" charset="0"/>
               </a:rPr>
-              <a:t>THANKS</a:t>
-            </a:r>
-            <a:endParaRPr xmlns:a="http://schemas.openxmlformats.org/drawingml/2006/main" lang="en-US" sz="9600" b="1" dirty="0">
+              <a:t>Thank you</a:t>
+            </a:r>
+            <a:endParaRPr lang="en-US" sz="9600" b="1" dirty="0">
               <a:solidFill>
                 <a:schemeClr val="bg1"/>
               </a:solidFill>
@@ -4529,14 +4540,14 @@
           </a:bodyPr>
           <a:lstStyle/>
           <a:p>
-            <a:r xmlns:a="http://schemas.openxmlformats.org/drawingml/2006/main">
+            <a:r>
               <a:rPr lang="en" sz="2800" b="1" dirty="0" smtClean="0">
                 <a:latin typeface="Segoe UI" panose="020B0502040204020203" pitchFamily="34" charset="0"/>
                 <a:cs typeface="Segoe UI" panose="020B0502040204020203" pitchFamily="34" charset="0"/>
               </a:rPr>
               <a:t>Drill through</a:t>
             </a:r>
-            <a:endParaRPr xmlns:a="http://schemas.openxmlformats.org/drawingml/2006/main" lang="en-US" sz="2800" b="1" dirty="0">
+            <a:endParaRPr lang="en-US" sz="2800" b="1" dirty="0">
               <a:latin typeface="Segoe UI" panose="020B0502040204020203" pitchFamily="34" charset="0"/>
               <a:cs typeface="Segoe UI" panose="020B0502040204020203" pitchFamily="34" charset="0"/>
             </a:endParaRPr>
@@ -4639,7 +4650,7 @@
           </a:bodyPr>
           <a:lstStyle/>
           <a:p>
-            <a:pPr xmlns:a="http://schemas.openxmlformats.org/drawingml/2006/main" lvl="0" eaLnBrk="0" fontAlgn="base" hangingPunct="0">
+            <a:pPr lvl="0" eaLnBrk="0" fontAlgn="base" hangingPunct="0">
               <a:spcBef>
                 <a:spcPct val="0"/>
               </a:spcBef>
@@ -4647,7 +4658,7 @@
                 <a:spcPct val="0"/>
               </a:spcAft>
             </a:pPr>
-            <a:r xmlns:a="http://schemas.openxmlformats.org/drawingml/2006/main">
+            <a:r>
               <a:rPr kumimoji="0" lang="en" altLang="en-US" sz="2000" b="1" i="0" u="none" strike="noStrike" cap="none" normalizeH="0" baseline="0" dirty="0" smtClean="0">
                 <a:ln>
                   <a:noFill/>
@@ -4660,7 +4671,7 @@
               </a:rPr>
               <a:t>Note: </a:t>
             </a:r>
-            <a:r xmlns:a="http://schemas.openxmlformats.org/drawingml/2006/main">
+            <a:r>
               <a:rPr kumimoji="0" lang="en" altLang="en-US" sz="2000" b="0" i="0" u="none" strike="noStrike" cap="none" normalizeH="0" baseline="0" dirty="0" smtClean="0">
                 <a:ln>
                   <a:noFill/>
@@ -4673,7 +4684,7 @@
               </a:rPr>
               <a:t>This </a:t>
             </a:r>
-            <a:r xmlns:a="http://schemas.openxmlformats.org/drawingml/2006/main">
+            <a:r>
               <a:rPr kumimoji="0" lang="en" altLang="en-US" sz="2000" b="0" i="0" u="none" strike="noStrike" cap="none" normalizeH="0" dirty="0" smtClean="0">
                 <a:ln>
                   <a:noFill/>
@@ -4686,7 +4697,7 @@
               </a:rPr>
               <a:t>workshop </a:t>
             </a:r>
-            <a:r xmlns:a="http://schemas.openxmlformats.org/drawingml/2006/main">
+            <a:r>
               <a:rPr kumimoji="0" lang="en" altLang="en-US" sz="2000" b="0" i="0" u="none" strike="noStrike" cap="none" normalizeH="0" baseline="0" dirty="0" smtClean="0">
                 <a:ln>
                   <a:noFill/>
@@ -4699,7 +4710,7 @@
               </a:rPr>
               <a:t>uses the </a:t>
             </a:r>
-            <a:r xmlns:a="http://schemas.openxmlformats.org/drawingml/2006/main">
+            <a:r>
               <a:rPr kumimoji="0" lang="en" altLang="en-US" sz="2000" b="1" i="0" u="none" strike="noStrike" cap="none" normalizeH="0" baseline="0" dirty="0" smtClean="0">
                 <a:ln>
                   <a:noFill/>
@@ -4712,7 +4723,7 @@
               </a:rPr>
               <a:t>gdp.xlsx file </a:t>
             </a:r>
-            <a:r xmlns:a="http://schemas.openxmlformats.org/drawingml/2006/main">
+            <a:r>
               <a:rPr kumimoji="0" lang="en" altLang="en-US" sz="2000" b="0" i="0" u="none" strike="noStrike" cap="none" normalizeH="0" baseline="0" dirty="0" smtClean="0">
                 <a:ln>
                   <a:noFill/>
@@ -4725,7 +4736,7 @@
               </a:rPr>
               <a:t>located in the </a:t>
             </a:r>
-            <a:r xmlns:a="http://schemas.openxmlformats.org/drawingml/2006/main">
+            <a:r>
               <a:rPr kumimoji="0" lang="en" altLang="en-US" sz="2000" b="1" i="0" u="none" strike="noStrike" cap="none" normalizeH="0" baseline="0" dirty="0" smtClean="0">
                 <a:ln>
                   <a:noFill/>
@@ -4738,25 +4749,25 @@
               </a:rPr>
               <a:t>resources\ </a:t>
             </a:r>
-            <a:r xmlns:a="http://schemas.openxmlformats.org/drawingml/2006/main">
+            <a:r>
               <a:rPr lang="en" altLang="en-US" sz="2000" b="1" dirty="0" err="1" smtClean="0">
                 <a:latin typeface="Arial Unicode MS"/>
               </a:rPr>
               <a:t>Drillthrough folder</a:t>
             </a:r>
-            <a:r xmlns:a="http://schemas.openxmlformats.org/drawingml/2006/main">
+            <a:r>
               <a:rPr lang="en" altLang="en-US" sz="2000" b="1" dirty="0" smtClean="0">
                 <a:latin typeface="Arial Unicode MS"/>
               </a:rPr>
               <a:t> </a:t>
             </a:r>
-            <a:r xmlns:a="http://schemas.openxmlformats.org/drawingml/2006/main">
+            <a:r>
               <a:rPr lang="en" altLang="en-US" sz="2000" b="1" dirty="0">
                 <a:latin typeface="Arial Unicode MS"/>
               </a:rPr>
               <a:t>and Filters</a:t>
             </a:r>
-            <a:endParaRPr xmlns:a="http://schemas.openxmlformats.org/drawingml/2006/main" kumimoji="0" lang="fr-FR" altLang="en-US" sz="2000" b="1" i="0" u="none" strike="noStrike" cap="none" normalizeH="0" baseline="0" dirty="0" smtClean="0">
+            <a:endParaRPr kumimoji="0" lang="fr-FR" altLang="en-US" sz="2000" b="1" i="0" u="none" strike="noStrike" cap="none" normalizeH="0" baseline="0" dirty="0" smtClean="0">
               <a:ln>
                 <a:noFill/>
               </a:ln>
@@ -4828,7 +4839,7 @@
           </a:bodyPr>
           <a:lstStyle/>
           <a:p>
-            <a:pPr xmlns:a="http://schemas.openxmlformats.org/drawingml/2006/main" marL="0" marR="0" lvl="0" indent="0" algn="l" defTabSz="914400" rtl="0" eaLnBrk="0" fontAlgn="base" latinLnBrk="0" hangingPunct="0">
+            <a:pPr marL="0" marR="0" lvl="0" indent="0" algn="l" defTabSz="914400" rtl="0" eaLnBrk="0" fontAlgn="base" latinLnBrk="0" hangingPunct="0">
               <a:lnSpc>
                 <a:spcPct val="100000"/>
               </a:lnSpc>
@@ -4844,7 +4855,7 @@
               <a:buNone/>
               <a:tabLst/>
             </a:pPr>
-            <a:r xmlns:a="http://schemas.openxmlformats.org/drawingml/2006/main">
+            <a:r>
               <a:rPr kumimoji="0" lang="en" altLang="en-US" sz="2000" i="0" u="none" strike="noStrike" cap="none" normalizeH="0" baseline="0" dirty="0" smtClean="0">
                 <a:ln>
                   <a:noFill/>
@@ -4857,7 +4868,7 @@
               </a:rPr>
               <a:t>Navigate to the location of the </a:t>
             </a:r>
-            <a:r xmlns:a="http://schemas.openxmlformats.org/drawingml/2006/main">
+            <a:r>
               <a:rPr kumimoji="0" lang="en" altLang="en-US" sz="2000" b="1" i="0" u="none" strike="noStrike" cap="none" normalizeH="0" baseline="0" dirty="0" smtClean="0">
                 <a:ln>
                   <a:noFill/>
@@ -4870,7 +4881,7 @@
               </a:rPr>
               <a:t>gdp.xlsx </a:t>
             </a:r>
-            <a:r xmlns:a="http://schemas.openxmlformats.org/drawingml/2006/main">
+            <a:r>
               <a:rPr kumimoji="0" lang="en" altLang="en-US" sz="2000" b="0" i="0" u="none" strike="noStrike" cap="none" normalizeH="0" baseline="0" dirty="0" smtClean="0">
                 <a:ln>
                   <a:noFill/>
@@ -4881,22 +4892,9 @@
                 <a:effectLst/>
                 <a:latin typeface="Arial" panose="020B0604020202020204" pitchFamily="34" charset="0"/>
               </a:rPr>
-              <a:t>file </a:t>
-            </a:r>
-            <a:r xmlns:a="http://schemas.openxmlformats.org/drawingml/2006/main">
-              <a:rPr kumimoji="0" lang="en" altLang="en-US" sz="2000" b="0" i="0" u="none" strike="noStrike" cap="none" normalizeH="0" baseline="0" dirty="0" smtClean="0">
-                <a:ln>
-                  <a:noFill/>
-                </a:ln>
-                <a:solidFill>
-                  <a:schemeClr val="tx1"/>
-                </a:solidFill>
-                <a:effectLst/>
-                <a:latin typeface="Arial" panose="020B0604020202020204" pitchFamily="34" charset="0"/>
-              </a:rPr>
-              <a:t>and </a:t>
-            </a:r>
-            <a:r xmlns:a="http://schemas.openxmlformats.org/drawingml/2006/main">
+              <a:t>file and </a:t>
+            </a:r>
+            <a:r>
               <a:rPr kumimoji="0" lang="en" altLang="en-US" sz="2000" b="1" i="0" u="none" strike="noStrike" cap="none" normalizeH="0" baseline="0" dirty="0" smtClean="0">
                 <a:ln>
                   <a:noFill/>
@@ -4909,7 +4907,7 @@
               </a:rPr>
               <a:t>load both tables</a:t>
             </a:r>
-            <a:r xmlns:a="http://schemas.openxmlformats.org/drawingml/2006/main">
+            <a:r>
               <a:rPr kumimoji="0" lang="en" altLang="en-US" sz="2000" b="0" i="0" u="none" strike="noStrike" cap="none" normalizeH="0" baseline="0" dirty="0" smtClean="0">
                 <a:ln>
                   <a:noFill/>
@@ -4922,7 +4920,7 @@
               </a:rPr>
               <a:t> </a:t>
             </a:r>
-            <a:r xmlns:a="http://schemas.openxmlformats.org/drawingml/2006/main">
+            <a:r>
               <a:rPr kumimoji="0" lang="en" altLang="en-US" sz="2000" b="0" i="0" u="none" strike="noStrike" cap="none" normalizeH="0" baseline="0" dirty="0" smtClean="0">
                 <a:ln>
                   <a:noFill/>
@@ -4935,7 +4933,7 @@
               </a:rPr>
               <a:t>continent</a:t>
             </a:r>
-            <a:r xmlns:a="http://schemas.openxmlformats.org/drawingml/2006/main">
+            <a:r>
               <a:rPr kumimoji="0" lang="en" altLang="en-US" sz="2000" b="0" i="0" u="none" strike="noStrike" cap="none" normalizeH="0" baseline="0" dirty="0" smtClean="0">
                 <a:ln>
                   <a:noFill/>
@@ -4949,7 +4947,7 @@
             </a:r>
           </a:p>
           <a:p>
-            <a:pPr xmlns:a="http://schemas.openxmlformats.org/drawingml/2006/main" marL="0" marR="0" lvl="0" indent="0" algn="l" defTabSz="914400" rtl="0" eaLnBrk="0" fontAlgn="base" latinLnBrk="0" hangingPunct="0">
+            <a:pPr marL="0" marR="0" lvl="0" indent="0" algn="l" defTabSz="914400" rtl="0" eaLnBrk="0" fontAlgn="base" latinLnBrk="0" hangingPunct="0">
               <a:lnSpc>
                 <a:spcPct val="100000"/>
               </a:lnSpc>
@@ -4965,7 +4963,7 @@
               <a:buNone/>
               <a:tabLst/>
             </a:pPr>
-            <a:r xmlns:a="http://schemas.openxmlformats.org/drawingml/2006/main">
+            <a:r>
               <a:rPr kumimoji="0" lang="en" altLang="en-US" sz="2000" b="0" i="0" u="none" strike="noStrike" cap="none" normalizeH="0" baseline="0" dirty="0" smtClean="0">
                 <a:ln>
                   <a:noFill/>
@@ -4977,7 +4975,7 @@
               </a:rPr>
               <a:t>and </a:t>
             </a:r>
-            <a:r xmlns:a="http://schemas.openxmlformats.org/drawingml/2006/main">
+            <a:r>
               <a:rPr kumimoji="0" lang="en" altLang="en-US" sz="2000" b="1" i="0" u="none" strike="noStrike" cap="none" normalizeH="0" baseline="0" dirty="0" err="1" smtClean="0">
                 <a:ln>
                   <a:noFill/>
@@ -4990,7 +4988,7 @@
               </a:rPr>
               <a:t>GDP </a:t>
             </a:r>
-            <a:r xmlns:a="http://schemas.openxmlformats.org/drawingml/2006/main">
+            <a:r>
               <a:rPr kumimoji="0" lang="en" altLang="en-US" sz="2000" b="1" i="0" u="none" strike="noStrike" cap="none" normalizeH="0" baseline="0" dirty="0" smtClean="0">
                 <a:ln>
                   <a:noFill/>
@@ -5003,7 +5001,7 @@
               </a:rPr>
               <a:t>2018</a:t>
             </a:r>
-            <a:r xmlns:a="http://schemas.openxmlformats.org/drawingml/2006/main">
+            <a:r>
               <a:rPr kumimoji="0" lang="en" altLang="en-US" sz="2000" b="1" i="0" u="none" strike="noStrike" cap="none" normalizeH="0" baseline="0" dirty="0" smtClean="0">
                 <a:ln>
                   <a:noFill/>
@@ -5015,7 +5013,7 @@
               </a:rPr>
               <a:t> </a:t>
             </a:r>
-            <a:r xmlns:a="http://schemas.openxmlformats.org/drawingml/2006/main">
+            <a:r>
               <a:rPr kumimoji="0" lang="en" altLang="en-US" sz="2000" b="0" i="0" u="none" strike="noStrike" cap="none" normalizeH="0" baseline="0" dirty="0" smtClean="0">
                 <a:ln>
                   <a:noFill/>
@@ -5027,7 +5025,7 @@
               </a:rPr>
               <a:t>in the query editor.</a:t>
             </a:r>
-            <a:endParaRPr xmlns:a="http://schemas.openxmlformats.org/drawingml/2006/main" kumimoji="0" lang="fr-FR" altLang="en-US" sz="2000" b="0" i="0" u="none" strike="noStrike" cap="none" normalizeH="0" baseline="0" dirty="0" smtClean="0">
+            <a:endParaRPr kumimoji="0" lang="fr-FR" altLang="en-US" sz="2000" b="0" i="0" u="none" strike="noStrike" cap="none" normalizeH="0" baseline="0" dirty="0" smtClean="0">
               <a:ln>
                 <a:noFill/>
               </a:ln>
@@ -5099,7 +5097,7 @@
           </a:bodyPr>
           <a:lstStyle/>
           <a:p>
-            <a:pPr xmlns:a="http://schemas.openxmlformats.org/drawingml/2006/main" marL="0" marR="0" lvl="0" indent="0" algn="l" defTabSz="914400" rtl="0" eaLnBrk="0" fontAlgn="base" latinLnBrk="0" hangingPunct="0">
+            <a:pPr marL="0" marR="0" lvl="0" indent="0" algn="l" defTabSz="914400" rtl="0" eaLnBrk="0" fontAlgn="base" latinLnBrk="0" hangingPunct="0">
               <a:lnSpc>
                 <a:spcPct val="100000"/>
               </a:lnSpc>
@@ -5115,7 +5113,7 @@
               <a:buNone/>
               <a:tabLst/>
             </a:pPr>
-            <a:r xmlns:a="http://schemas.openxmlformats.org/drawingml/2006/main">
+            <a:r>
               <a:rPr kumimoji="0" lang="en" altLang="en-US" sz="2000" b="1" i="0" u="none" strike="noStrike" cap="none" normalizeH="0" baseline="0" dirty="0" smtClean="0">
                 <a:ln>
                   <a:noFill/>
@@ -5128,7 +5126,7 @@
               </a:rPr>
               <a:t>Check </a:t>
             </a:r>
-            <a:r xmlns:a="http://schemas.openxmlformats.org/drawingml/2006/main">
+            <a:r>
               <a:rPr kumimoji="0" lang="en" altLang="en-US" sz="2000" b="0" i="0" u="none" strike="noStrike" cap="none" normalizeH="0" baseline="0" dirty="0" smtClean="0">
                 <a:ln>
                   <a:noFill/>
@@ -5141,7 +5139,7 @@
               </a:rPr>
               <a:t>that the </a:t>
             </a:r>
-            <a:r xmlns:a="http://schemas.openxmlformats.org/drawingml/2006/main">
+            <a:r>
               <a:rPr kumimoji="0" lang="en" altLang="en-US" sz="2000" b="1" i="0" u="none" strike="noStrike" cap="none" normalizeH="0" baseline="0" dirty="0" smtClean="0">
                 <a:ln>
                   <a:noFill/>
@@ -5154,7 +5152,7 @@
               </a:rPr>
               <a:t>relationship between </a:t>
             </a:r>
-            <a:r xmlns:a="http://schemas.openxmlformats.org/drawingml/2006/main">
+            <a:r>
               <a:rPr kumimoji="0" lang="en" altLang="en-US" sz="2000" b="1" i="0" u="none" strike="noStrike" cap="none" normalizeH="0" baseline="0" dirty="0" smtClean="0">
                 <a:ln>
                   <a:noFill/>
@@ -5167,7 +5165,7 @@
               </a:rPr>
               <a:t>continent </a:t>
             </a:r>
-            <a:r xmlns:a="http://schemas.openxmlformats.org/drawingml/2006/main">
+            <a:r>
               <a:rPr kumimoji="0" lang="en" altLang="en-US" sz="2000" b="1" i="0" u="none" strike="noStrike" cap="none" normalizeH="0" baseline="0" dirty="0" smtClean="0">
                 <a:ln>
                   <a:noFill/>
@@ -5179,7 +5177,7 @@
               </a:rPr>
               <a:t>and </a:t>
             </a:r>
-            <a:r xmlns:a="http://schemas.openxmlformats.org/drawingml/2006/main">
+            <a:r>
               <a:rPr kumimoji="0" lang="en" altLang="en-US" sz="2000" b="1" i="0" u="none" strike="noStrike" cap="none" normalizeH="0" baseline="0" dirty="0" err="1" smtClean="0">
                 <a:ln>
                   <a:noFill/>
@@ -5192,7 +5190,7 @@
               </a:rPr>
               <a:t>gdp </a:t>
             </a:r>
-            <a:r xmlns:a="http://schemas.openxmlformats.org/drawingml/2006/main">
+            <a:r>
               <a:rPr kumimoji="0" lang="en" altLang="en-US" sz="2000" b="1" i="0" u="none" strike="noStrike" cap="none" normalizeH="0" baseline="0" dirty="0" smtClean="0">
                 <a:ln>
                   <a:noFill/>
@@ -5205,7 +5203,7 @@
               </a:rPr>
               <a:t>2018 </a:t>
             </a:r>
-            <a:r xmlns:a="http://schemas.openxmlformats.org/drawingml/2006/main">
+            <a:r>
               <a:rPr kumimoji="0" lang="en" altLang="en-US" sz="2000" b="0" i="0" u="none" strike="noStrike" cap="none" normalizeH="0" baseline="0" dirty="0" smtClean="0">
                 <a:ln>
                   <a:noFill/>
@@ -5217,7 +5215,7 @@
               </a:rPr>
               <a:t>is well established.</a:t>
             </a:r>
-            <a:endParaRPr xmlns:a="http://schemas.openxmlformats.org/drawingml/2006/main" kumimoji="0" lang="fr-FR" altLang="en-US" sz="2000" b="0" i="0" u="none" strike="noStrike" cap="none" normalizeH="0" baseline="0" dirty="0" smtClean="0">
+            <a:endParaRPr kumimoji="0" lang="fr-FR" altLang="en-US" sz="2000" b="0" i="0" u="none" strike="noStrike" cap="none" normalizeH="0" baseline="0" dirty="0" smtClean="0">
               <a:ln>
                 <a:noFill/>
               </a:ln>
@@ -5282,14 +5280,14 @@
           </a:bodyPr>
           <a:lstStyle/>
           <a:p>
-            <a:r xmlns:a="http://schemas.openxmlformats.org/drawingml/2006/main">
+            <a:r>
               <a:rPr lang="en" sz="2800" b="1" dirty="0" smtClean="0">
                 <a:latin typeface="Segoe UI" panose="020B0502040204020203" pitchFamily="34" charset="0"/>
                 <a:cs typeface="Segoe UI" panose="020B0502040204020203" pitchFamily="34" charset="0"/>
               </a:rPr>
               <a:t>Drill through</a:t>
             </a:r>
-            <a:endParaRPr xmlns:a="http://schemas.openxmlformats.org/drawingml/2006/main" lang="en-US" sz="2800" b="1" dirty="0">
+            <a:endParaRPr lang="en-US" sz="2800" b="1" dirty="0">
               <a:latin typeface="Segoe UI" panose="020B0502040204020203" pitchFamily="34" charset="0"/>
               <a:cs typeface="Segoe UI" panose="020B0502040204020203" pitchFamily="34" charset="0"/>
             </a:endParaRPr>
@@ -5387,23 +5385,23 @@
           </a:bodyPr>
           <a:lstStyle/>
           <a:p>
-            <a:r xmlns:a="http://schemas.openxmlformats.org/drawingml/2006/main">
+            <a:r>
               <a:rPr lang="en" sz="2000" b="1" dirty="0"/>
               <a:t>Name</a:t>
             </a:r>
-            <a:r xmlns:a="http://schemas.openxmlformats.org/drawingml/2006/main">
+            <a:r>
               <a:rPr lang="en" sz="2000" dirty="0"/>
               <a:t> </a:t>
             </a:r>
-            <a:r xmlns:a="http://schemas.openxmlformats.org/drawingml/2006/main">
+            <a:r>
               <a:rPr lang="en" sz="2000" dirty="0" smtClean="0"/>
               <a:t>two </a:t>
             </a:r>
-            <a:r xmlns:a="http://schemas.openxmlformats.org/drawingml/2006/main">
+            <a:r>
               <a:rPr lang="en" sz="2000" dirty="0"/>
               <a:t>pages of the report:</a:t>
             </a:r>
-            <a:endParaRPr xmlns:a="http://schemas.openxmlformats.org/drawingml/2006/main" lang="en-US" sz="2000" dirty="0"/>
+            <a:endParaRPr lang="en-US" sz="2000" dirty="0"/>
           </a:p>
         </p:txBody>
       </p:sp>
@@ -5466,7 +5464,7 @@
           </a:bodyPr>
           <a:lstStyle/>
           <a:p>
-            <a:pPr xmlns:a="http://schemas.openxmlformats.org/drawingml/2006/main" marL="0" marR="0" lvl="0" indent="0" algn="l" defTabSz="914400" rtl="0" eaLnBrk="0" fontAlgn="base" latinLnBrk="0" hangingPunct="0">
+            <a:pPr marL="0" marR="0" lvl="0" indent="0" algn="l" defTabSz="914400" rtl="0" eaLnBrk="0" fontAlgn="base" latinLnBrk="0" hangingPunct="0">
               <a:lnSpc>
                 <a:spcPct val="100000"/>
               </a:lnSpc>
@@ -5482,7 +5480,7 @@
               <a:buChar char="•"/>
               <a:tabLst/>
             </a:pPr>
-            <a:r xmlns:a="http://schemas.openxmlformats.org/drawingml/2006/main">
+            <a:r>
               <a:rPr kumimoji="0" lang="en" altLang="en-US" i="0" u="none" strike="noStrike" cap="none" normalizeH="0" baseline="0" dirty="0" smtClean="0">
                 <a:ln>
                   <a:noFill/>
@@ -5497,7 +5495,7 @@
             </a:r>
           </a:p>
           <a:p>
-            <a:pPr xmlns:a="http://schemas.openxmlformats.org/drawingml/2006/main" marL="0" marR="0" lvl="0" indent="0" algn="l" defTabSz="914400" rtl="0" eaLnBrk="0" fontAlgn="base" latinLnBrk="0" hangingPunct="0">
+            <a:pPr marL="0" marR="0" lvl="0" indent="0" algn="l" defTabSz="914400" rtl="0" eaLnBrk="0" fontAlgn="base" latinLnBrk="0" hangingPunct="0">
               <a:lnSpc>
                 <a:spcPct val="100000"/>
               </a:lnSpc>
@@ -5513,7 +5511,7 @@
               <a:buChar char="•"/>
               <a:tabLst/>
             </a:pPr>
-            <a:r xmlns:a="http://schemas.openxmlformats.org/drawingml/2006/main">
+            <a:r>
               <a:rPr kumimoji="0" lang="en" altLang="en-US" i="0" u="none" strike="noStrike" cap="none" normalizeH="0" baseline="0" dirty="0" smtClean="0">
                 <a:ln>
                   <a:noFill/>
@@ -5581,14 +5579,14 @@
           </a:bodyPr>
           <a:lstStyle/>
           <a:p>
-            <a:r xmlns:a="http://schemas.openxmlformats.org/drawingml/2006/main">
+            <a:r>
               <a:rPr lang="en" sz="2800" b="1" dirty="0" smtClean="0">
                 <a:latin typeface="Segoe UI" panose="020B0502040204020203" pitchFamily="34" charset="0"/>
                 <a:cs typeface="Segoe UI" panose="020B0502040204020203" pitchFamily="34" charset="0"/>
               </a:rPr>
               <a:t>Drill through</a:t>
             </a:r>
-            <a:endParaRPr xmlns:a="http://schemas.openxmlformats.org/drawingml/2006/main" lang="en-US" sz="2800" b="1" dirty="0">
+            <a:endParaRPr lang="en-US" sz="2800" b="1" dirty="0">
               <a:latin typeface="Segoe UI" panose="020B0502040204020203" pitchFamily="34" charset="0"/>
               <a:cs typeface="Segoe UI" panose="020B0502040204020203" pitchFamily="34" charset="0"/>
             </a:endParaRPr>
@@ -5655,67 +5653,67 @@
           </a:bodyPr>
           <a:lstStyle/>
           <a:p>
-            <a:r xmlns:a="http://schemas.openxmlformats.org/drawingml/2006/main">
+            <a:r>
               <a:rPr lang="en" sz="2000" b="1" dirty="0"/>
               <a:t>Add three visuals </a:t>
             </a:r>
-            <a:r xmlns:a="http://schemas.openxmlformats.org/drawingml/2006/main">
+            <a:r>
               <a:rPr lang="en" sz="2000" dirty="0"/>
               <a:t>on the </a:t>
             </a:r>
-            <a:r xmlns:a="http://schemas.openxmlformats.org/drawingml/2006/main">
+            <a:r>
               <a:rPr lang="en" sz="2000" b="1" dirty="0"/>
               <a:t>GDP page </a:t>
             </a:r>
-            <a:r xmlns:a="http://schemas.openxmlformats.org/drawingml/2006/main">
+            <a:r>
               <a:rPr lang="en" sz="2000" dirty="0"/>
               <a:t>:</a:t>
             </a:r>
           </a:p>
           <a:p>
-            <a:pPr xmlns:a="http://schemas.openxmlformats.org/drawingml/2006/main" lvl="1">
+            <a:pPr lvl="1">
               <a:buFont typeface="Arial" panose="020B0604020202020204" pitchFamily="34" charset="0"/>
               <a:buChar char="•"/>
             </a:pPr>
-            <a:r xmlns:a="http://schemas.openxmlformats.org/drawingml/2006/main">
+            <a:r>
               <a:rPr lang="en" sz="2000" dirty="0"/>
               <a:t>A </a:t>
             </a:r>
-            <a:r xmlns:a="http://schemas.openxmlformats.org/drawingml/2006/main">
+            <a:r>
               <a:rPr lang="en" sz="2000" b="1" dirty="0"/>
               <a:t>geographical map</a:t>
             </a:r>
-            <a:endParaRPr xmlns:a="http://schemas.openxmlformats.org/drawingml/2006/main" lang="fr-FR" sz="2000" dirty="0"/>
-          </a:p>
-          <a:p>
-            <a:pPr xmlns:a="http://schemas.openxmlformats.org/drawingml/2006/main" lvl="1">
+            <a:endParaRPr lang="fr-FR" sz="2000" dirty="0"/>
+          </a:p>
+          <a:p>
+            <a:pPr lvl="1">
               <a:buFont typeface="Arial" panose="020B0604020202020204" pitchFamily="34" charset="0"/>
               <a:buChar char="•"/>
             </a:pPr>
-            <a:r xmlns:a="http://schemas.openxmlformats.org/drawingml/2006/main">
+            <a:r>
               <a:rPr lang="en" sz="2000" dirty="0"/>
               <a:t>A </a:t>
             </a:r>
-            <a:r xmlns:a="http://schemas.openxmlformats.org/drawingml/2006/main">
+            <a:r>
               <a:rPr lang="en" sz="2000" b="1" dirty="0"/>
               <a:t>histogram</a:t>
             </a:r>
-            <a:endParaRPr xmlns:a="http://schemas.openxmlformats.org/drawingml/2006/main" lang="fr-FR" sz="2000" dirty="0"/>
-          </a:p>
-          <a:p>
-            <a:pPr xmlns:a="http://schemas.openxmlformats.org/drawingml/2006/main" lvl="1">
+            <a:endParaRPr lang="fr-FR" sz="2000" dirty="0"/>
+          </a:p>
+          <a:p>
+            <a:pPr lvl="1">
               <a:buFont typeface="Arial" panose="020B0604020202020204" pitchFamily="34" charset="0"/>
               <a:buChar char="•"/>
             </a:pPr>
-            <a:r xmlns:a="http://schemas.openxmlformats.org/drawingml/2006/main">
+            <a:r>
               <a:rPr lang="en" sz="2000" dirty="0"/>
               <a:t>A </a:t>
             </a:r>
-            <a:r xmlns:a="http://schemas.openxmlformats.org/drawingml/2006/main">
+            <a:r>
               <a:rPr lang="en" sz="2000" b="1" dirty="0"/>
               <a:t>label visual</a:t>
             </a:r>
-            <a:endParaRPr xmlns:a="http://schemas.openxmlformats.org/drawingml/2006/main" lang="fr-FR" sz="2000" dirty="0"/>
+            <a:endParaRPr lang="fr-FR" sz="2000" dirty="0"/>
           </a:p>
         </p:txBody>
       </p:sp>
@@ -5740,27 +5738,27 @@
           </a:bodyPr>
           <a:lstStyle/>
           <a:p>
-            <a:r xmlns:a="http://schemas.openxmlformats.org/drawingml/2006/main">
+            <a:r>
               <a:rPr lang="en" sz="2000" b="1" dirty="0" err="1"/>
               <a:t>ContinentName </a:t>
             </a:r>
-            <a:r xmlns:a="http://schemas.openxmlformats.org/drawingml/2006/main">
+            <a:r>
               <a:rPr lang="en" sz="2000"/>
               <a:t>field </a:t>
             </a:r>
-            <a:r xmlns:a="http://schemas.openxmlformats.org/drawingml/2006/main">
+            <a:r>
               <a:rPr lang="en" sz="2000" dirty="0"/>
               <a:t>to the </a:t>
             </a:r>
-            <a:r xmlns:a="http://schemas.openxmlformats.org/drawingml/2006/main">
+            <a:r>
               <a:rPr lang="en" sz="2000" b="1" dirty="0"/>
               <a:t>Location property </a:t>
             </a:r>
-            <a:r xmlns:a="http://schemas.openxmlformats.org/drawingml/2006/main">
+            <a:r>
               <a:rPr lang="en" sz="2000" dirty="0"/>
               <a:t>.</a:t>
             </a:r>
-            <a:endParaRPr xmlns:a="http://schemas.openxmlformats.org/drawingml/2006/main" lang="en-US" sz="2000" dirty="0"/>
+            <a:endParaRPr lang="en-US" sz="2000" dirty="0"/>
           </a:p>
         </p:txBody>
       </p:sp>
@@ -5816,14 +5814,14 @@
           </a:bodyPr>
           <a:lstStyle/>
           <a:p>
-            <a:r xmlns:a="http://schemas.openxmlformats.org/drawingml/2006/main">
+            <a:r>
               <a:rPr lang="en" sz="2800" b="1" dirty="0" smtClean="0">
                 <a:latin typeface="Segoe UI" panose="020B0502040204020203" pitchFamily="34" charset="0"/>
                 <a:cs typeface="Segoe UI" panose="020B0502040204020203" pitchFamily="34" charset="0"/>
               </a:rPr>
               <a:t>Drill through</a:t>
             </a:r>
-            <a:endParaRPr xmlns:a="http://schemas.openxmlformats.org/drawingml/2006/main" lang="en-US" sz="2800" b="1" dirty="0">
+            <a:endParaRPr lang="en-US" sz="2800" b="1" dirty="0">
               <a:latin typeface="Segoe UI" panose="020B0502040204020203" pitchFamily="34" charset="0"/>
               <a:cs typeface="Segoe UI" panose="020B0502040204020203" pitchFamily="34" charset="0"/>
             </a:endParaRPr>
@@ -5890,63 +5888,63 @@
           </a:bodyPr>
           <a:lstStyle/>
           <a:p>
-            <a:r xmlns:a="http://schemas.openxmlformats.org/drawingml/2006/main">
+            <a:r>
               <a:rPr lang="en" sz="2000" b="1" dirty="0"/>
               <a:t>Configure the histogram </a:t>
             </a:r>
-            <a:r xmlns:a="http://schemas.openxmlformats.org/drawingml/2006/main">
+            <a:r>
               <a:rPr lang="en" sz="2000" dirty="0"/>
               <a:t>:</a:t>
             </a:r>
           </a:p>
           <a:p>
-            <a:pPr xmlns:a="http://schemas.openxmlformats.org/drawingml/2006/main" lvl="1">
+            <a:pPr lvl="1">
               <a:buFont typeface="Arial" panose="020B0604020202020204" pitchFamily="34" charset="0"/>
               <a:buChar char="•"/>
             </a:pPr>
-            <a:r xmlns:a="http://schemas.openxmlformats.org/drawingml/2006/main">
+            <a:r>
               <a:rPr lang="en" sz="2000" dirty="0"/>
               <a:t>Add </a:t>
             </a:r>
-            <a:r xmlns:a="http://schemas.openxmlformats.org/drawingml/2006/main">
+            <a:r>
               <a:rPr lang="en" sz="2000" b="1" dirty="0" err="1"/>
               <a:t>ContinentName </a:t>
             </a:r>
-            <a:r xmlns:a="http://schemas.openxmlformats.org/drawingml/2006/main">
+            <a:r>
               <a:rPr lang="en" sz="2000" dirty="0"/>
               <a:t>to </a:t>
             </a:r>
-            <a:r xmlns:a="http://schemas.openxmlformats.org/drawingml/2006/main">
+            <a:r>
               <a:rPr lang="en" sz="2000" b="1" dirty="0"/>
               <a:t>Axis </a:t>
             </a:r>
-            <a:r xmlns:a="http://schemas.openxmlformats.org/drawingml/2006/main">
+            <a:r>
               <a:rPr lang="en" sz="2000" dirty="0"/>
               <a:t>.</a:t>
             </a:r>
           </a:p>
           <a:p>
-            <a:pPr xmlns:a="http://schemas.openxmlformats.org/drawingml/2006/main" lvl="1">
+            <a:pPr lvl="1">
               <a:buFont typeface="Arial" panose="020B0604020202020204" pitchFamily="34" charset="0"/>
               <a:buChar char="•"/>
             </a:pPr>
-            <a:r xmlns:a="http://schemas.openxmlformats.org/drawingml/2006/main">
+            <a:r>
               <a:rPr lang="en" sz="2000" dirty="0"/>
               <a:t>Add </a:t>
             </a:r>
-            <a:r xmlns:a="http://schemas.openxmlformats.org/drawingml/2006/main">
+            <a:r>
               <a:rPr lang="en" sz="2000" b="1" dirty="0" err="1"/>
               <a:t>gdp </a:t>
             </a:r>
-            <a:r xmlns:a="http://schemas.openxmlformats.org/drawingml/2006/main">
+            <a:r>
               <a:rPr lang="en" sz="2000" dirty="0"/>
               <a:t>to </a:t>
             </a:r>
-            <a:r xmlns:a="http://schemas.openxmlformats.org/drawingml/2006/main">
+            <a:r>
               <a:rPr lang="en" sz="2000" b="1" dirty="0"/>
               <a:t>Values </a:t>
             </a:r>
-            <a:r xmlns:a="http://schemas.openxmlformats.org/drawingml/2006/main">
+            <a:r>
               <a:rPr lang="en" sz="2000" dirty="0"/>
               <a:t>.</a:t>
             </a:r>
@@ -6005,14 +6003,14 @@
           </a:bodyPr>
           <a:lstStyle/>
           <a:p>
-            <a:r xmlns:a="http://schemas.openxmlformats.org/drawingml/2006/main">
+            <a:r>
               <a:rPr lang="en" sz="2800" b="1" dirty="0" smtClean="0">
                 <a:latin typeface="Segoe UI" panose="020B0502040204020203" pitchFamily="34" charset="0"/>
                 <a:cs typeface="Segoe UI" panose="020B0502040204020203" pitchFamily="34" charset="0"/>
               </a:rPr>
               <a:t>Drill through</a:t>
             </a:r>
-            <a:endParaRPr xmlns:a="http://schemas.openxmlformats.org/drawingml/2006/main" lang="en-US" sz="2800" b="1" dirty="0">
+            <a:endParaRPr lang="en-US" sz="2800" b="1" dirty="0">
               <a:latin typeface="Segoe UI" panose="020B0502040204020203" pitchFamily="34" charset="0"/>
               <a:cs typeface="Segoe UI" panose="020B0502040204020203" pitchFamily="34" charset="0"/>
             </a:endParaRPr>
@@ -6040,49 +6038,49 @@
           </a:bodyPr>
           <a:lstStyle/>
           <a:p>
-            <a:r xmlns:a="http://schemas.openxmlformats.org/drawingml/2006/main">
+            <a:r>
               <a:rPr lang="en" b="1" dirty="0" err="1" smtClean="0">
                 <a:latin typeface="Segoe UI" panose="020B0502040204020203" pitchFamily="34" charset="0"/>
                 <a:ea typeface="Calibri" panose="020F0502020204030204" pitchFamily="34" charset="0"/>
               </a:rPr>
               <a:t>gdp </a:t>
             </a:r>
-            <a:r xmlns:a="http://schemas.openxmlformats.org/drawingml/2006/main">
+            <a:r>
               <a:rPr lang="en" dirty="0" smtClean="0">
                 <a:latin typeface="Segoe UI" panose="020B0502040204020203" pitchFamily="34" charset="0"/>
                 <a:ea typeface="Calibri" panose="020F0502020204030204" pitchFamily="34" charset="0"/>
               </a:rPr>
               <a:t>field</a:t>
             </a:r>
-            <a:r xmlns:a="http://schemas.openxmlformats.org/drawingml/2006/main">
+            <a:r>
               <a:rPr lang="en" b="1" dirty="0" smtClean="0">
                 <a:latin typeface="Segoe UI" panose="020B0502040204020203" pitchFamily="34" charset="0"/>
                 <a:ea typeface="Calibri" panose="020F0502020204030204" pitchFamily="34" charset="0"/>
               </a:rPr>
               <a:t> </a:t>
             </a:r>
-            <a:r xmlns:a="http://schemas.openxmlformats.org/drawingml/2006/main">
+            <a:r>
               <a:rPr lang="en" dirty="0" smtClean="0">
                 <a:latin typeface="Segoe UI" panose="020B0502040204020203" pitchFamily="34" charset="0"/>
                 <a:ea typeface="Calibri" panose="020F0502020204030204" pitchFamily="34" charset="0"/>
               </a:rPr>
               <a:t>to the </a:t>
             </a:r>
-            <a:r xmlns:a="http://schemas.openxmlformats.org/drawingml/2006/main">
+            <a:r>
               <a:rPr lang="en" b="1" dirty="0" smtClean="0">
                 <a:latin typeface="Segoe UI" panose="020B0502040204020203" pitchFamily="34" charset="0"/>
                 <a:ea typeface="Calibri" panose="020F0502020204030204" pitchFamily="34" charset="0"/>
               </a:rPr>
               <a:t>Fields property</a:t>
             </a:r>
-            <a:r xmlns:a="http://schemas.openxmlformats.org/drawingml/2006/main">
+            <a:r>
               <a:rPr lang="en" dirty="0" smtClean="0">
                 <a:latin typeface="Segoe UI" panose="020B0502040204020203" pitchFamily="34" charset="0"/>
                 <a:ea typeface="Calibri" panose="020F0502020204030204" pitchFamily="34" charset="0"/>
               </a:rPr>
               <a:t> </a:t>
             </a:r>
-            <a:endParaRPr xmlns:a="http://schemas.openxmlformats.org/drawingml/2006/main" lang="en-US" dirty="0"/>
+            <a:endParaRPr lang="en-US" dirty="0"/>
           </a:p>
         </p:txBody>
       </p:sp>
@@ -6177,14 +6175,14 @@
           </a:bodyPr>
           <a:lstStyle/>
           <a:p>
-            <a:r xmlns:a="http://schemas.openxmlformats.org/drawingml/2006/main">
+            <a:r>
               <a:rPr lang="en" sz="2800" b="1" dirty="0" smtClean="0">
                 <a:latin typeface="Segoe UI" panose="020B0502040204020203" pitchFamily="34" charset="0"/>
                 <a:cs typeface="Segoe UI" panose="020B0502040204020203" pitchFamily="34" charset="0"/>
               </a:rPr>
               <a:t>Drill through</a:t>
             </a:r>
-            <a:endParaRPr xmlns:a="http://schemas.openxmlformats.org/drawingml/2006/main" lang="en-US" sz="2800" b="1" dirty="0">
+            <a:endParaRPr lang="en-US" sz="2800" b="1" dirty="0">
               <a:latin typeface="Segoe UI" panose="020B0502040204020203" pitchFamily="34" charset="0"/>
               <a:cs typeface="Segoe UI" panose="020B0502040204020203" pitchFamily="34" charset="0"/>
             </a:endParaRPr>
@@ -6254,60 +6252,60 @@
           </a:bodyPr>
           <a:lstStyle/>
           <a:p>
-            <a:r xmlns:a="http://schemas.openxmlformats.org/drawingml/2006/main">
+            <a:r>
               <a:rPr lang="en" sz="2000" b="1" dirty="0"/>
               <a:t>Add a table visual </a:t>
             </a:r>
-            <a:r xmlns:a="http://schemas.openxmlformats.org/drawingml/2006/main">
+            <a:r>
               <a:rPr lang="en" sz="2000" dirty="0"/>
               <a:t>on the </a:t>
             </a:r>
-            <a:r xmlns:a="http://schemas.openxmlformats.org/drawingml/2006/main">
+            <a:r>
               <a:rPr lang="en" sz="2000" b="1" dirty="0" err="1"/>
               <a:t>Details page </a:t>
             </a:r>
-            <a:r xmlns:a="http://schemas.openxmlformats.org/drawingml/2006/main">
+            <a:r>
               <a:rPr lang="en" sz="2000" dirty="0"/>
               <a:t>and add the following fields:</a:t>
             </a:r>
           </a:p>
           <a:p>
-            <a:pPr xmlns:a="http://schemas.openxmlformats.org/drawingml/2006/main" lvl="1">
+            <a:pPr lvl="1">
               <a:buFont typeface="Arial" panose="020B0604020202020204" pitchFamily="34" charset="0"/>
               <a:buChar char="•"/>
             </a:pPr>
-            <a:r xmlns:a="http://schemas.openxmlformats.org/drawingml/2006/main">
+            <a:r>
               <a:rPr lang="en" sz="2000" dirty="0" err="1"/>
               <a:t>ContinentName</a:t>
             </a:r>
-            <a:endParaRPr xmlns:a="http://schemas.openxmlformats.org/drawingml/2006/main" lang="fr-FR" sz="2000" dirty="0"/>
-          </a:p>
-          <a:p>
-            <a:pPr xmlns:a="http://schemas.openxmlformats.org/drawingml/2006/main" lvl="1">
+            <a:endParaRPr lang="fr-FR" sz="2000" dirty="0"/>
+          </a:p>
+          <a:p>
+            <a:pPr lvl="1">
               <a:buFont typeface="Arial" panose="020B0604020202020204" pitchFamily="34" charset="0"/>
               <a:buChar char="•"/>
             </a:pPr>
-            <a:r xmlns:a="http://schemas.openxmlformats.org/drawingml/2006/main">
+            <a:r>
               <a:rPr lang="en" sz="2000" dirty="0"/>
               <a:t>Country</a:t>
             </a:r>
           </a:p>
           <a:p>
-            <a:pPr xmlns:a="http://schemas.openxmlformats.org/drawingml/2006/main" lvl="1">
+            <a:pPr lvl="1">
               <a:buFont typeface="Arial" panose="020B0604020202020204" pitchFamily="34" charset="0"/>
               <a:buChar char="•"/>
             </a:pPr>
-            <a:r xmlns:a="http://schemas.openxmlformats.org/drawingml/2006/main">
+            <a:r>
               <a:rPr lang="en" sz="2000" dirty="0"/>
               <a:t>Rank</a:t>
             </a:r>
           </a:p>
           <a:p>
-            <a:pPr xmlns:a="http://schemas.openxmlformats.org/drawingml/2006/main" lvl="1">
+            <a:pPr lvl="1">
               <a:buFont typeface="Arial" panose="020B0604020202020204" pitchFamily="34" charset="0"/>
               <a:buChar char="•"/>
             </a:pPr>
-            <a:r xmlns:a="http://schemas.openxmlformats.org/drawingml/2006/main">
+            <a:r>
               <a:rPr lang="en" sz="2000" dirty="0"/>
               <a:t>GDP</a:t>
             </a:r>
@@ -6366,14 +6364,14 @@
           </a:bodyPr>
           <a:lstStyle/>
           <a:p>
-            <a:r xmlns:a="http://schemas.openxmlformats.org/drawingml/2006/main">
+            <a:r>
               <a:rPr lang="en" sz="2800" b="1" dirty="0" smtClean="0">
                 <a:latin typeface="Segoe UI" panose="020B0502040204020203" pitchFamily="34" charset="0"/>
                 <a:cs typeface="Segoe UI" panose="020B0502040204020203" pitchFamily="34" charset="0"/>
               </a:rPr>
               <a:t>Drill through</a:t>
             </a:r>
-            <a:endParaRPr xmlns:a="http://schemas.openxmlformats.org/drawingml/2006/main" lang="en-US" sz="2800" b="1" dirty="0">
+            <a:endParaRPr lang="en-US" sz="2800" b="1" dirty="0">
               <a:latin typeface="Segoe UI" panose="020B0502040204020203" pitchFamily="34" charset="0"/>
               <a:cs typeface="Segoe UI" panose="020B0502040204020203" pitchFamily="34" charset="0"/>
             </a:endParaRPr>
@@ -6401,7 +6399,7 @@
           </a:bodyPr>
           <a:lstStyle/>
           <a:p>
-            <a:pPr xmlns:a="http://schemas.openxmlformats.org/drawingml/2006/main" lvl="0">
+            <a:pPr lvl="0">
               <a:lnSpc>
                 <a:spcPct val="107000"/>
               </a:lnSpc>
@@ -6409,7 +6407,7 @@
                 <a:spcPts val="800"/>
               </a:spcAft>
             </a:pPr>
-            <a:r xmlns:a="http://schemas.openxmlformats.org/drawingml/2006/main">
+            <a:r>
               <a:rPr lang="en" dirty="0" smtClean="0">
                 <a:latin typeface="Segoe UI" panose="020B0502040204020203" pitchFamily="34" charset="0"/>
                 <a:ea typeface="Calibri" panose="020F0502020204030204" pitchFamily="34" charset="0"/>
@@ -6417,7 +6415,7 @@
               </a:rPr>
               <a:t>Slide </a:t>
             </a:r>
-            <a:r xmlns:a="http://schemas.openxmlformats.org/drawingml/2006/main">
+            <a:r>
               <a:rPr lang="en" b="1" dirty="0" err="1" smtClean="0">
                 <a:latin typeface="Segoe UI" panose="020B0502040204020203" pitchFamily="34" charset="0"/>
                 <a:ea typeface="Calibri" panose="020F0502020204030204" pitchFamily="34" charset="0"/>
@@ -6425,7 +6423,7 @@
               </a:rPr>
               <a:t>ContainsName</a:t>
             </a:r>
-            <a:r xmlns:a="http://schemas.openxmlformats.org/drawingml/2006/main">
+            <a:r>
               <a:rPr lang="en" b="1" dirty="0" smtClean="0">
                 <a:latin typeface="Segoe UI" panose="020B0502040204020203" pitchFamily="34" charset="0"/>
                 <a:ea typeface="Calibri" panose="020F0502020204030204" pitchFamily="34" charset="0"/>
@@ -6433,7 +6431,7 @@
               </a:rPr>
               <a:t> at the </a:t>
             </a:r>
-            <a:r xmlns:a="http://schemas.openxmlformats.org/drawingml/2006/main">
+            <a:r>
               <a:rPr lang="en" dirty="0" err="1" smtClean="0">
                 <a:latin typeface="Segoe UI" panose="020B0502040204020203" pitchFamily="34" charset="0"/>
                 <a:ea typeface="Calibri" panose="020F0502020204030204" pitchFamily="34" charset="0"/>
@@ -6441,23 +6439,15 @@
               </a:rPr>
               <a:t>area </a:t>
             </a:r>
-            <a:r xmlns:a="http://schemas.openxmlformats.org/drawingml/2006/main">
+            <a:r>
               <a:rPr lang="en" dirty="0" smtClean="0">
                 <a:latin typeface="Segoe UI" panose="020B0502040204020203" pitchFamily="34" charset="0"/>
                 <a:ea typeface="Calibri" panose="020F0502020204030204" pitchFamily="34" charset="0"/>
                 <a:cs typeface="Times New Roman" panose="02020603050405020304" pitchFamily="18" charset="0"/>
               </a:rPr>
-              <a:t>level</a:t>
-            </a:r>
-            <a:r xmlns:a="http://schemas.openxmlformats.org/drawingml/2006/main">
-              <a:rPr lang="en" dirty="0" smtClean="0">
-                <a:latin typeface="Segoe UI" panose="020B0502040204020203" pitchFamily="34" charset="0"/>
-                <a:ea typeface="Calibri" panose="020F0502020204030204" pitchFamily="34" charset="0"/>
-                <a:cs typeface="Times New Roman" panose="02020603050405020304" pitchFamily="18" charset="0"/>
-              </a:rPr>
-              <a:t> </a:t>
-            </a:r>
-            <a:r xmlns:a="http://schemas.openxmlformats.org/drawingml/2006/main">
+              <a:t>level </a:t>
+            </a:r>
+            <a:r>
               <a:rPr lang="en" b="1" dirty="0" err="1" smtClean="0">
                 <a:latin typeface="Segoe UI" panose="020B0502040204020203" pitchFamily="34" charset="0"/>
                 <a:ea typeface="Calibri" panose="020F0502020204030204" pitchFamily="34" charset="0"/>
@@ -6465,7 +6455,7 @@
               </a:rPr>
               <a:t>Dill</a:t>
             </a:r>
-            <a:r xmlns:a="http://schemas.openxmlformats.org/drawingml/2006/main">
+            <a:r>
               <a:rPr lang="en" b="1" dirty="0" smtClean="0">
                 <a:latin typeface="Segoe UI" panose="020B0502040204020203" pitchFamily="34" charset="0"/>
                 <a:ea typeface="Calibri" panose="020F0502020204030204" pitchFamily="34" charset="0"/>
@@ -6473,7 +6463,7 @@
               </a:rPr>
               <a:t> </a:t>
             </a:r>
-            <a:r xmlns:a="http://schemas.openxmlformats.org/drawingml/2006/main">
+            <a:r>
               <a:rPr lang="en" b="1" dirty="0" err="1" smtClean="0">
                 <a:latin typeface="Segoe UI" panose="020B0502040204020203" pitchFamily="34" charset="0"/>
                 <a:ea typeface="Calibri" panose="020F0502020204030204" pitchFamily="34" charset="0"/>
@@ -6481,7 +6471,7 @@
               </a:rPr>
               <a:t>through</a:t>
             </a:r>
-            <a:endParaRPr xmlns:a="http://schemas.openxmlformats.org/drawingml/2006/main" lang="en-US" sz="1400" dirty="0">
+            <a:endParaRPr lang="en-US" sz="1400" dirty="0">
               <a:effectLst/>
               <a:latin typeface="Calibri" panose="020F0502020204030204" pitchFamily="34" charset="0"/>
               <a:ea typeface="Calibri" panose="020F0502020204030204" pitchFamily="34" charset="0"/>
@@ -6593,7 +6583,7 @@
           </a:bodyPr>
           <a:lstStyle/>
           <a:p>
-            <a:pPr xmlns:a="http://schemas.openxmlformats.org/drawingml/2006/main" lvl="0">
+            <a:pPr lvl="0">
               <a:lnSpc>
                 <a:spcPct val="107000"/>
               </a:lnSpc>
@@ -6601,7 +6591,7 @@
                 <a:spcPts val="800"/>
               </a:spcAft>
             </a:pPr>
-            <a:r xmlns:a="http://schemas.openxmlformats.org/drawingml/2006/main">
+            <a:r>
               <a:rPr lang="en" b="1" dirty="0" smtClean="0">
                 <a:latin typeface="Segoe UI" panose="020B0502040204020203" pitchFamily="34" charset="0"/>
                 <a:ea typeface="Calibri" panose="020F0502020204030204" pitchFamily="34" charset="0"/>
@@ -6609,7 +6599,7 @@
               </a:rPr>
               <a:t>Details </a:t>
             </a:r>
-            <a:r xmlns:a="http://schemas.openxmlformats.org/drawingml/2006/main">
+            <a:r>
               <a:rPr lang="en" dirty="0" smtClean="0">
                 <a:latin typeface="Segoe UI" panose="020B0502040204020203" pitchFamily="34" charset="0"/>
                 <a:ea typeface="Calibri" panose="020F0502020204030204" pitchFamily="34" charset="0"/>
@@ -6617,7 +6607,7 @@
               </a:rPr>
               <a:t>page level</a:t>
             </a:r>
-            <a:r xmlns:a="http://schemas.openxmlformats.org/drawingml/2006/main">
+            <a:r>
               <a:rPr lang="en" b="1" dirty="0" smtClean="0">
                 <a:latin typeface="Segoe UI" panose="020B0502040204020203" pitchFamily="34" charset="0"/>
                 <a:ea typeface="Calibri" panose="020F0502020204030204" pitchFamily="34" charset="0"/>
@@ -6625,7 +6615,7 @@
               </a:rPr>
               <a:t> </a:t>
             </a:r>
-            <a:endParaRPr xmlns:a="http://schemas.openxmlformats.org/drawingml/2006/main" lang="en-US" sz="1400" dirty="0">
+            <a:endParaRPr lang="en-US" sz="1400" dirty="0">
               <a:effectLst/>
               <a:latin typeface="Calibri" panose="020F0502020204030204" pitchFamily="34" charset="0"/>
               <a:ea typeface="Calibri" panose="020F0502020204030204" pitchFamily="34" charset="0"/>
@@ -6728,14 +6718,14 @@
           </a:bodyPr>
           <a:lstStyle/>
           <a:p>
-            <a:r xmlns:a="http://schemas.openxmlformats.org/drawingml/2006/main">
+            <a:r>
               <a:rPr lang="en" sz="2800" b="1" dirty="0" smtClean="0">
                 <a:latin typeface="Segoe UI" panose="020B0502040204020203" pitchFamily="34" charset="0"/>
                 <a:cs typeface="Segoe UI" panose="020B0502040204020203" pitchFamily="34" charset="0"/>
               </a:rPr>
               <a:t>Drill through</a:t>
             </a:r>
-            <a:endParaRPr xmlns:a="http://schemas.openxmlformats.org/drawingml/2006/main" lang="en-US" sz="2800" b="1" dirty="0">
+            <a:endParaRPr lang="en-US" sz="2800" b="1" dirty="0">
               <a:latin typeface="Segoe UI" panose="020B0502040204020203" pitchFamily="34" charset="0"/>
               <a:cs typeface="Segoe UI" panose="020B0502040204020203" pitchFamily="34" charset="0"/>
             </a:endParaRPr>
@@ -6763,7 +6753,7 @@
           </a:bodyPr>
           <a:lstStyle/>
           <a:p>
-            <a:pPr xmlns:a="http://schemas.openxmlformats.org/drawingml/2006/main" lvl="0">
+            <a:pPr lvl="0">
               <a:lnSpc>
                 <a:spcPct val="107000"/>
               </a:lnSpc>
@@ -6771,7 +6761,7 @@
                 <a:spcPts val="800"/>
               </a:spcAft>
             </a:pPr>
-            <a:r xmlns:a="http://schemas.openxmlformats.org/drawingml/2006/main">
+            <a:r>
               <a:rPr lang="en" dirty="0" smtClean="0">
                 <a:latin typeface="Segoe UI" panose="020B0502040204020203" pitchFamily="34" charset="0"/>
                 <a:ea typeface="Calibri" panose="020F0502020204030204" pitchFamily="34" charset="0"/>
@@ -6779,7 +6769,7 @@
               </a:rPr>
               <a:t>Return to the </a:t>
             </a:r>
-            <a:r xmlns:a="http://schemas.openxmlformats.org/drawingml/2006/main">
+            <a:r>
               <a:rPr lang="en" b="1" dirty="0" err="1" smtClean="0">
                 <a:latin typeface="Segoe UI" panose="020B0502040204020203" pitchFamily="34" charset="0"/>
                 <a:ea typeface="Calibri" panose="020F0502020204030204" pitchFamily="34" charset="0"/>
@@ -6787,7 +6777,7 @@
               </a:rPr>
               <a:t>GDP page </a:t>
             </a:r>
-            <a:r xmlns:a="http://schemas.openxmlformats.org/drawingml/2006/main">
+            <a:r>
               <a:rPr lang="en" dirty="0" smtClean="0">
                 <a:latin typeface="Segoe UI" panose="020B0502040204020203" pitchFamily="34" charset="0"/>
                 <a:ea typeface="Calibri" panose="020F0502020204030204" pitchFamily="34" charset="0"/>
@@ -6795,7 +6785,7 @@
               </a:rPr>
               <a:t>and right-click on </a:t>
             </a:r>
-            <a:r xmlns:a="http://schemas.openxmlformats.org/drawingml/2006/main">
+            <a:r>
               <a:rPr lang="en" b="1" dirty="0" err="1" smtClean="0">
                 <a:latin typeface="Segoe UI" panose="020B0502040204020203" pitchFamily="34" charset="0"/>
                 <a:ea typeface="Calibri" panose="020F0502020204030204" pitchFamily="34" charset="0"/>
@@ -6803,7 +6793,7 @@
               </a:rPr>
               <a:t>Africa.</a:t>
             </a:r>
-            <a:endParaRPr xmlns:a="http://schemas.openxmlformats.org/drawingml/2006/main" lang="en-US" sz="1400" b="1" dirty="0">
+            <a:endParaRPr lang="en-US" sz="1400" b="1" dirty="0">
               <a:effectLst/>
               <a:latin typeface="Calibri" panose="020F0502020204030204" pitchFamily="34" charset="0"/>
               <a:ea typeface="Calibri" panose="020F0502020204030204" pitchFamily="34" charset="0"/>
@@ -6833,7 +6823,7 @@
           </a:bodyPr>
           <a:lstStyle/>
           <a:p>
-            <a:pPr xmlns:a="http://schemas.openxmlformats.org/drawingml/2006/main" lvl="0">
+            <a:pPr lvl="0">
               <a:lnSpc>
                 <a:spcPct val="107000"/>
               </a:lnSpc>
@@ -6841,7 +6831,7 @@
                 <a:spcPts val="800"/>
               </a:spcAft>
             </a:pPr>
-            <a:r xmlns:a="http://schemas.openxmlformats.org/drawingml/2006/main">
+            <a:r>
               <a:rPr lang="en" dirty="0" err="1" smtClean="0">
                 <a:latin typeface="Segoe UI" panose="020B0502040204020203" pitchFamily="34" charset="0"/>
                 <a:ea typeface="Calibri" panose="020F0502020204030204" pitchFamily="34" charset="0"/>
@@ -6849,7 +6839,7 @@
               </a:rPr>
               <a:t>Note </a:t>
             </a:r>
-            <a:r xmlns:a="http://schemas.openxmlformats.org/drawingml/2006/main">
+            <a:r>
               <a:rPr lang="en" dirty="0" smtClean="0">
                 <a:latin typeface="Segoe UI" panose="020B0502040204020203" pitchFamily="34" charset="0"/>
                 <a:ea typeface="Calibri" panose="020F0502020204030204" pitchFamily="34" charset="0"/>
@@ -6857,7 +6847,7 @@
               </a:rPr>
               <a:t>the presence of the </a:t>
             </a:r>
-            <a:r xmlns:a="http://schemas.openxmlformats.org/drawingml/2006/main">
+            <a:r>
               <a:rPr lang="en" b="1" dirty="0" err="1" smtClean="0">
                 <a:latin typeface="Segoe UI" panose="020B0502040204020203" pitchFamily="34" charset="0"/>
                 <a:ea typeface="Calibri" panose="020F0502020204030204" pitchFamily="34" charset="0"/>
@@ -6865,7 +6855,7 @@
               </a:rPr>
               <a:t>Drillthrough menu</a:t>
             </a:r>
-            <a:endParaRPr xmlns:a="http://schemas.openxmlformats.org/drawingml/2006/main" lang="en-US" sz="1400" b="1" dirty="0">
+            <a:endParaRPr lang="en-US" sz="1400" b="1" dirty="0">
               <a:effectLst/>
               <a:latin typeface="Calibri" panose="020F0502020204030204" pitchFamily="34" charset="0"/>
               <a:ea typeface="Calibri" panose="020F0502020204030204" pitchFamily="34" charset="0"/>
